--- a/Homework2/数据仓库报告.pptx
+++ b/Homework2/数据仓库报告.pptx
@@ -6,32 +6,34 @@
     <p:sldMasterId id="2147483679" r:id="rId2"/>
   </p:sldMasterIdLst>
   <p:notesMasterIdLst>
-    <p:notesMasterId r:id="rId26"/>
+    <p:notesMasterId r:id="rId28"/>
   </p:notesMasterIdLst>
   <p:sldIdLst>
     <p:sldId id="256" r:id="rId3"/>
-    <p:sldId id="348" r:id="rId4"/>
-    <p:sldId id="349" r:id="rId5"/>
-    <p:sldId id="474" r:id="rId6"/>
-    <p:sldId id="477" r:id="rId7"/>
-    <p:sldId id="479" r:id="rId8"/>
-    <p:sldId id="482" r:id="rId9"/>
-    <p:sldId id="483" r:id="rId10"/>
-    <p:sldId id="485" r:id="rId11"/>
-    <p:sldId id="488" r:id="rId12"/>
-    <p:sldId id="489" r:id="rId13"/>
-    <p:sldId id="491" r:id="rId14"/>
-    <p:sldId id="495" r:id="rId15"/>
-    <p:sldId id="497" r:id="rId16"/>
-    <p:sldId id="498" r:id="rId17"/>
-    <p:sldId id="499" r:id="rId18"/>
-    <p:sldId id="500" r:id="rId19"/>
-    <p:sldId id="501" r:id="rId20"/>
-    <p:sldId id="502" r:id="rId21"/>
-    <p:sldId id="503" r:id="rId22"/>
-    <p:sldId id="504" r:id="rId23"/>
-    <p:sldId id="505" r:id="rId24"/>
-    <p:sldId id="506" r:id="rId25"/>
+    <p:sldId id="507" r:id="rId4"/>
+    <p:sldId id="348" r:id="rId5"/>
+    <p:sldId id="349" r:id="rId6"/>
+    <p:sldId id="474" r:id="rId7"/>
+    <p:sldId id="477" r:id="rId8"/>
+    <p:sldId id="479" r:id="rId9"/>
+    <p:sldId id="482" r:id="rId10"/>
+    <p:sldId id="483" r:id="rId11"/>
+    <p:sldId id="485" r:id="rId12"/>
+    <p:sldId id="488" r:id="rId13"/>
+    <p:sldId id="489" r:id="rId14"/>
+    <p:sldId id="491" r:id="rId15"/>
+    <p:sldId id="495" r:id="rId16"/>
+    <p:sldId id="497" r:id="rId17"/>
+    <p:sldId id="498" r:id="rId18"/>
+    <p:sldId id="499" r:id="rId19"/>
+    <p:sldId id="500" r:id="rId20"/>
+    <p:sldId id="501" r:id="rId21"/>
+    <p:sldId id="502" r:id="rId22"/>
+    <p:sldId id="503" r:id="rId23"/>
+    <p:sldId id="504" r:id="rId24"/>
+    <p:sldId id="505" r:id="rId25"/>
+    <p:sldId id="506" r:id="rId26"/>
+    <p:sldId id="508" r:id="rId27"/>
   </p:sldIdLst>
   <p:sldSz cx="12192000" cy="6858000"/>
   <p:notesSz cx="6858000" cy="9144000"/>
@@ -560,7 +562,7 @@
           <a:p>
             <a:fld id="{211EDE8F-5748-564A-B104-45C8D6344219}" type="slidenum">
               <a:rPr kumimoji="1" lang="zh-CN" altLang="en-US" smtClean="0"/>
-              <a:t>15</a:t>
+              <a:t>16</a:t>
             </a:fld>
             <a:endParaRPr kumimoji="1" lang="zh-CN" altLang="en-US"/>
           </a:p>
@@ -644,7 +646,7 @@
           <a:p>
             <a:fld id="{211EDE8F-5748-564A-B104-45C8D6344219}" type="slidenum">
               <a:rPr kumimoji="1" lang="zh-CN" altLang="en-US" smtClean="0"/>
-              <a:t>19</a:t>
+              <a:t>20</a:t>
             </a:fld>
             <a:endParaRPr kumimoji="1" lang="zh-CN" altLang="en-US"/>
           </a:p>
@@ -5746,8 +5748,12 @@
           <a:lstStyle/>
           <a:p>
             <a:r>
+              <a:rPr lang="en-US" altLang="zh-CN" dirty="0" smtClean="0"/>
+              <a:t>K-NN</a:t>
+            </a:r>
+            <a:r>
               <a:rPr lang="zh-CN" altLang="en-US" dirty="0" smtClean="0"/>
-              <a:t>正负样例平衡方法</a:t>
+              <a:t>算法</a:t>
             </a:r>
             <a:endParaRPr lang="zh-CN" altLang="en-US" dirty="0"/>
           </a:p>
@@ -5769,8 +5775,12 @@
           <a:lstStyle/>
           <a:p>
             <a:r>
+              <a:rPr lang="en-US" altLang="zh-CN" sz="2400" dirty="0"/>
+              <a:t>4</a:t>
+            </a:r>
+            <a:r>
               <a:rPr lang="en-US" altLang="zh-CN" sz="2400" dirty="0" smtClean="0"/>
-              <a:t>4-2</a:t>
+              <a:t>-1</a:t>
             </a:r>
             <a:endParaRPr lang="zh-CN" altLang="en-US" sz="2400" dirty="0"/>
           </a:p>
@@ -5821,1369 +5831,24 @@
         </p:blipFill>
         <p:spPr>
           <a:xfrm>
-            <a:off x="1524000" y="1305342"/>
-            <a:ext cx="9144000" cy="2057400"/>
+            <a:off x="1466850" y="1585912"/>
+            <a:ext cx="9258300" cy="3686175"/>
           </a:xfrm>
           <a:prstGeom prst="rect">
             <a:avLst/>
           </a:prstGeom>
         </p:spPr>
       </p:pic>
-      <p:sp>
-        <p:nvSpPr>
-          <p:cNvPr id="7" name="椭圆 6"/>
-          <p:cNvSpPr/>
-          <p:nvPr/>
-        </p:nvSpPr>
-        <p:spPr>
-          <a:xfrm>
-            <a:off x="1402672" y="3693111"/>
-            <a:ext cx="2356483" cy="2317072"/>
-          </a:xfrm>
-          <a:prstGeom prst="ellipse">
-            <a:avLst/>
-          </a:prstGeom>
-          <a:noFill/>
-          <a:ln w="28575">
-            <a:solidFill>
-              <a:schemeClr val="tx1"/>
-            </a:solidFill>
-          </a:ln>
-        </p:spPr>
-        <p:style>
-          <a:lnRef idx="2">
-            <a:schemeClr val="accent1">
-              <a:shade val="50000"/>
-            </a:schemeClr>
-          </a:lnRef>
-          <a:fillRef idx="1">
-            <a:schemeClr val="accent1"/>
-          </a:fillRef>
-          <a:effectRef idx="0">
-            <a:schemeClr val="accent1"/>
-          </a:effectRef>
-          <a:fontRef idx="minor">
-            <a:schemeClr val="lt1"/>
-          </a:fontRef>
-        </p:style>
-        <p:txBody>
-          <a:bodyPr rtlCol="0" anchor="ctr"/>
-          <a:lstStyle/>
-          <a:p>
-            <a:pPr algn="ctr"/>
-            <a:endParaRPr kumimoji="1" lang="zh-CN" altLang="en-US">
-              <a:solidFill>
-                <a:schemeClr val="tx1"/>
-              </a:solidFill>
-            </a:endParaRPr>
-          </a:p>
-        </p:txBody>
-      </p:sp>
-      <p:sp>
-        <p:nvSpPr>
-          <p:cNvPr id="8" name="椭圆 7"/>
-          <p:cNvSpPr/>
-          <p:nvPr/>
-        </p:nvSpPr>
-        <p:spPr>
-          <a:xfrm>
-            <a:off x="7565254" y="3693111"/>
-            <a:ext cx="2356483" cy="2317072"/>
-          </a:xfrm>
-          <a:prstGeom prst="ellipse">
-            <a:avLst/>
-          </a:prstGeom>
-          <a:noFill/>
-          <a:ln w="28575">
-            <a:solidFill>
-              <a:schemeClr val="tx1"/>
-            </a:solidFill>
-          </a:ln>
-        </p:spPr>
-        <p:style>
-          <a:lnRef idx="2">
-            <a:schemeClr val="accent1">
-              <a:shade val="50000"/>
-            </a:schemeClr>
-          </a:lnRef>
-          <a:fillRef idx="1">
-            <a:schemeClr val="accent1"/>
-          </a:fillRef>
-          <a:effectRef idx="0">
-            <a:schemeClr val="accent1"/>
-          </a:effectRef>
-          <a:fontRef idx="minor">
-            <a:schemeClr val="lt1"/>
-          </a:fontRef>
-        </p:style>
-        <p:txBody>
-          <a:bodyPr rtlCol="0" anchor="ctr"/>
-          <a:lstStyle/>
-          <a:p>
-            <a:pPr algn="ctr"/>
-            <a:endParaRPr kumimoji="1" lang="zh-CN" altLang="en-US">
-              <a:solidFill>
-                <a:schemeClr val="tx1"/>
-              </a:solidFill>
-            </a:endParaRPr>
-          </a:p>
-        </p:txBody>
-      </p:sp>
-      <p:sp>
-        <p:nvSpPr>
-          <p:cNvPr id="22" name="等腰三角形 21"/>
-          <p:cNvSpPr/>
-          <p:nvPr/>
-        </p:nvSpPr>
-        <p:spPr>
-          <a:xfrm>
-            <a:off x="2015231" y="4296792"/>
-            <a:ext cx="159798" cy="150921"/>
-          </a:xfrm>
-          <a:prstGeom prst="triangle">
-            <a:avLst/>
-          </a:prstGeom>
-          <a:ln>
-            <a:noFill/>
-          </a:ln>
-        </p:spPr>
-        <p:style>
-          <a:lnRef idx="2">
-            <a:schemeClr val="accent1">
-              <a:shade val="50000"/>
-            </a:schemeClr>
-          </a:lnRef>
-          <a:fillRef idx="1">
-            <a:schemeClr val="accent1"/>
-          </a:fillRef>
-          <a:effectRef idx="0">
-            <a:schemeClr val="accent1"/>
-          </a:effectRef>
-          <a:fontRef idx="minor">
-            <a:schemeClr val="lt1"/>
-          </a:fontRef>
-        </p:style>
-        <p:txBody>
-          <a:bodyPr rtlCol="0" anchor="ctr"/>
-          <a:lstStyle/>
-          <a:p>
-            <a:pPr algn="ctr"/>
-            <a:endParaRPr kumimoji="1" lang="zh-CN" altLang="en-US">
-              <a:solidFill>
-                <a:schemeClr val="tx1"/>
-              </a:solidFill>
-            </a:endParaRPr>
-          </a:p>
-        </p:txBody>
-      </p:sp>
-      <p:sp>
-        <p:nvSpPr>
-          <p:cNvPr id="23" name="等腰三角形 22"/>
-          <p:cNvSpPr/>
-          <p:nvPr/>
-        </p:nvSpPr>
-        <p:spPr>
-          <a:xfrm>
-            <a:off x="2544932" y="4221331"/>
-            <a:ext cx="159798" cy="150921"/>
-          </a:xfrm>
-          <a:prstGeom prst="triangle">
-            <a:avLst/>
-          </a:prstGeom>
-          <a:ln>
-            <a:noFill/>
-          </a:ln>
-        </p:spPr>
-        <p:style>
-          <a:lnRef idx="2">
-            <a:schemeClr val="accent1">
-              <a:shade val="50000"/>
-            </a:schemeClr>
-          </a:lnRef>
-          <a:fillRef idx="1">
-            <a:schemeClr val="accent1"/>
-          </a:fillRef>
-          <a:effectRef idx="0">
-            <a:schemeClr val="accent1"/>
-          </a:effectRef>
-          <a:fontRef idx="minor">
-            <a:schemeClr val="lt1"/>
-          </a:fontRef>
-        </p:style>
-        <p:txBody>
-          <a:bodyPr rtlCol="0" anchor="ctr"/>
-          <a:lstStyle/>
-          <a:p>
-            <a:pPr algn="ctr"/>
-            <a:endParaRPr kumimoji="1" lang="zh-CN" altLang="en-US">
-              <a:solidFill>
-                <a:schemeClr val="tx1"/>
-              </a:solidFill>
-            </a:endParaRPr>
-          </a:p>
-        </p:txBody>
-      </p:sp>
-      <p:sp>
-        <p:nvSpPr>
-          <p:cNvPr id="24" name="等腰三角形 23"/>
-          <p:cNvSpPr/>
-          <p:nvPr/>
-        </p:nvSpPr>
-        <p:spPr>
-          <a:xfrm>
-            <a:off x="1899822" y="4830931"/>
-            <a:ext cx="159798" cy="150921"/>
-          </a:xfrm>
-          <a:prstGeom prst="triangle">
-            <a:avLst/>
-          </a:prstGeom>
-          <a:ln>
-            <a:noFill/>
-          </a:ln>
-        </p:spPr>
-        <p:style>
-          <a:lnRef idx="2">
-            <a:schemeClr val="accent1">
-              <a:shade val="50000"/>
-            </a:schemeClr>
-          </a:lnRef>
-          <a:fillRef idx="1">
-            <a:schemeClr val="accent1"/>
-          </a:fillRef>
-          <a:effectRef idx="0">
-            <a:schemeClr val="accent1"/>
-          </a:effectRef>
-          <a:fontRef idx="minor">
-            <a:schemeClr val="lt1"/>
-          </a:fontRef>
-        </p:style>
-        <p:txBody>
-          <a:bodyPr rtlCol="0" anchor="ctr"/>
-          <a:lstStyle/>
-          <a:p>
-            <a:pPr algn="ctr"/>
-            <a:endParaRPr kumimoji="1" lang="zh-CN" altLang="en-US">
-              <a:solidFill>
-                <a:schemeClr val="tx1"/>
-              </a:solidFill>
-            </a:endParaRPr>
-          </a:p>
-        </p:txBody>
-      </p:sp>
-      <p:sp>
-        <p:nvSpPr>
-          <p:cNvPr id="25" name="等腰三角形 24"/>
-          <p:cNvSpPr/>
-          <p:nvPr/>
-        </p:nvSpPr>
-        <p:spPr>
-          <a:xfrm>
-            <a:off x="2160233" y="5154966"/>
-            <a:ext cx="159798" cy="150921"/>
-          </a:xfrm>
-          <a:prstGeom prst="triangle">
-            <a:avLst/>
-          </a:prstGeom>
-          <a:ln>
-            <a:noFill/>
-          </a:ln>
-        </p:spPr>
-        <p:style>
-          <a:lnRef idx="2">
-            <a:schemeClr val="accent1">
-              <a:shade val="50000"/>
-            </a:schemeClr>
-          </a:lnRef>
-          <a:fillRef idx="1">
-            <a:schemeClr val="accent1"/>
-          </a:fillRef>
-          <a:effectRef idx="0">
-            <a:schemeClr val="accent1"/>
-          </a:effectRef>
-          <a:fontRef idx="minor">
-            <a:schemeClr val="lt1"/>
-          </a:fontRef>
-        </p:style>
-        <p:txBody>
-          <a:bodyPr rtlCol="0" anchor="ctr"/>
-          <a:lstStyle/>
-          <a:p>
-            <a:pPr algn="ctr"/>
-            <a:endParaRPr kumimoji="1" lang="zh-CN" altLang="en-US">
-              <a:solidFill>
-                <a:schemeClr val="tx1"/>
-              </a:solidFill>
-            </a:endParaRPr>
-          </a:p>
-        </p:txBody>
-      </p:sp>
-      <p:sp>
-        <p:nvSpPr>
-          <p:cNvPr id="26" name="等腰三角形 25"/>
-          <p:cNvSpPr/>
-          <p:nvPr/>
-        </p:nvSpPr>
-        <p:spPr>
-          <a:xfrm>
-            <a:off x="2624831" y="4906392"/>
-            <a:ext cx="159798" cy="150921"/>
-          </a:xfrm>
-          <a:prstGeom prst="triangle">
-            <a:avLst/>
-          </a:prstGeom>
-          <a:ln>
-            <a:noFill/>
-          </a:ln>
-        </p:spPr>
-        <p:style>
-          <a:lnRef idx="2">
-            <a:schemeClr val="accent1">
-              <a:shade val="50000"/>
-            </a:schemeClr>
-          </a:lnRef>
-          <a:fillRef idx="1">
-            <a:schemeClr val="accent1"/>
-          </a:fillRef>
-          <a:effectRef idx="0">
-            <a:schemeClr val="accent1"/>
-          </a:effectRef>
-          <a:fontRef idx="minor">
-            <a:schemeClr val="lt1"/>
-          </a:fontRef>
-        </p:style>
-        <p:txBody>
-          <a:bodyPr rtlCol="0" anchor="ctr"/>
-          <a:lstStyle/>
-          <a:p>
-            <a:pPr algn="ctr"/>
-            <a:endParaRPr kumimoji="1" lang="zh-CN" altLang="en-US">
-              <a:solidFill>
-                <a:schemeClr val="tx1"/>
-              </a:solidFill>
-            </a:endParaRPr>
-          </a:p>
-        </p:txBody>
-      </p:sp>
-      <p:sp>
-        <p:nvSpPr>
-          <p:cNvPr id="27" name="单圆角矩形 26"/>
-          <p:cNvSpPr/>
-          <p:nvPr/>
-        </p:nvSpPr>
-        <p:spPr>
-          <a:xfrm>
-            <a:off x="3258104" y="4576023"/>
-            <a:ext cx="177553" cy="173530"/>
-          </a:xfrm>
-          <a:prstGeom prst="round1Rect">
-            <a:avLst/>
-          </a:prstGeom>
-          <a:solidFill>
-            <a:srgbClr val="00B0F0"/>
-          </a:solidFill>
-          <a:ln>
-            <a:noFill/>
-          </a:ln>
-        </p:spPr>
-        <p:style>
-          <a:lnRef idx="2">
-            <a:schemeClr val="accent1">
-              <a:shade val="50000"/>
-            </a:schemeClr>
-          </a:lnRef>
-          <a:fillRef idx="1">
-            <a:schemeClr val="accent1"/>
-          </a:fillRef>
-          <a:effectRef idx="0">
-            <a:schemeClr val="accent1"/>
-          </a:effectRef>
-          <a:fontRef idx="minor">
-            <a:schemeClr val="lt1"/>
-          </a:fontRef>
-        </p:style>
-        <p:txBody>
-          <a:bodyPr rtlCol="0" anchor="ctr"/>
-          <a:lstStyle/>
-          <a:p>
-            <a:pPr algn="ctr"/>
-            <a:endParaRPr kumimoji="1" lang="zh-CN" altLang="en-US">
-              <a:solidFill>
-                <a:schemeClr val="tx1"/>
-              </a:solidFill>
-            </a:endParaRPr>
-          </a:p>
-        </p:txBody>
-      </p:sp>
-      <p:sp>
-        <p:nvSpPr>
-          <p:cNvPr id="31" name="单圆角矩形 30"/>
-          <p:cNvSpPr/>
-          <p:nvPr/>
-        </p:nvSpPr>
-        <p:spPr>
-          <a:xfrm>
-            <a:off x="2906426" y="4123261"/>
-            <a:ext cx="177553" cy="173530"/>
-          </a:xfrm>
-          <a:prstGeom prst="round1Rect">
-            <a:avLst/>
-          </a:prstGeom>
-          <a:solidFill>
-            <a:srgbClr val="00B0F0"/>
-          </a:solidFill>
-          <a:ln>
-            <a:noFill/>
-          </a:ln>
-        </p:spPr>
-        <p:style>
-          <a:lnRef idx="2">
-            <a:schemeClr val="accent1">
-              <a:shade val="50000"/>
-            </a:schemeClr>
-          </a:lnRef>
-          <a:fillRef idx="1">
-            <a:schemeClr val="accent1"/>
-          </a:fillRef>
-          <a:effectRef idx="0">
-            <a:schemeClr val="accent1"/>
-          </a:effectRef>
-          <a:fontRef idx="minor">
-            <a:schemeClr val="lt1"/>
-          </a:fontRef>
-        </p:style>
-        <p:txBody>
-          <a:bodyPr rtlCol="0" anchor="ctr"/>
-          <a:lstStyle/>
-          <a:p>
-            <a:pPr algn="ctr"/>
-            <a:endParaRPr kumimoji="1" lang="zh-CN" altLang="en-US">
-              <a:solidFill>
-                <a:schemeClr val="tx1"/>
-              </a:solidFill>
-            </a:endParaRPr>
-          </a:p>
-        </p:txBody>
-      </p:sp>
-      <p:sp>
-        <p:nvSpPr>
-          <p:cNvPr id="32" name="单圆角矩形 31"/>
-          <p:cNvSpPr/>
-          <p:nvPr/>
-        </p:nvSpPr>
-        <p:spPr>
-          <a:xfrm>
-            <a:off x="2342224" y="4572116"/>
-            <a:ext cx="177553" cy="173530"/>
-          </a:xfrm>
-          <a:prstGeom prst="round1Rect">
-            <a:avLst/>
-          </a:prstGeom>
-          <a:solidFill>
-            <a:srgbClr val="00B0F0"/>
-          </a:solidFill>
-          <a:ln>
-            <a:noFill/>
-          </a:ln>
-        </p:spPr>
-        <p:style>
-          <a:lnRef idx="2">
-            <a:schemeClr val="accent1">
-              <a:shade val="50000"/>
-            </a:schemeClr>
-          </a:lnRef>
-          <a:fillRef idx="1">
-            <a:schemeClr val="accent1"/>
-          </a:fillRef>
-          <a:effectRef idx="0">
-            <a:schemeClr val="accent1"/>
-          </a:effectRef>
-          <a:fontRef idx="minor">
-            <a:schemeClr val="lt1"/>
-          </a:fontRef>
-        </p:style>
-        <p:txBody>
-          <a:bodyPr rtlCol="0" anchor="ctr"/>
-          <a:lstStyle/>
-          <a:p>
-            <a:pPr algn="ctr"/>
-            <a:endParaRPr kumimoji="1" lang="zh-CN" altLang="en-US">
-              <a:solidFill>
-                <a:schemeClr val="tx1"/>
-              </a:solidFill>
-            </a:endParaRPr>
-          </a:p>
-        </p:txBody>
-      </p:sp>
-      <p:sp>
-        <p:nvSpPr>
-          <p:cNvPr id="33" name="单圆角矩形 32"/>
-          <p:cNvSpPr/>
-          <p:nvPr/>
-        </p:nvSpPr>
-        <p:spPr>
-          <a:xfrm>
-            <a:off x="2862039" y="5230426"/>
-            <a:ext cx="177553" cy="173530"/>
-          </a:xfrm>
-          <a:prstGeom prst="round1Rect">
-            <a:avLst/>
-          </a:prstGeom>
-          <a:solidFill>
-            <a:srgbClr val="00B0F0"/>
-          </a:solidFill>
-          <a:ln>
-            <a:noFill/>
-          </a:ln>
-        </p:spPr>
-        <p:style>
-          <a:lnRef idx="2">
-            <a:schemeClr val="accent1">
-              <a:shade val="50000"/>
-            </a:schemeClr>
-          </a:lnRef>
-          <a:fillRef idx="1">
-            <a:schemeClr val="accent1"/>
-          </a:fillRef>
-          <a:effectRef idx="0">
-            <a:schemeClr val="accent1"/>
-          </a:effectRef>
-          <a:fontRef idx="minor">
-            <a:schemeClr val="lt1"/>
-          </a:fontRef>
-        </p:style>
-        <p:txBody>
-          <a:bodyPr rtlCol="0" anchor="ctr"/>
-          <a:lstStyle/>
-          <a:p>
-            <a:pPr algn="ctr"/>
-            <a:endParaRPr kumimoji="1" lang="zh-CN" altLang="en-US">
-              <a:solidFill>
-                <a:schemeClr val="tx1"/>
-              </a:solidFill>
-            </a:endParaRPr>
-          </a:p>
-        </p:txBody>
-      </p:sp>
-      <p:sp>
-        <p:nvSpPr>
-          <p:cNvPr id="34" name="等腰三角形 33"/>
-          <p:cNvSpPr/>
-          <p:nvPr/>
-        </p:nvSpPr>
-        <p:spPr>
-          <a:xfrm>
-            <a:off x="4705788" y="3515557"/>
-            <a:ext cx="159798" cy="150921"/>
-          </a:xfrm>
-          <a:prstGeom prst="triangle">
-            <a:avLst/>
-          </a:prstGeom>
-          <a:ln>
-            <a:noFill/>
-          </a:ln>
-        </p:spPr>
-        <p:style>
-          <a:lnRef idx="2">
-            <a:schemeClr val="accent1">
-              <a:shade val="50000"/>
-            </a:schemeClr>
-          </a:lnRef>
-          <a:fillRef idx="1">
-            <a:schemeClr val="accent1"/>
-          </a:fillRef>
-          <a:effectRef idx="0">
-            <a:schemeClr val="accent1"/>
-          </a:effectRef>
-          <a:fontRef idx="minor">
-            <a:schemeClr val="lt1"/>
-          </a:fontRef>
-        </p:style>
-        <p:txBody>
-          <a:bodyPr rtlCol="0" anchor="ctr"/>
-          <a:lstStyle/>
-          <a:p>
-            <a:pPr algn="ctr"/>
-            <a:endParaRPr kumimoji="1" lang="zh-CN" altLang="en-US">
-              <a:solidFill>
-                <a:schemeClr val="tx1"/>
-              </a:solidFill>
-            </a:endParaRPr>
-          </a:p>
-        </p:txBody>
-      </p:sp>
-      <p:sp>
-        <p:nvSpPr>
-          <p:cNvPr id="35" name="单圆角矩形 34"/>
-          <p:cNvSpPr/>
-          <p:nvPr/>
-        </p:nvSpPr>
-        <p:spPr>
-          <a:xfrm>
-            <a:off x="6387952" y="3492948"/>
-            <a:ext cx="177553" cy="173530"/>
-          </a:xfrm>
-          <a:prstGeom prst="round1Rect">
-            <a:avLst/>
-          </a:prstGeom>
-          <a:solidFill>
-            <a:srgbClr val="00B0F0"/>
-          </a:solidFill>
-          <a:ln>
-            <a:noFill/>
-          </a:ln>
-        </p:spPr>
-        <p:style>
-          <a:lnRef idx="2">
-            <a:schemeClr val="accent1">
-              <a:shade val="50000"/>
-            </a:schemeClr>
-          </a:lnRef>
-          <a:fillRef idx="1">
-            <a:schemeClr val="accent1"/>
-          </a:fillRef>
-          <a:effectRef idx="0">
-            <a:schemeClr val="accent1"/>
-          </a:effectRef>
-          <a:fontRef idx="minor">
-            <a:schemeClr val="lt1"/>
-          </a:fontRef>
-        </p:style>
-        <p:txBody>
-          <a:bodyPr rtlCol="0" anchor="ctr"/>
-          <a:lstStyle/>
-          <a:p>
-            <a:pPr algn="ctr"/>
-            <a:endParaRPr kumimoji="1" lang="zh-CN" altLang="en-US">
-              <a:solidFill>
-                <a:schemeClr val="tx1"/>
-              </a:solidFill>
-            </a:endParaRPr>
-          </a:p>
-        </p:txBody>
-      </p:sp>
-      <p:sp>
-        <p:nvSpPr>
-          <p:cNvPr id="36" name="文本框 35"/>
-          <p:cNvSpPr txBox="1"/>
-          <p:nvPr/>
-        </p:nvSpPr>
-        <p:spPr>
-          <a:xfrm>
-            <a:off x="4010720" y="3388843"/>
-            <a:ext cx="958790" cy="369332"/>
-          </a:xfrm>
-          <a:prstGeom prst="rect">
-            <a:avLst/>
-          </a:prstGeom>
-          <a:noFill/>
-        </p:spPr>
-        <p:txBody>
-          <a:bodyPr wrap="square" rtlCol="0">
-            <a:spAutoFit/>
-          </a:bodyPr>
-          <a:lstStyle/>
-          <a:p>
-            <a:r>
-              <a:rPr lang="zh-CN" altLang="en-US" dirty="0" smtClean="0"/>
-              <a:t>正例：</a:t>
-            </a:r>
-            <a:endParaRPr lang="zh-CN" altLang="en-US" dirty="0"/>
-          </a:p>
-        </p:txBody>
-      </p:sp>
-      <p:sp>
-        <p:nvSpPr>
-          <p:cNvPr id="37" name="文本框 36"/>
-          <p:cNvSpPr txBox="1"/>
-          <p:nvPr/>
-        </p:nvSpPr>
-        <p:spPr>
-          <a:xfrm>
-            <a:off x="5656992" y="3395047"/>
-            <a:ext cx="958790" cy="369332"/>
-          </a:xfrm>
-          <a:prstGeom prst="rect">
-            <a:avLst/>
-          </a:prstGeom>
-          <a:noFill/>
-        </p:spPr>
-        <p:txBody>
-          <a:bodyPr wrap="square" rtlCol="0">
-            <a:spAutoFit/>
-          </a:bodyPr>
-          <a:lstStyle/>
-          <a:p>
-            <a:r>
-              <a:rPr lang="zh-CN" altLang="en-US" dirty="0"/>
-              <a:t>负</a:t>
-            </a:r>
-            <a:r>
-              <a:rPr lang="zh-CN" altLang="en-US" dirty="0" smtClean="0"/>
-              <a:t>例：</a:t>
-            </a:r>
-            <a:endParaRPr lang="zh-CN" altLang="en-US" dirty="0"/>
-          </a:p>
-        </p:txBody>
-      </p:sp>
-      <p:sp>
-        <p:nvSpPr>
-          <p:cNvPr id="38" name="等腰三角形 37"/>
-          <p:cNvSpPr/>
-          <p:nvPr/>
-        </p:nvSpPr>
-        <p:spPr>
-          <a:xfrm>
-            <a:off x="8080160" y="4402260"/>
-            <a:ext cx="159798" cy="150921"/>
-          </a:xfrm>
-          <a:prstGeom prst="triangle">
-            <a:avLst/>
-          </a:prstGeom>
-          <a:ln>
-            <a:noFill/>
-          </a:ln>
-        </p:spPr>
-        <p:style>
-          <a:lnRef idx="2">
-            <a:schemeClr val="accent1">
-              <a:shade val="50000"/>
-            </a:schemeClr>
-          </a:lnRef>
-          <a:fillRef idx="1">
-            <a:schemeClr val="accent1"/>
-          </a:fillRef>
-          <a:effectRef idx="0">
-            <a:schemeClr val="accent1"/>
-          </a:effectRef>
-          <a:fontRef idx="minor">
-            <a:schemeClr val="lt1"/>
-          </a:fontRef>
-        </p:style>
-        <p:txBody>
-          <a:bodyPr rtlCol="0" anchor="ctr"/>
-          <a:lstStyle/>
-          <a:p>
-            <a:pPr algn="ctr"/>
-            <a:endParaRPr kumimoji="1" lang="zh-CN" altLang="en-US">
-              <a:solidFill>
-                <a:schemeClr val="tx1"/>
-              </a:solidFill>
-            </a:endParaRPr>
-          </a:p>
-        </p:txBody>
-      </p:sp>
-      <p:sp>
-        <p:nvSpPr>
-          <p:cNvPr id="39" name="等腰三角形 38"/>
-          <p:cNvSpPr/>
-          <p:nvPr/>
-        </p:nvSpPr>
-        <p:spPr>
-          <a:xfrm>
-            <a:off x="8609861" y="4326799"/>
-            <a:ext cx="159798" cy="150921"/>
-          </a:xfrm>
-          <a:prstGeom prst="triangle">
-            <a:avLst/>
-          </a:prstGeom>
-          <a:ln>
-            <a:noFill/>
-          </a:ln>
-        </p:spPr>
-        <p:style>
-          <a:lnRef idx="2">
-            <a:schemeClr val="accent1">
-              <a:shade val="50000"/>
-            </a:schemeClr>
-          </a:lnRef>
-          <a:fillRef idx="1">
-            <a:schemeClr val="accent1"/>
-          </a:fillRef>
-          <a:effectRef idx="0">
-            <a:schemeClr val="accent1"/>
-          </a:effectRef>
-          <a:fontRef idx="minor">
-            <a:schemeClr val="lt1"/>
-          </a:fontRef>
-        </p:style>
-        <p:txBody>
-          <a:bodyPr rtlCol="0" anchor="ctr"/>
-          <a:lstStyle/>
-          <a:p>
-            <a:pPr algn="ctr"/>
-            <a:endParaRPr kumimoji="1" lang="zh-CN" altLang="en-US">
-              <a:solidFill>
-                <a:schemeClr val="tx1"/>
-              </a:solidFill>
-            </a:endParaRPr>
-          </a:p>
-        </p:txBody>
-      </p:sp>
-      <p:sp>
-        <p:nvSpPr>
-          <p:cNvPr id="40" name="等腰三角形 39"/>
-          <p:cNvSpPr/>
-          <p:nvPr/>
-        </p:nvSpPr>
-        <p:spPr>
-          <a:xfrm>
-            <a:off x="7964751" y="4936399"/>
-            <a:ext cx="159798" cy="150921"/>
-          </a:xfrm>
-          <a:prstGeom prst="triangle">
-            <a:avLst/>
-          </a:prstGeom>
-          <a:ln>
-            <a:noFill/>
-          </a:ln>
-        </p:spPr>
-        <p:style>
-          <a:lnRef idx="2">
-            <a:schemeClr val="accent1">
-              <a:shade val="50000"/>
-            </a:schemeClr>
-          </a:lnRef>
-          <a:fillRef idx="1">
-            <a:schemeClr val="accent1"/>
-          </a:fillRef>
-          <a:effectRef idx="0">
-            <a:schemeClr val="accent1"/>
-          </a:effectRef>
-          <a:fontRef idx="minor">
-            <a:schemeClr val="lt1"/>
-          </a:fontRef>
-        </p:style>
-        <p:txBody>
-          <a:bodyPr rtlCol="0" anchor="ctr"/>
-          <a:lstStyle/>
-          <a:p>
-            <a:pPr algn="ctr"/>
-            <a:endParaRPr kumimoji="1" lang="zh-CN" altLang="en-US">
-              <a:solidFill>
-                <a:schemeClr val="tx1"/>
-              </a:solidFill>
-            </a:endParaRPr>
-          </a:p>
-        </p:txBody>
-      </p:sp>
-      <p:sp>
-        <p:nvSpPr>
-          <p:cNvPr id="42" name="等腰三角形 41"/>
-          <p:cNvSpPr/>
-          <p:nvPr/>
-        </p:nvSpPr>
-        <p:spPr>
-          <a:xfrm>
-            <a:off x="8689760" y="5011860"/>
-            <a:ext cx="159798" cy="150921"/>
-          </a:xfrm>
-          <a:prstGeom prst="triangle">
-            <a:avLst/>
-          </a:prstGeom>
-          <a:ln>
-            <a:noFill/>
-          </a:ln>
-        </p:spPr>
-        <p:style>
-          <a:lnRef idx="2">
-            <a:schemeClr val="accent1">
-              <a:shade val="50000"/>
-            </a:schemeClr>
-          </a:lnRef>
-          <a:fillRef idx="1">
-            <a:schemeClr val="accent1"/>
-          </a:fillRef>
-          <a:effectRef idx="0">
-            <a:schemeClr val="accent1"/>
-          </a:effectRef>
-          <a:fontRef idx="minor">
-            <a:schemeClr val="lt1"/>
-          </a:fontRef>
-        </p:style>
-        <p:txBody>
-          <a:bodyPr rtlCol="0" anchor="ctr"/>
-          <a:lstStyle/>
-          <a:p>
-            <a:pPr algn="ctr"/>
-            <a:endParaRPr kumimoji="1" lang="zh-CN" altLang="en-US">
-              <a:solidFill>
-                <a:schemeClr val="tx1"/>
-              </a:solidFill>
-            </a:endParaRPr>
-          </a:p>
-        </p:txBody>
-      </p:sp>
-      <p:sp>
-        <p:nvSpPr>
-          <p:cNvPr id="43" name="单圆角矩形 42"/>
-          <p:cNvSpPr/>
-          <p:nvPr/>
-        </p:nvSpPr>
-        <p:spPr>
-          <a:xfrm>
-            <a:off x="9323033" y="4681491"/>
-            <a:ext cx="177553" cy="173530"/>
-          </a:xfrm>
-          <a:prstGeom prst="round1Rect">
-            <a:avLst/>
-          </a:prstGeom>
-          <a:solidFill>
-            <a:srgbClr val="00B0F0"/>
-          </a:solidFill>
-          <a:ln>
-            <a:noFill/>
-          </a:ln>
-        </p:spPr>
-        <p:style>
-          <a:lnRef idx="2">
-            <a:schemeClr val="accent1">
-              <a:shade val="50000"/>
-            </a:schemeClr>
-          </a:lnRef>
-          <a:fillRef idx="1">
-            <a:schemeClr val="accent1"/>
-          </a:fillRef>
-          <a:effectRef idx="0">
-            <a:schemeClr val="accent1"/>
-          </a:effectRef>
-          <a:fontRef idx="minor">
-            <a:schemeClr val="lt1"/>
-          </a:fontRef>
-        </p:style>
-        <p:txBody>
-          <a:bodyPr rtlCol="0" anchor="ctr"/>
-          <a:lstStyle/>
-          <a:p>
-            <a:pPr algn="ctr"/>
-            <a:endParaRPr kumimoji="1" lang="zh-CN" altLang="en-US">
-              <a:solidFill>
-                <a:schemeClr val="tx1"/>
-              </a:solidFill>
-            </a:endParaRPr>
-          </a:p>
-        </p:txBody>
-      </p:sp>
-      <p:sp>
-        <p:nvSpPr>
-          <p:cNvPr id="44" name="单圆角矩形 43"/>
-          <p:cNvSpPr/>
-          <p:nvPr/>
-        </p:nvSpPr>
-        <p:spPr>
-          <a:xfrm>
-            <a:off x="8971355" y="4228729"/>
-            <a:ext cx="177553" cy="173530"/>
-          </a:xfrm>
-          <a:prstGeom prst="round1Rect">
-            <a:avLst/>
-          </a:prstGeom>
-          <a:solidFill>
-            <a:srgbClr val="00B0F0"/>
-          </a:solidFill>
-          <a:ln>
-            <a:noFill/>
-          </a:ln>
-        </p:spPr>
-        <p:style>
-          <a:lnRef idx="2">
-            <a:schemeClr val="accent1">
-              <a:shade val="50000"/>
-            </a:schemeClr>
-          </a:lnRef>
-          <a:fillRef idx="1">
-            <a:schemeClr val="accent1"/>
-          </a:fillRef>
-          <a:effectRef idx="0">
-            <a:schemeClr val="accent1"/>
-          </a:effectRef>
-          <a:fontRef idx="minor">
-            <a:schemeClr val="lt1"/>
-          </a:fontRef>
-        </p:style>
-        <p:txBody>
-          <a:bodyPr rtlCol="0" anchor="ctr"/>
-          <a:lstStyle/>
-          <a:p>
-            <a:pPr algn="ctr"/>
-            <a:endParaRPr kumimoji="1" lang="zh-CN" altLang="en-US">
-              <a:solidFill>
-                <a:schemeClr val="tx1"/>
-              </a:solidFill>
-            </a:endParaRPr>
-          </a:p>
-        </p:txBody>
-      </p:sp>
-      <p:sp>
-        <p:nvSpPr>
-          <p:cNvPr id="45" name="单圆角矩形 44"/>
-          <p:cNvSpPr/>
-          <p:nvPr/>
-        </p:nvSpPr>
-        <p:spPr>
-          <a:xfrm>
-            <a:off x="8407153" y="4677584"/>
-            <a:ext cx="177553" cy="173530"/>
-          </a:xfrm>
-          <a:prstGeom prst="round1Rect">
-            <a:avLst/>
-          </a:prstGeom>
-          <a:solidFill>
-            <a:srgbClr val="00B0F0"/>
-          </a:solidFill>
-          <a:ln>
-            <a:noFill/>
-          </a:ln>
-        </p:spPr>
-        <p:style>
-          <a:lnRef idx="2">
-            <a:schemeClr val="accent1">
-              <a:shade val="50000"/>
-            </a:schemeClr>
-          </a:lnRef>
-          <a:fillRef idx="1">
-            <a:schemeClr val="accent1"/>
-          </a:fillRef>
-          <a:effectRef idx="0">
-            <a:schemeClr val="accent1"/>
-          </a:effectRef>
-          <a:fontRef idx="minor">
-            <a:schemeClr val="lt1"/>
-          </a:fontRef>
-        </p:style>
-        <p:txBody>
-          <a:bodyPr rtlCol="0" anchor="ctr"/>
-          <a:lstStyle/>
-          <a:p>
-            <a:pPr algn="ctr"/>
-            <a:endParaRPr kumimoji="1" lang="zh-CN" altLang="en-US">
-              <a:solidFill>
-                <a:schemeClr val="tx1"/>
-              </a:solidFill>
-            </a:endParaRPr>
-          </a:p>
-        </p:txBody>
-      </p:sp>
-      <p:sp>
-        <p:nvSpPr>
-          <p:cNvPr id="46" name="单圆角矩形 45"/>
-          <p:cNvSpPr/>
-          <p:nvPr/>
-        </p:nvSpPr>
-        <p:spPr>
-          <a:xfrm>
-            <a:off x="8926968" y="5335894"/>
-            <a:ext cx="177553" cy="173530"/>
-          </a:xfrm>
-          <a:prstGeom prst="round1Rect">
-            <a:avLst/>
-          </a:prstGeom>
-          <a:solidFill>
-            <a:srgbClr val="00B0F0"/>
-          </a:solidFill>
-          <a:ln>
-            <a:noFill/>
-          </a:ln>
-        </p:spPr>
-        <p:style>
-          <a:lnRef idx="2">
-            <a:schemeClr val="accent1">
-              <a:shade val="50000"/>
-            </a:schemeClr>
-          </a:lnRef>
-          <a:fillRef idx="1">
-            <a:schemeClr val="accent1"/>
-          </a:fillRef>
-          <a:effectRef idx="0">
-            <a:schemeClr val="accent1"/>
-          </a:effectRef>
-          <a:fontRef idx="minor">
-            <a:schemeClr val="lt1"/>
-          </a:fontRef>
-        </p:style>
-        <p:txBody>
-          <a:bodyPr rtlCol="0" anchor="ctr"/>
-          <a:lstStyle/>
-          <a:p>
-            <a:pPr algn="ctr"/>
-            <a:endParaRPr kumimoji="1" lang="zh-CN" altLang="en-US">
-              <a:solidFill>
-                <a:schemeClr val="tx1"/>
-              </a:solidFill>
-            </a:endParaRPr>
-          </a:p>
-        </p:txBody>
-      </p:sp>
-      <p:sp>
-        <p:nvSpPr>
-          <p:cNvPr id="47" name="单圆角矩形 46"/>
-          <p:cNvSpPr/>
-          <p:nvPr/>
-        </p:nvSpPr>
-        <p:spPr>
-          <a:xfrm>
-            <a:off x="9475433" y="5011860"/>
-            <a:ext cx="177553" cy="173530"/>
-          </a:xfrm>
-          <a:prstGeom prst="round1Rect">
-            <a:avLst/>
-          </a:prstGeom>
-          <a:solidFill>
-            <a:srgbClr val="00B0F0"/>
-          </a:solidFill>
-          <a:ln>
-            <a:noFill/>
-          </a:ln>
-        </p:spPr>
-        <p:style>
-          <a:lnRef idx="2">
-            <a:schemeClr val="accent1">
-              <a:shade val="50000"/>
-            </a:schemeClr>
-          </a:lnRef>
-          <a:fillRef idx="1">
-            <a:schemeClr val="accent1"/>
-          </a:fillRef>
-          <a:effectRef idx="0">
-            <a:schemeClr val="accent1"/>
-          </a:effectRef>
-          <a:fontRef idx="minor">
-            <a:schemeClr val="lt1"/>
-          </a:fontRef>
-        </p:style>
-        <p:txBody>
-          <a:bodyPr rtlCol="0" anchor="ctr"/>
-          <a:lstStyle/>
-          <a:p>
-            <a:pPr algn="ctr"/>
-            <a:endParaRPr kumimoji="1" lang="zh-CN" altLang="en-US">
-              <a:solidFill>
-                <a:schemeClr val="tx1"/>
-              </a:solidFill>
-            </a:endParaRPr>
-          </a:p>
-        </p:txBody>
-      </p:sp>
-      <p:sp>
-        <p:nvSpPr>
-          <p:cNvPr id="48" name="单圆角矩形 47"/>
-          <p:cNvSpPr/>
-          <p:nvPr/>
-        </p:nvSpPr>
-        <p:spPr>
-          <a:xfrm>
-            <a:off x="3342172" y="4989251"/>
-            <a:ext cx="177553" cy="173530"/>
-          </a:xfrm>
-          <a:prstGeom prst="round1Rect">
-            <a:avLst/>
-          </a:prstGeom>
-          <a:solidFill>
-            <a:srgbClr val="00B0F0"/>
-          </a:solidFill>
-          <a:ln>
-            <a:noFill/>
-          </a:ln>
-        </p:spPr>
-        <p:style>
-          <a:lnRef idx="2">
-            <a:schemeClr val="accent1">
-              <a:shade val="50000"/>
-            </a:schemeClr>
-          </a:lnRef>
-          <a:fillRef idx="1">
-            <a:schemeClr val="accent1"/>
-          </a:fillRef>
-          <a:effectRef idx="0">
-            <a:schemeClr val="accent1"/>
-          </a:effectRef>
-          <a:fontRef idx="minor">
-            <a:schemeClr val="lt1"/>
-          </a:fontRef>
-        </p:style>
-        <p:txBody>
-          <a:bodyPr rtlCol="0" anchor="ctr"/>
-          <a:lstStyle/>
-          <a:p>
-            <a:pPr algn="ctr"/>
-            <a:endParaRPr kumimoji="1" lang="zh-CN" altLang="en-US">
-              <a:solidFill>
-                <a:schemeClr val="tx1"/>
-              </a:solidFill>
-            </a:endParaRPr>
-          </a:p>
-        </p:txBody>
-      </p:sp>
-      <p:sp>
-        <p:nvSpPr>
-          <p:cNvPr id="49" name="等腰三角形 48"/>
-          <p:cNvSpPr/>
-          <p:nvPr/>
-        </p:nvSpPr>
-        <p:spPr>
-          <a:xfrm>
-            <a:off x="2421115" y="5479647"/>
-            <a:ext cx="159798" cy="150921"/>
-          </a:xfrm>
-          <a:prstGeom prst="triangle">
-            <a:avLst/>
-          </a:prstGeom>
-          <a:ln>
-            <a:noFill/>
-          </a:ln>
-        </p:spPr>
-        <p:style>
-          <a:lnRef idx="2">
-            <a:schemeClr val="accent1">
-              <a:shade val="50000"/>
-            </a:schemeClr>
-          </a:lnRef>
-          <a:fillRef idx="1">
-            <a:schemeClr val="accent1"/>
-          </a:fillRef>
-          <a:effectRef idx="0">
-            <a:schemeClr val="accent1"/>
-          </a:effectRef>
-          <a:fontRef idx="minor">
-            <a:schemeClr val="lt1"/>
-          </a:fontRef>
-        </p:style>
-        <p:txBody>
-          <a:bodyPr rtlCol="0" anchor="ctr"/>
-          <a:lstStyle/>
-          <a:p>
-            <a:pPr algn="ctr"/>
-            <a:endParaRPr kumimoji="1" lang="zh-CN" altLang="en-US">
-              <a:solidFill>
-                <a:schemeClr val="tx1"/>
-              </a:solidFill>
-            </a:endParaRPr>
-          </a:p>
-        </p:txBody>
-      </p:sp>
-      <p:sp>
-        <p:nvSpPr>
-          <p:cNvPr id="50" name="文本框 49"/>
-          <p:cNvSpPr txBox="1"/>
-          <p:nvPr/>
-        </p:nvSpPr>
-        <p:spPr>
-          <a:xfrm>
-            <a:off x="2357977" y="6155886"/>
-            <a:ext cx="286073" cy="369332"/>
-          </a:xfrm>
-          <a:prstGeom prst="rect">
-            <a:avLst/>
-          </a:prstGeom>
-          <a:noFill/>
-        </p:spPr>
-        <p:txBody>
-          <a:bodyPr wrap="square" rtlCol="0">
-            <a:spAutoFit/>
-          </a:bodyPr>
-          <a:lstStyle/>
-          <a:p>
-            <a:r>
-              <a:rPr lang="en-US" altLang="zh-CN" dirty="0" smtClean="0"/>
-              <a:t>Y</a:t>
-            </a:r>
-            <a:endParaRPr lang="zh-CN" altLang="en-US" dirty="0"/>
-          </a:p>
-        </p:txBody>
-      </p:sp>
-      <p:sp>
-        <p:nvSpPr>
-          <p:cNvPr id="51" name="文本框 50"/>
-          <p:cNvSpPr txBox="1"/>
-          <p:nvPr/>
-        </p:nvSpPr>
-        <p:spPr>
-          <a:xfrm>
-            <a:off x="8600458" y="6155886"/>
-            <a:ext cx="286073" cy="369332"/>
-          </a:xfrm>
-          <a:prstGeom prst="rect">
-            <a:avLst/>
-          </a:prstGeom>
-          <a:noFill/>
-        </p:spPr>
-        <p:txBody>
-          <a:bodyPr wrap="square" rtlCol="0">
-            <a:spAutoFit/>
-          </a:bodyPr>
-          <a:lstStyle/>
-          <a:p>
-            <a:r>
-              <a:rPr lang="en-US" altLang="zh-CN" dirty="0" smtClean="0"/>
-              <a:t>Y</a:t>
-            </a:r>
-            <a:endParaRPr lang="zh-CN" altLang="en-US" dirty="0"/>
-          </a:p>
-        </p:txBody>
-      </p:sp>
-      <p:sp>
-        <p:nvSpPr>
-          <p:cNvPr id="52" name="右箭头 51"/>
-          <p:cNvSpPr/>
-          <p:nvPr/>
-        </p:nvSpPr>
-        <p:spPr>
-          <a:xfrm>
-            <a:off x="5264457" y="4738130"/>
-            <a:ext cx="727969" cy="156735"/>
-          </a:xfrm>
-          <a:prstGeom prst="rightArrow">
-            <a:avLst/>
-          </a:prstGeom>
-          <a:ln>
-            <a:noFill/>
-          </a:ln>
-        </p:spPr>
-        <p:style>
-          <a:lnRef idx="2">
-            <a:schemeClr val="accent1">
-              <a:shade val="50000"/>
-            </a:schemeClr>
-          </a:lnRef>
-          <a:fillRef idx="1">
-            <a:schemeClr val="accent1"/>
-          </a:fillRef>
-          <a:effectRef idx="0">
-            <a:schemeClr val="accent1"/>
-          </a:effectRef>
-          <a:fontRef idx="minor">
-            <a:schemeClr val="lt1"/>
-          </a:fontRef>
-        </p:style>
-        <p:txBody>
-          <a:bodyPr rtlCol="0" anchor="ctr"/>
-          <a:lstStyle/>
-          <a:p>
-            <a:pPr algn="ctr"/>
-            <a:endParaRPr kumimoji="1" lang="zh-CN" altLang="en-US">
-              <a:solidFill>
-                <a:schemeClr val="tx1"/>
-              </a:solidFill>
-            </a:endParaRPr>
-          </a:p>
-        </p:txBody>
-      </p:sp>
     </p:spTree>
     <p:extLst>
       <p:ext uri="{BB962C8B-B14F-4D97-AF65-F5344CB8AC3E}">
-        <p14:creationId xmlns:p14="http://schemas.microsoft.com/office/powerpoint/2010/main" val="2002858705"/>
+        <p14:creationId xmlns:p14="http://schemas.microsoft.com/office/powerpoint/2010/main" val="1058793319"/>
       </p:ext>
     </p:extLst>
   </p:cSld>
   <p:clrMapOvr>
     <a:masterClrMapping/>
   </p:clrMapOvr>
-  <p:timing>
-    <p:tnLst>
-      <p:par>
-        <p:cTn id="1" dur="indefinite" restart="never" nodeType="tmRoot"/>
-      </p:par>
-    </p:tnLst>
-  </p:timing>
 </p:sld>
 </file>
 
@@ -7221,7 +5886,7 @@
           <a:p>
             <a:r>
               <a:rPr lang="zh-CN" altLang="en-US" dirty="0" smtClean="0"/>
-              <a:t>分类结果</a:t>
+              <a:t>正负样例平衡方法</a:t>
             </a:r>
             <a:endParaRPr lang="zh-CN" altLang="en-US" dirty="0"/>
           </a:p>
@@ -7244,7 +5909,7 @@
           <a:p>
             <a:r>
               <a:rPr lang="en-US" altLang="zh-CN" sz="2400" dirty="0" smtClean="0"/>
-              <a:t>4-3</a:t>
+              <a:t>4-2</a:t>
             </a:r>
             <a:endParaRPr lang="zh-CN" altLang="en-US" sz="2400" dirty="0"/>
           </a:p>
@@ -7279,113 +5944,1372 @@
           </a:p>
         </p:txBody>
       </p:sp>
-      <p:sp>
-        <p:nvSpPr>
-          <p:cNvPr id="10" name="矩形 9"/>
-          <p:cNvSpPr/>
-          <p:nvPr/>
-        </p:nvSpPr>
-        <p:spPr>
-          <a:xfrm>
-            <a:off x="739806" y="1825953"/>
-            <a:ext cx="1985639" cy="2031325"/>
-          </a:xfrm>
-          <a:prstGeom prst="rect">
-            <a:avLst/>
-          </a:prstGeom>
-        </p:spPr>
-        <p:txBody>
-          <a:bodyPr wrap="square">
-            <a:spAutoFit/>
-          </a:bodyPr>
-          <a:lstStyle/>
-          <a:p>
-            <a:r>
-              <a:rPr lang="zh-CN" altLang="en-US" dirty="0" smtClean="0"/>
-              <a:t>对于小样本</a:t>
-            </a:r>
-            <a:r>
-              <a:rPr lang="zh-CN" altLang="en-US" dirty="0"/>
-              <a:t>，在不同的</a:t>
-            </a:r>
-            <a:r>
-              <a:rPr lang="en-US" altLang="zh-CN" dirty="0"/>
-              <a:t>K</a:t>
-            </a:r>
-            <a:r>
-              <a:rPr lang="zh-CN" altLang="en-US" dirty="0"/>
-              <a:t>值时，</a:t>
-            </a:r>
-            <a:r>
-              <a:rPr lang="en-US" altLang="zh-CN" dirty="0"/>
-              <a:t>K-NN</a:t>
-            </a:r>
-            <a:r>
-              <a:rPr lang="zh-CN" altLang="en-US" dirty="0"/>
-              <a:t>分类对应的</a:t>
-            </a:r>
-            <a:r>
-              <a:rPr lang="en-US" altLang="zh-CN" dirty="0"/>
-              <a:t>Precision</a:t>
-            </a:r>
-            <a:r>
-              <a:rPr lang="zh-CN" altLang="en-US" dirty="0"/>
-              <a:t>，</a:t>
-            </a:r>
-            <a:r>
-              <a:rPr lang="en-US" altLang="zh-CN" dirty="0"/>
-              <a:t>Recall</a:t>
-            </a:r>
-            <a:r>
-              <a:rPr lang="zh-CN" altLang="en-US" dirty="0"/>
-              <a:t>，</a:t>
-            </a:r>
-            <a:r>
-              <a:rPr lang="en-US" altLang="zh-CN" dirty="0"/>
-              <a:t>Accuracy</a:t>
-            </a:r>
-            <a:r>
-              <a:rPr lang="zh-CN" altLang="en-US" dirty="0" smtClean="0"/>
-              <a:t>如右图所示</a:t>
-            </a:r>
-            <a:endParaRPr lang="zh-CN" altLang="en-US" dirty="0"/>
-          </a:p>
-        </p:txBody>
-      </p:sp>
       <p:pic>
         <p:nvPicPr>
-          <p:cNvPr id="4" name="图片 3"/>
+          <p:cNvPr id="5" name="图片 4"/>
           <p:cNvPicPr>
             <a:picLocks noChangeAspect="1"/>
           </p:cNvPicPr>
           <p:nvPr/>
         </p:nvPicPr>
         <p:blipFill>
-          <a:blip r:embed="rId2">
-            <a:extLst>
-              <a:ext uri="{28A0092B-C50C-407E-A947-70E740481C1C}">
-                <a14:useLocalDpi xmlns:a14="http://schemas.microsoft.com/office/drawing/2010/main" val="0"/>
-              </a:ext>
-            </a:extLst>
-          </a:blip>
+          <a:blip r:embed="rId2"/>
           <a:stretch>
             <a:fillRect/>
           </a:stretch>
         </p:blipFill>
         <p:spPr>
           <a:xfrm>
-            <a:off x="3759155" y="1305342"/>
-            <a:ext cx="7547464" cy="4731798"/>
+            <a:off x="1271423" y="1080974"/>
+            <a:ext cx="9144000" cy="2057400"/>
           </a:xfrm>
           <a:prstGeom prst="rect">
             <a:avLst/>
           </a:prstGeom>
         </p:spPr>
       </p:pic>
+      <p:sp>
+        <p:nvSpPr>
+          <p:cNvPr id="7" name="椭圆 6"/>
+          <p:cNvSpPr/>
+          <p:nvPr/>
+        </p:nvSpPr>
+        <p:spPr>
+          <a:xfrm>
+            <a:off x="1697619" y="3693111"/>
+            <a:ext cx="2356483" cy="2317072"/>
+          </a:xfrm>
+          <a:prstGeom prst="ellipse">
+            <a:avLst/>
+          </a:prstGeom>
+          <a:noFill/>
+          <a:ln w="28575">
+            <a:solidFill>
+              <a:schemeClr val="tx1"/>
+            </a:solidFill>
+          </a:ln>
+        </p:spPr>
+        <p:style>
+          <a:lnRef idx="2">
+            <a:schemeClr val="accent1">
+              <a:shade val="50000"/>
+            </a:schemeClr>
+          </a:lnRef>
+          <a:fillRef idx="1">
+            <a:schemeClr val="accent1"/>
+          </a:fillRef>
+          <a:effectRef idx="0">
+            <a:schemeClr val="accent1"/>
+          </a:effectRef>
+          <a:fontRef idx="minor">
+            <a:schemeClr val="lt1"/>
+          </a:fontRef>
+        </p:style>
+        <p:txBody>
+          <a:bodyPr rtlCol="0" anchor="ctr"/>
+          <a:lstStyle/>
+          <a:p>
+            <a:pPr algn="ctr"/>
+            <a:endParaRPr kumimoji="1" lang="zh-CN" altLang="en-US">
+              <a:solidFill>
+                <a:schemeClr val="tx1"/>
+              </a:solidFill>
+            </a:endParaRPr>
+          </a:p>
+        </p:txBody>
+      </p:sp>
+      <p:sp>
+        <p:nvSpPr>
+          <p:cNvPr id="8" name="椭圆 7"/>
+          <p:cNvSpPr/>
+          <p:nvPr/>
+        </p:nvSpPr>
+        <p:spPr>
+          <a:xfrm>
+            <a:off x="7860201" y="3693111"/>
+            <a:ext cx="2356483" cy="2317072"/>
+          </a:xfrm>
+          <a:prstGeom prst="ellipse">
+            <a:avLst/>
+          </a:prstGeom>
+          <a:noFill/>
+          <a:ln w="28575">
+            <a:solidFill>
+              <a:schemeClr val="tx1"/>
+            </a:solidFill>
+          </a:ln>
+        </p:spPr>
+        <p:style>
+          <a:lnRef idx="2">
+            <a:schemeClr val="accent1">
+              <a:shade val="50000"/>
+            </a:schemeClr>
+          </a:lnRef>
+          <a:fillRef idx="1">
+            <a:schemeClr val="accent1"/>
+          </a:fillRef>
+          <a:effectRef idx="0">
+            <a:schemeClr val="accent1"/>
+          </a:effectRef>
+          <a:fontRef idx="minor">
+            <a:schemeClr val="lt1"/>
+          </a:fontRef>
+        </p:style>
+        <p:txBody>
+          <a:bodyPr rtlCol="0" anchor="ctr"/>
+          <a:lstStyle/>
+          <a:p>
+            <a:pPr algn="ctr"/>
+            <a:endParaRPr kumimoji="1" lang="zh-CN" altLang="en-US">
+              <a:solidFill>
+                <a:schemeClr val="tx1"/>
+              </a:solidFill>
+            </a:endParaRPr>
+          </a:p>
+        </p:txBody>
+      </p:sp>
+      <p:sp>
+        <p:nvSpPr>
+          <p:cNvPr id="22" name="等腰三角形 21"/>
+          <p:cNvSpPr/>
+          <p:nvPr/>
+        </p:nvSpPr>
+        <p:spPr>
+          <a:xfrm>
+            <a:off x="2310178" y="4296792"/>
+            <a:ext cx="159798" cy="150921"/>
+          </a:xfrm>
+          <a:prstGeom prst="triangle">
+            <a:avLst/>
+          </a:prstGeom>
+          <a:ln>
+            <a:noFill/>
+          </a:ln>
+        </p:spPr>
+        <p:style>
+          <a:lnRef idx="2">
+            <a:schemeClr val="accent1">
+              <a:shade val="50000"/>
+            </a:schemeClr>
+          </a:lnRef>
+          <a:fillRef idx="1">
+            <a:schemeClr val="accent1"/>
+          </a:fillRef>
+          <a:effectRef idx="0">
+            <a:schemeClr val="accent1"/>
+          </a:effectRef>
+          <a:fontRef idx="minor">
+            <a:schemeClr val="lt1"/>
+          </a:fontRef>
+        </p:style>
+        <p:txBody>
+          <a:bodyPr rtlCol="0" anchor="ctr"/>
+          <a:lstStyle/>
+          <a:p>
+            <a:pPr algn="ctr"/>
+            <a:endParaRPr kumimoji="1" lang="zh-CN" altLang="en-US">
+              <a:solidFill>
+                <a:schemeClr val="tx1"/>
+              </a:solidFill>
+            </a:endParaRPr>
+          </a:p>
+        </p:txBody>
+      </p:sp>
+      <p:sp>
+        <p:nvSpPr>
+          <p:cNvPr id="23" name="等腰三角形 22"/>
+          <p:cNvSpPr/>
+          <p:nvPr/>
+        </p:nvSpPr>
+        <p:spPr>
+          <a:xfrm>
+            <a:off x="2839879" y="4221331"/>
+            <a:ext cx="159798" cy="150921"/>
+          </a:xfrm>
+          <a:prstGeom prst="triangle">
+            <a:avLst/>
+          </a:prstGeom>
+          <a:ln>
+            <a:noFill/>
+          </a:ln>
+        </p:spPr>
+        <p:style>
+          <a:lnRef idx="2">
+            <a:schemeClr val="accent1">
+              <a:shade val="50000"/>
+            </a:schemeClr>
+          </a:lnRef>
+          <a:fillRef idx="1">
+            <a:schemeClr val="accent1"/>
+          </a:fillRef>
+          <a:effectRef idx="0">
+            <a:schemeClr val="accent1"/>
+          </a:effectRef>
+          <a:fontRef idx="minor">
+            <a:schemeClr val="lt1"/>
+          </a:fontRef>
+        </p:style>
+        <p:txBody>
+          <a:bodyPr rtlCol="0" anchor="ctr"/>
+          <a:lstStyle/>
+          <a:p>
+            <a:pPr algn="ctr"/>
+            <a:endParaRPr kumimoji="1" lang="zh-CN" altLang="en-US">
+              <a:solidFill>
+                <a:schemeClr val="tx1"/>
+              </a:solidFill>
+            </a:endParaRPr>
+          </a:p>
+        </p:txBody>
+      </p:sp>
+      <p:sp>
+        <p:nvSpPr>
+          <p:cNvPr id="24" name="等腰三角形 23"/>
+          <p:cNvSpPr/>
+          <p:nvPr/>
+        </p:nvSpPr>
+        <p:spPr>
+          <a:xfrm>
+            <a:off x="2194769" y="4830931"/>
+            <a:ext cx="159798" cy="150921"/>
+          </a:xfrm>
+          <a:prstGeom prst="triangle">
+            <a:avLst/>
+          </a:prstGeom>
+          <a:ln>
+            <a:noFill/>
+          </a:ln>
+        </p:spPr>
+        <p:style>
+          <a:lnRef idx="2">
+            <a:schemeClr val="accent1">
+              <a:shade val="50000"/>
+            </a:schemeClr>
+          </a:lnRef>
+          <a:fillRef idx="1">
+            <a:schemeClr val="accent1"/>
+          </a:fillRef>
+          <a:effectRef idx="0">
+            <a:schemeClr val="accent1"/>
+          </a:effectRef>
+          <a:fontRef idx="minor">
+            <a:schemeClr val="lt1"/>
+          </a:fontRef>
+        </p:style>
+        <p:txBody>
+          <a:bodyPr rtlCol="0" anchor="ctr"/>
+          <a:lstStyle/>
+          <a:p>
+            <a:pPr algn="ctr"/>
+            <a:endParaRPr kumimoji="1" lang="zh-CN" altLang="en-US">
+              <a:solidFill>
+                <a:schemeClr val="tx1"/>
+              </a:solidFill>
+            </a:endParaRPr>
+          </a:p>
+        </p:txBody>
+      </p:sp>
+      <p:sp>
+        <p:nvSpPr>
+          <p:cNvPr id="25" name="等腰三角形 24"/>
+          <p:cNvSpPr/>
+          <p:nvPr/>
+        </p:nvSpPr>
+        <p:spPr>
+          <a:xfrm>
+            <a:off x="2455180" y="5154966"/>
+            <a:ext cx="159798" cy="150921"/>
+          </a:xfrm>
+          <a:prstGeom prst="triangle">
+            <a:avLst/>
+          </a:prstGeom>
+          <a:ln>
+            <a:noFill/>
+          </a:ln>
+        </p:spPr>
+        <p:style>
+          <a:lnRef idx="2">
+            <a:schemeClr val="accent1">
+              <a:shade val="50000"/>
+            </a:schemeClr>
+          </a:lnRef>
+          <a:fillRef idx="1">
+            <a:schemeClr val="accent1"/>
+          </a:fillRef>
+          <a:effectRef idx="0">
+            <a:schemeClr val="accent1"/>
+          </a:effectRef>
+          <a:fontRef idx="minor">
+            <a:schemeClr val="lt1"/>
+          </a:fontRef>
+        </p:style>
+        <p:txBody>
+          <a:bodyPr rtlCol="0" anchor="ctr"/>
+          <a:lstStyle/>
+          <a:p>
+            <a:pPr algn="ctr"/>
+            <a:endParaRPr kumimoji="1" lang="zh-CN" altLang="en-US">
+              <a:solidFill>
+                <a:schemeClr val="tx1"/>
+              </a:solidFill>
+            </a:endParaRPr>
+          </a:p>
+        </p:txBody>
+      </p:sp>
+      <p:sp>
+        <p:nvSpPr>
+          <p:cNvPr id="26" name="等腰三角形 25"/>
+          <p:cNvSpPr/>
+          <p:nvPr/>
+        </p:nvSpPr>
+        <p:spPr>
+          <a:xfrm>
+            <a:off x="2919778" y="4906392"/>
+            <a:ext cx="159798" cy="150921"/>
+          </a:xfrm>
+          <a:prstGeom prst="triangle">
+            <a:avLst/>
+          </a:prstGeom>
+          <a:ln>
+            <a:noFill/>
+          </a:ln>
+        </p:spPr>
+        <p:style>
+          <a:lnRef idx="2">
+            <a:schemeClr val="accent1">
+              <a:shade val="50000"/>
+            </a:schemeClr>
+          </a:lnRef>
+          <a:fillRef idx="1">
+            <a:schemeClr val="accent1"/>
+          </a:fillRef>
+          <a:effectRef idx="0">
+            <a:schemeClr val="accent1"/>
+          </a:effectRef>
+          <a:fontRef idx="minor">
+            <a:schemeClr val="lt1"/>
+          </a:fontRef>
+        </p:style>
+        <p:txBody>
+          <a:bodyPr rtlCol="0" anchor="ctr"/>
+          <a:lstStyle/>
+          <a:p>
+            <a:pPr algn="ctr"/>
+            <a:endParaRPr kumimoji="1" lang="zh-CN" altLang="en-US">
+              <a:solidFill>
+                <a:schemeClr val="tx1"/>
+              </a:solidFill>
+            </a:endParaRPr>
+          </a:p>
+        </p:txBody>
+      </p:sp>
+      <p:sp>
+        <p:nvSpPr>
+          <p:cNvPr id="27" name="单圆角矩形 26"/>
+          <p:cNvSpPr/>
+          <p:nvPr/>
+        </p:nvSpPr>
+        <p:spPr>
+          <a:xfrm>
+            <a:off x="3553051" y="4576023"/>
+            <a:ext cx="177553" cy="173530"/>
+          </a:xfrm>
+          <a:prstGeom prst="round1Rect">
+            <a:avLst/>
+          </a:prstGeom>
+          <a:solidFill>
+            <a:srgbClr val="00B0F0"/>
+          </a:solidFill>
+          <a:ln>
+            <a:noFill/>
+          </a:ln>
+        </p:spPr>
+        <p:style>
+          <a:lnRef idx="2">
+            <a:schemeClr val="accent1">
+              <a:shade val="50000"/>
+            </a:schemeClr>
+          </a:lnRef>
+          <a:fillRef idx="1">
+            <a:schemeClr val="accent1"/>
+          </a:fillRef>
+          <a:effectRef idx="0">
+            <a:schemeClr val="accent1"/>
+          </a:effectRef>
+          <a:fontRef idx="minor">
+            <a:schemeClr val="lt1"/>
+          </a:fontRef>
+        </p:style>
+        <p:txBody>
+          <a:bodyPr rtlCol="0" anchor="ctr"/>
+          <a:lstStyle/>
+          <a:p>
+            <a:pPr algn="ctr"/>
+            <a:endParaRPr kumimoji="1" lang="zh-CN" altLang="en-US">
+              <a:solidFill>
+                <a:schemeClr val="tx1"/>
+              </a:solidFill>
+            </a:endParaRPr>
+          </a:p>
+        </p:txBody>
+      </p:sp>
+      <p:sp>
+        <p:nvSpPr>
+          <p:cNvPr id="31" name="单圆角矩形 30"/>
+          <p:cNvSpPr/>
+          <p:nvPr/>
+        </p:nvSpPr>
+        <p:spPr>
+          <a:xfrm>
+            <a:off x="3201373" y="4123261"/>
+            <a:ext cx="177553" cy="173530"/>
+          </a:xfrm>
+          <a:prstGeom prst="round1Rect">
+            <a:avLst/>
+          </a:prstGeom>
+          <a:solidFill>
+            <a:srgbClr val="00B0F0"/>
+          </a:solidFill>
+          <a:ln>
+            <a:noFill/>
+          </a:ln>
+        </p:spPr>
+        <p:style>
+          <a:lnRef idx="2">
+            <a:schemeClr val="accent1">
+              <a:shade val="50000"/>
+            </a:schemeClr>
+          </a:lnRef>
+          <a:fillRef idx="1">
+            <a:schemeClr val="accent1"/>
+          </a:fillRef>
+          <a:effectRef idx="0">
+            <a:schemeClr val="accent1"/>
+          </a:effectRef>
+          <a:fontRef idx="minor">
+            <a:schemeClr val="lt1"/>
+          </a:fontRef>
+        </p:style>
+        <p:txBody>
+          <a:bodyPr rtlCol="0" anchor="ctr"/>
+          <a:lstStyle/>
+          <a:p>
+            <a:pPr algn="ctr"/>
+            <a:endParaRPr kumimoji="1" lang="zh-CN" altLang="en-US">
+              <a:solidFill>
+                <a:schemeClr val="tx1"/>
+              </a:solidFill>
+            </a:endParaRPr>
+          </a:p>
+        </p:txBody>
+      </p:sp>
+      <p:sp>
+        <p:nvSpPr>
+          <p:cNvPr id="32" name="单圆角矩形 31"/>
+          <p:cNvSpPr/>
+          <p:nvPr/>
+        </p:nvSpPr>
+        <p:spPr>
+          <a:xfrm>
+            <a:off x="2637171" y="4572116"/>
+            <a:ext cx="177553" cy="173530"/>
+          </a:xfrm>
+          <a:prstGeom prst="round1Rect">
+            <a:avLst/>
+          </a:prstGeom>
+          <a:solidFill>
+            <a:srgbClr val="00B0F0"/>
+          </a:solidFill>
+          <a:ln>
+            <a:noFill/>
+          </a:ln>
+        </p:spPr>
+        <p:style>
+          <a:lnRef idx="2">
+            <a:schemeClr val="accent1">
+              <a:shade val="50000"/>
+            </a:schemeClr>
+          </a:lnRef>
+          <a:fillRef idx="1">
+            <a:schemeClr val="accent1"/>
+          </a:fillRef>
+          <a:effectRef idx="0">
+            <a:schemeClr val="accent1"/>
+          </a:effectRef>
+          <a:fontRef idx="minor">
+            <a:schemeClr val="lt1"/>
+          </a:fontRef>
+        </p:style>
+        <p:txBody>
+          <a:bodyPr rtlCol="0" anchor="ctr"/>
+          <a:lstStyle/>
+          <a:p>
+            <a:pPr algn="ctr"/>
+            <a:endParaRPr kumimoji="1" lang="zh-CN" altLang="en-US">
+              <a:solidFill>
+                <a:schemeClr val="tx1"/>
+              </a:solidFill>
+            </a:endParaRPr>
+          </a:p>
+        </p:txBody>
+      </p:sp>
+      <p:sp>
+        <p:nvSpPr>
+          <p:cNvPr id="33" name="单圆角矩形 32"/>
+          <p:cNvSpPr/>
+          <p:nvPr/>
+        </p:nvSpPr>
+        <p:spPr>
+          <a:xfrm>
+            <a:off x="3156986" y="5230426"/>
+            <a:ext cx="177553" cy="173530"/>
+          </a:xfrm>
+          <a:prstGeom prst="round1Rect">
+            <a:avLst/>
+          </a:prstGeom>
+          <a:solidFill>
+            <a:srgbClr val="00B0F0"/>
+          </a:solidFill>
+          <a:ln>
+            <a:noFill/>
+          </a:ln>
+        </p:spPr>
+        <p:style>
+          <a:lnRef idx="2">
+            <a:schemeClr val="accent1">
+              <a:shade val="50000"/>
+            </a:schemeClr>
+          </a:lnRef>
+          <a:fillRef idx="1">
+            <a:schemeClr val="accent1"/>
+          </a:fillRef>
+          <a:effectRef idx="0">
+            <a:schemeClr val="accent1"/>
+          </a:effectRef>
+          <a:fontRef idx="minor">
+            <a:schemeClr val="lt1"/>
+          </a:fontRef>
+        </p:style>
+        <p:txBody>
+          <a:bodyPr rtlCol="0" anchor="ctr"/>
+          <a:lstStyle/>
+          <a:p>
+            <a:pPr algn="ctr"/>
+            <a:endParaRPr kumimoji="1" lang="zh-CN" altLang="en-US">
+              <a:solidFill>
+                <a:schemeClr val="tx1"/>
+              </a:solidFill>
+            </a:endParaRPr>
+          </a:p>
+        </p:txBody>
+      </p:sp>
+      <p:sp>
+        <p:nvSpPr>
+          <p:cNvPr id="34" name="等腰三角形 33"/>
+          <p:cNvSpPr/>
+          <p:nvPr/>
+        </p:nvSpPr>
+        <p:spPr>
+          <a:xfrm>
+            <a:off x="5000735" y="3515557"/>
+            <a:ext cx="159798" cy="150921"/>
+          </a:xfrm>
+          <a:prstGeom prst="triangle">
+            <a:avLst/>
+          </a:prstGeom>
+          <a:ln>
+            <a:noFill/>
+          </a:ln>
+        </p:spPr>
+        <p:style>
+          <a:lnRef idx="2">
+            <a:schemeClr val="accent1">
+              <a:shade val="50000"/>
+            </a:schemeClr>
+          </a:lnRef>
+          <a:fillRef idx="1">
+            <a:schemeClr val="accent1"/>
+          </a:fillRef>
+          <a:effectRef idx="0">
+            <a:schemeClr val="accent1"/>
+          </a:effectRef>
+          <a:fontRef idx="minor">
+            <a:schemeClr val="lt1"/>
+          </a:fontRef>
+        </p:style>
+        <p:txBody>
+          <a:bodyPr rtlCol="0" anchor="ctr"/>
+          <a:lstStyle/>
+          <a:p>
+            <a:pPr algn="ctr"/>
+            <a:endParaRPr kumimoji="1" lang="zh-CN" altLang="en-US">
+              <a:solidFill>
+                <a:schemeClr val="tx1"/>
+              </a:solidFill>
+            </a:endParaRPr>
+          </a:p>
+        </p:txBody>
+      </p:sp>
+      <p:sp>
+        <p:nvSpPr>
+          <p:cNvPr id="35" name="单圆角矩形 34"/>
+          <p:cNvSpPr/>
+          <p:nvPr/>
+        </p:nvSpPr>
+        <p:spPr>
+          <a:xfrm>
+            <a:off x="6682899" y="3492948"/>
+            <a:ext cx="177553" cy="173530"/>
+          </a:xfrm>
+          <a:prstGeom prst="round1Rect">
+            <a:avLst/>
+          </a:prstGeom>
+          <a:solidFill>
+            <a:srgbClr val="00B0F0"/>
+          </a:solidFill>
+          <a:ln>
+            <a:noFill/>
+          </a:ln>
+        </p:spPr>
+        <p:style>
+          <a:lnRef idx="2">
+            <a:schemeClr val="accent1">
+              <a:shade val="50000"/>
+            </a:schemeClr>
+          </a:lnRef>
+          <a:fillRef idx="1">
+            <a:schemeClr val="accent1"/>
+          </a:fillRef>
+          <a:effectRef idx="0">
+            <a:schemeClr val="accent1"/>
+          </a:effectRef>
+          <a:fontRef idx="minor">
+            <a:schemeClr val="lt1"/>
+          </a:fontRef>
+        </p:style>
+        <p:txBody>
+          <a:bodyPr rtlCol="0" anchor="ctr"/>
+          <a:lstStyle/>
+          <a:p>
+            <a:pPr algn="ctr"/>
+            <a:endParaRPr kumimoji="1" lang="zh-CN" altLang="en-US">
+              <a:solidFill>
+                <a:schemeClr val="tx1"/>
+              </a:solidFill>
+            </a:endParaRPr>
+          </a:p>
+        </p:txBody>
+      </p:sp>
+      <p:sp>
+        <p:nvSpPr>
+          <p:cNvPr id="36" name="文本框 35"/>
+          <p:cNvSpPr txBox="1"/>
+          <p:nvPr/>
+        </p:nvSpPr>
+        <p:spPr>
+          <a:xfrm>
+            <a:off x="4305667" y="3388843"/>
+            <a:ext cx="958790" cy="369332"/>
+          </a:xfrm>
+          <a:prstGeom prst="rect">
+            <a:avLst/>
+          </a:prstGeom>
+          <a:noFill/>
+        </p:spPr>
+        <p:txBody>
+          <a:bodyPr wrap="square" rtlCol="0">
+            <a:spAutoFit/>
+          </a:bodyPr>
+          <a:lstStyle/>
+          <a:p>
+            <a:r>
+              <a:rPr lang="zh-CN" altLang="en-US" dirty="0" smtClean="0"/>
+              <a:t>正例：</a:t>
+            </a:r>
+            <a:endParaRPr lang="zh-CN" altLang="en-US" dirty="0"/>
+          </a:p>
+        </p:txBody>
+      </p:sp>
+      <p:sp>
+        <p:nvSpPr>
+          <p:cNvPr id="37" name="文本框 36"/>
+          <p:cNvSpPr txBox="1"/>
+          <p:nvPr/>
+        </p:nvSpPr>
+        <p:spPr>
+          <a:xfrm>
+            <a:off x="5951939" y="3395047"/>
+            <a:ext cx="958790" cy="369332"/>
+          </a:xfrm>
+          <a:prstGeom prst="rect">
+            <a:avLst/>
+          </a:prstGeom>
+          <a:noFill/>
+        </p:spPr>
+        <p:txBody>
+          <a:bodyPr wrap="square" rtlCol="0">
+            <a:spAutoFit/>
+          </a:bodyPr>
+          <a:lstStyle/>
+          <a:p>
+            <a:r>
+              <a:rPr lang="zh-CN" altLang="en-US" dirty="0"/>
+              <a:t>负</a:t>
+            </a:r>
+            <a:r>
+              <a:rPr lang="zh-CN" altLang="en-US" dirty="0" smtClean="0"/>
+              <a:t>例：</a:t>
+            </a:r>
+            <a:endParaRPr lang="zh-CN" altLang="en-US" dirty="0"/>
+          </a:p>
+        </p:txBody>
+      </p:sp>
+      <p:sp>
+        <p:nvSpPr>
+          <p:cNvPr id="38" name="等腰三角形 37"/>
+          <p:cNvSpPr/>
+          <p:nvPr/>
+        </p:nvSpPr>
+        <p:spPr>
+          <a:xfrm>
+            <a:off x="8375107" y="4402260"/>
+            <a:ext cx="159798" cy="150921"/>
+          </a:xfrm>
+          <a:prstGeom prst="triangle">
+            <a:avLst/>
+          </a:prstGeom>
+          <a:ln>
+            <a:noFill/>
+          </a:ln>
+        </p:spPr>
+        <p:style>
+          <a:lnRef idx="2">
+            <a:schemeClr val="accent1">
+              <a:shade val="50000"/>
+            </a:schemeClr>
+          </a:lnRef>
+          <a:fillRef idx="1">
+            <a:schemeClr val="accent1"/>
+          </a:fillRef>
+          <a:effectRef idx="0">
+            <a:schemeClr val="accent1"/>
+          </a:effectRef>
+          <a:fontRef idx="minor">
+            <a:schemeClr val="lt1"/>
+          </a:fontRef>
+        </p:style>
+        <p:txBody>
+          <a:bodyPr rtlCol="0" anchor="ctr"/>
+          <a:lstStyle/>
+          <a:p>
+            <a:pPr algn="ctr"/>
+            <a:endParaRPr kumimoji="1" lang="zh-CN" altLang="en-US">
+              <a:solidFill>
+                <a:schemeClr val="tx1"/>
+              </a:solidFill>
+            </a:endParaRPr>
+          </a:p>
+        </p:txBody>
+      </p:sp>
+      <p:sp>
+        <p:nvSpPr>
+          <p:cNvPr id="39" name="等腰三角形 38"/>
+          <p:cNvSpPr/>
+          <p:nvPr/>
+        </p:nvSpPr>
+        <p:spPr>
+          <a:xfrm>
+            <a:off x="8904808" y="4326799"/>
+            <a:ext cx="159798" cy="150921"/>
+          </a:xfrm>
+          <a:prstGeom prst="triangle">
+            <a:avLst/>
+          </a:prstGeom>
+          <a:ln>
+            <a:noFill/>
+          </a:ln>
+        </p:spPr>
+        <p:style>
+          <a:lnRef idx="2">
+            <a:schemeClr val="accent1">
+              <a:shade val="50000"/>
+            </a:schemeClr>
+          </a:lnRef>
+          <a:fillRef idx="1">
+            <a:schemeClr val="accent1"/>
+          </a:fillRef>
+          <a:effectRef idx="0">
+            <a:schemeClr val="accent1"/>
+          </a:effectRef>
+          <a:fontRef idx="minor">
+            <a:schemeClr val="lt1"/>
+          </a:fontRef>
+        </p:style>
+        <p:txBody>
+          <a:bodyPr rtlCol="0" anchor="ctr"/>
+          <a:lstStyle/>
+          <a:p>
+            <a:pPr algn="ctr"/>
+            <a:endParaRPr kumimoji="1" lang="zh-CN" altLang="en-US">
+              <a:solidFill>
+                <a:schemeClr val="tx1"/>
+              </a:solidFill>
+            </a:endParaRPr>
+          </a:p>
+        </p:txBody>
+      </p:sp>
+      <p:sp>
+        <p:nvSpPr>
+          <p:cNvPr id="40" name="等腰三角形 39"/>
+          <p:cNvSpPr/>
+          <p:nvPr/>
+        </p:nvSpPr>
+        <p:spPr>
+          <a:xfrm>
+            <a:off x="8259698" y="4936399"/>
+            <a:ext cx="159798" cy="150921"/>
+          </a:xfrm>
+          <a:prstGeom prst="triangle">
+            <a:avLst/>
+          </a:prstGeom>
+          <a:ln>
+            <a:noFill/>
+          </a:ln>
+        </p:spPr>
+        <p:style>
+          <a:lnRef idx="2">
+            <a:schemeClr val="accent1">
+              <a:shade val="50000"/>
+            </a:schemeClr>
+          </a:lnRef>
+          <a:fillRef idx="1">
+            <a:schemeClr val="accent1"/>
+          </a:fillRef>
+          <a:effectRef idx="0">
+            <a:schemeClr val="accent1"/>
+          </a:effectRef>
+          <a:fontRef idx="minor">
+            <a:schemeClr val="lt1"/>
+          </a:fontRef>
+        </p:style>
+        <p:txBody>
+          <a:bodyPr rtlCol="0" anchor="ctr"/>
+          <a:lstStyle/>
+          <a:p>
+            <a:pPr algn="ctr"/>
+            <a:endParaRPr kumimoji="1" lang="zh-CN" altLang="en-US">
+              <a:solidFill>
+                <a:schemeClr val="tx1"/>
+              </a:solidFill>
+            </a:endParaRPr>
+          </a:p>
+        </p:txBody>
+      </p:sp>
+      <p:sp>
+        <p:nvSpPr>
+          <p:cNvPr id="42" name="等腰三角形 41"/>
+          <p:cNvSpPr/>
+          <p:nvPr/>
+        </p:nvSpPr>
+        <p:spPr>
+          <a:xfrm>
+            <a:off x="8984707" y="5011860"/>
+            <a:ext cx="159798" cy="150921"/>
+          </a:xfrm>
+          <a:prstGeom prst="triangle">
+            <a:avLst/>
+          </a:prstGeom>
+          <a:ln>
+            <a:noFill/>
+          </a:ln>
+        </p:spPr>
+        <p:style>
+          <a:lnRef idx="2">
+            <a:schemeClr val="accent1">
+              <a:shade val="50000"/>
+            </a:schemeClr>
+          </a:lnRef>
+          <a:fillRef idx="1">
+            <a:schemeClr val="accent1"/>
+          </a:fillRef>
+          <a:effectRef idx="0">
+            <a:schemeClr val="accent1"/>
+          </a:effectRef>
+          <a:fontRef idx="minor">
+            <a:schemeClr val="lt1"/>
+          </a:fontRef>
+        </p:style>
+        <p:txBody>
+          <a:bodyPr rtlCol="0" anchor="ctr"/>
+          <a:lstStyle/>
+          <a:p>
+            <a:pPr algn="ctr"/>
+            <a:endParaRPr kumimoji="1" lang="zh-CN" altLang="en-US">
+              <a:solidFill>
+                <a:schemeClr val="tx1"/>
+              </a:solidFill>
+            </a:endParaRPr>
+          </a:p>
+        </p:txBody>
+      </p:sp>
+      <p:sp>
+        <p:nvSpPr>
+          <p:cNvPr id="43" name="单圆角矩形 42"/>
+          <p:cNvSpPr/>
+          <p:nvPr/>
+        </p:nvSpPr>
+        <p:spPr>
+          <a:xfrm>
+            <a:off x="9617980" y="4681491"/>
+            <a:ext cx="177553" cy="173530"/>
+          </a:xfrm>
+          <a:prstGeom prst="round1Rect">
+            <a:avLst/>
+          </a:prstGeom>
+          <a:solidFill>
+            <a:srgbClr val="00B0F0"/>
+          </a:solidFill>
+          <a:ln>
+            <a:noFill/>
+          </a:ln>
+        </p:spPr>
+        <p:style>
+          <a:lnRef idx="2">
+            <a:schemeClr val="accent1">
+              <a:shade val="50000"/>
+            </a:schemeClr>
+          </a:lnRef>
+          <a:fillRef idx="1">
+            <a:schemeClr val="accent1"/>
+          </a:fillRef>
+          <a:effectRef idx="0">
+            <a:schemeClr val="accent1"/>
+          </a:effectRef>
+          <a:fontRef idx="minor">
+            <a:schemeClr val="lt1"/>
+          </a:fontRef>
+        </p:style>
+        <p:txBody>
+          <a:bodyPr rtlCol="0" anchor="ctr"/>
+          <a:lstStyle/>
+          <a:p>
+            <a:pPr algn="ctr"/>
+            <a:endParaRPr kumimoji="1" lang="zh-CN" altLang="en-US">
+              <a:solidFill>
+                <a:schemeClr val="tx1"/>
+              </a:solidFill>
+            </a:endParaRPr>
+          </a:p>
+        </p:txBody>
+      </p:sp>
+      <p:sp>
+        <p:nvSpPr>
+          <p:cNvPr id="44" name="单圆角矩形 43"/>
+          <p:cNvSpPr/>
+          <p:nvPr/>
+        </p:nvSpPr>
+        <p:spPr>
+          <a:xfrm>
+            <a:off x="9266302" y="4228729"/>
+            <a:ext cx="177553" cy="173530"/>
+          </a:xfrm>
+          <a:prstGeom prst="round1Rect">
+            <a:avLst/>
+          </a:prstGeom>
+          <a:solidFill>
+            <a:srgbClr val="00B0F0"/>
+          </a:solidFill>
+          <a:ln>
+            <a:noFill/>
+          </a:ln>
+        </p:spPr>
+        <p:style>
+          <a:lnRef idx="2">
+            <a:schemeClr val="accent1">
+              <a:shade val="50000"/>
+            </a:schemeClr>
+          </a:lnRef>
+          <a:fillRef idx="1">
+            <a:schemeClr val="accent1"/>
+          </a:fillRef>
+          <a:effectRef idx="0">
+            <a:schemeClr val="accent1"/>
+          </a:effectRef>
+          <a:fontRef idx="minor">
+            <a:schemeClr val="lt1"/>
+          </a:fontRef>
+        </p:style>
+        <p:txBody>
+          <a:bodyPr rtlCol="0" anchor="ctr"/>
+          <a:lstStyle/>
+          <a:p>
+            <a:pPr algn="ctr"/>
+            <a:endParaRPr kumimoji="1" lang="zh-CN" altLang="en-US">
+              <a:solidFill>
+                <a:schemeClr val="tx1"/>
+              </a:solidFill>
+            </a:endParaRPr>
+          </a:p>
+        </p:txBody>
+      </p:sp>
+      <p:sp>
+        <p:nvSpPr>
+          <p:cNvPr id="45" name="单圆角矩形 44"/>
+          <p:cNvSpPr/>
+          <p:nvPr/>
+        </p:nvSpPr>
+        <p:spPr>
+          <a:xfrm>
+            <a:off x="8702100" y="4677584"/>
+            <a:ext cx="177553" cy="173530"/>
+          </a:xfrm>
+          <a:prstGeom prst="round1Rect">
+            <a:avLst/>
+          </a:prstGeom>
+          <a:solidFill>
+            <a:srgbClr val="00B0F0"/>
+          </a:solidFill>
+          <a:ln>
+            <a:noFill/>
+          </a:ln>
+        </p:spPr>
+        <p:style>
+          <a:lnRef idx="2">
+            <a:schemeClr val="accent1">
+              <a:shade val="50000"/>
+            </a:schemeClr>
+          </a:lnRef>
+          <a:fillRef idx="1">
+            <a:schemeClr val="accent1"/>
+          </a:fillRef>
+          <a:effectRef idx="0">
+            <a:schemeClr val="accent1"/>
+          </a:effectRef>
+          <a:fontRef idx="minor">
+            <a:schemeClr val="lt1"/>
+          </a:fontRef>
+        </p:style>
+        <p:txBody>
+          <a:bodyPr rtlCol="0" anchor="ctr"/>
+          <a:lstStyle/>
+          <a:p>
+            <a:pPr algn="ctr"/>
+            <a:endParaRPr kumimoji="1" lang="zh-CN" altLang="en-US">
+              <a:solidFill>
+                <a:schemeClr val="tx1"/>
+              </a:solidFill>
+            </a:endParaRPr>
+          </a:p>
+        </p:txBody>
+      </p:sp>
+      <p:sp>
+        <p:nvSpPr>
+          <p:cNvPr id="46" name="单圆角矩形 45"/>
+          <p:cNvSpPr/>
+          <p:nvPr/>
+        </p:nvSpPr>
+        <p:spPr>
+          <a:xfrm>
+            <a:off x="9221915" y="5335894"/>
+            <a:ext cx="177553" cy="173530"/>
+          </a:xfrm>
+          <a:prstGeom prst="round1Rect">
+            <a:avLst/>
+          </a:prstGeom>
+          <a:solidFill>
+            <a:srgbClr val="00B0F0"/>
+          </a:solidFill>
+          <a:ln>
+            <a:noFill/>
+          </a:ln>
+        </p:spPr>
+        <p:style>
+          <a:lnRef idx="2">
+            <a:schemeClr val="accent1">
+              <a:shade val="50000"/>
+            </a:schemeClr>
+          </a:lnRef>
+          <a:fillRef idx="1">
+            <a:schemeClr val="accent1"/>
+          </a:fillRef>
+          <a:effectRef idx="0">
+            <a:schemeClr val="accent1"/>
+          </a:effectRef>
+          <a:fontRef idx="minor">
+            <a:schemeClr val="lt1"/>
+          </a:fontRef>
+        </p:style>
+        <p:txBody>
+          <a:bodyPr rtlCol="0" anchor="ctr"/>
+          <a:lstStyle/>
+          <a:p>
+            <a:pPr algn="ctr"/>
+            <a:endParaRPr kumimoji="1" lang="zh-CN" altLang="en-US">
+              <a:solidFill>
+                <a:schemeClr val="tx1"/>
+              </a:solidFill>
+            </a:endParaRPr>
+          </a:p>
+        </p:txBody>
+      </p:sp>
+      <p:sp>
+        <p:nvSpPr>
+          <p:cNvPr id="47" name="单圆角矩形 46"/>
+          <p:cNvSpPr/>
+          <p:nvPr/>
+        </p:nvSpPr>
+        <p:spPr>
+          <a:xfrm>
+            <a:off x="9770380" y="5011860"/>
+            <a:ext cx="177553" cy="173530"/>
+          </a:xfrm>
+          <a:prstGeom prst="round1Rect">
+            <a:avLst/>
+          </a:prstGeom>
+          <a:solidFill>
+            <a:srgbClr val="00B0F0"/>
+          </a:solidFill>
+          <a:ln>
+            <a:noFill/>
+          </a:ln>
+        </p:spPr>
+        <p:style>
+          <a:lnRef idx="2">
+            <a:schemeClr val="accent1">
+              <a:shade val="50000"/>
+            </a:schemeClr>
+          </a:lnRef>
+          <a:fillRef idx="1">
+            <a:schemeClr val="accent1"/>
+          </a:fillRef>
+          <a:effectRef idx="0">
+            <a:schemeClr val="accent1"/>
+          </a:effectRef>
+          <a:fontRef idx="minor">
+            <a:schemeClr val="lt1"/>
+          </a:fontRef>
+        </p:style>
+        <p:txBody>
+          <a:bodyPr rtlCol="0" anchor="ctr"/>
+          <a:lstStyle/>
+          <a:p>
+            <a:pPr algn="ctr"/>
+            <a:endParaRPr kumimoji="1" lang="zh-CN" altLang="en-US">
+              <a:solidFill>
+                <a:schemeClr val="tx1"/>
+              </a:solidFill>
+            </a:endParaRPr>
+          </a:p>
+        </p:txBody>
+      </p:sp>
+      <p:sp>
+        <p:nvSpPr>
+          <p:cNvPr id="48" name="单圆角矩形 47"/>
+          <p:cNvSpPr/>
+          <p:nvPr/>
+        </p:nvSpPr>
+        <p:spPr>
+          <a:xfrm>
+            <a:off x="3637119" y="4989251"/>
+            <a:ext cx="177553" cy="173530"/>
+          </a:xfrm>
+          <a:prstGeom prst="round1Rect">
+            <a:avLst/>
+          </a:prstGeom>
+          <a:solidFill>
+            <a:srgbClr val="00B0F0"/>
+          </a:solidFill>
+          <a:ln>
+            <a:noFill/>
+          </a:ln>
+        </p:spPr>
+        <p:style>
+          <a:lnRef idx="2">
+            <a:schemeClr val="accent1">
+              <a:shade val="50000"/>
+            </a:schemeClr>
+          </a:lnRef>
+          <a:fillRef idx="1">
+            <a:schemeClr val="accent1"/>
+          </a:fillRef>
+          <a:effectRef idx="0">
+            <a:schemeClr val="accent1"/>
+          </a:effectRef>
+          <a:fontRef idx="minor">
+            <a:schemeClr val="lt1"/>
+          </a:fontRef>
+        </p:style>
+        <p:txBody>
+          <a:bodyPr rtlCol="0" anchor="ctr"/>
+          <a:lstStyle/>
+          <a:p>
+            <a:pPr algn="ctr"/>
+            <a:endParaRPr kumimoji="1" lang="zh-CN" altLang="en-US">
+              <a:solidFill>
+                <a:schemeClr val="tx1"/>
+              </a:solidFill>
+            </a:endParaRPr>
+          </a:p>
+        </p:txBody>
+      </p:sp>
+      <p:sp>
+        <p:nvSpPr>
+          <p:cNvPr id="49" name="等腰三角形 48"/>
+          <p:cNvSpPr/>
+          <p:nvPr/>
+        </p:nvSpPr>
+        <p:spPr>
+          <a:xfrm>
+            <a:off x="2716062" y="5479647"/>
+            <a:ext cx="159798" cy="150921"/>
+          </a:xfrm>
+          <a:prstGeom prst="triangle">
+            <a:avLst/>
+          </a:prstGeom>
+          <a:ln>
+            <a:noFill/>
+          </a:ln>
+        </p:spPr>
+        <p:style>
+          <a:lnRef idx="2">
+            <a:schemeClr val="accent1">
+              <a:shade val="50000"/>
+            </a:schemeClr>
+          </a:lnRef>
+          <a:fillRef idx="1">
+            <a:schemeClr val="accent1"/>
+          </a:fillRef>
+          <a:effectRef idx="0">
+            <a:schemeClr val="accent1"/>
+          </a:effectRef>
+          <a:fontRef idx="minor">
+            <a:schemeClr val="lt1"/>
+          </a:fontRef>
+        </p:style>
+        <p:txBody>
+          <a:bodyPr rtlCol="0" anchor="ctr"/>
+          <a:lstStyle/>
+          <a:p>
+            <a:pPr algn="ctr"/>
+            <a:endParaRPr kumimoji="1" lang="zh-CN" altLang="en-US">
+              <a:solidFill>
+                <a:schemeClr val="tx1"/>
+              </a:solidFill>
+            </a:endParaRPr>
+          </a:p>
+        </p:txBody>
+      </p:sp>
+      <p:sp>
+        <p:nvSpPr>
+          <p:cNvPr id="50" name="文本框 49"/>
+          <p:cNvSpPr txBox="1"/>
+          <p:nvPr/>
+        </p:nvSpPr>
+        <p:spPr>
+          <a:xfrm>
+            <a:off x="2652924" y="6155886"/>
+            <a:ext cx="286073" cy="369332"/>
+          </a:xfrm>
+          <a:prstGeom prst="rect">
+            <a:avLst/>
+          </a:prstGeom>
+          <a:noFill/>
+        </p:spPr>
+        <p:txBody>
+          <a:bodyPr wrap="square" rtlCol="0">
+            <a:spAutoFit/>
+          </a:bodyPr>
+          <a:lstStyle/>
+          <a:p>
+            <a:r>
+              <a:rPr lang="en-US" altLang="zh-CN" dirty="0" smtClean="0"/>
+              <a:t>Y</a:t>
+            </a:r>
+            <a:endParaRPr lang="zh-CN" altLang="en-US" dirty="0"/>
+          </a:p>
+        </p:txBody>
+      </p:sp>
+      <p:sp>
+        <p:nvSpPr>
+          <p:cNvPr id="51" name="文本框 50"/>
+          <p:cNvSpPr txBox="1"/>
+          <p:nvPr/>
+        </p:nvSpPr>
+        <p:spPr>
+          <a:xfrm>
+            <a:off x="8895405" y="6155886"/>
+            <a:ext cx="286073" cy="369332"/>
+          </a:xfrm>
+          <a:prstGeom prst="rect">
+            <a:avLst/>
+          </a:prstGeom>
+          <a:noFill/>
+        </p:spPr>
+        <p:txBody>
+          <a:bodyPr wrap="square" rtlCol="0">
+            <a:spAutoFit/>
+          </a:bodyPr>
+          <a:lstStyle/>
+          <a:p>
+            <a:r>
+              <a:rPr lang="en-US" altLang="zh-CN" dirty="0" smtClean="0"/>
+              <a:t>Y</a:t>
+            </a:r>
+            <a:endParaRPr lang="zh-CN" altLang="en-US" dirty="0"/>
+          </a:p>
+        </p:txBody>
+      </p:sp>
+      <p:sp>
+        <p:nvSpPr>
+          <p:cNvPr id="52" name="右箭头 51"/>
+          <p:cNvSpPr/>
+          <p:nvPr/>
+        </p:nvSpPr>
+        <p:spPr>
+          <a:xfrm>
+            <a:off x="5559404" y="4738130"/>
+            <a:ext cx="727969" cy="156735"/>
+          </a:xfrm>
+          <a:prstGeom prst="rightArrow">
+            <a:avLst/>
+          </a:prstGeom>
+          <a:ln>
+            <a:noFill/>
+          </a:ln>
+        </p:spPr>
+        <p:style>
+          <a:lnRef idx="2">
+            <a:schemeClr val="accent1">
+              <a:shade val="50000"/>
+            </a:schemeClr>
+          </a:lnRef>
+          <a:fillRef idx="1">
+            <a:schemeClr val="accent1"/>
+          </a:fillRef>
+          <a:effectRef idx="0">
+            <a:schemeClr val="accent1"/>
+          </a:effectRef>
+          <a:fontRef idx="minor">
+            <a:schemeClr val="lt1"/>
+          </a:fontRef>
+        </p:style>
+        <p:txBody>
+          <a:bodyPr rtlCol="0" anchor="ctr"/>
+          <a:lstStyle/>
+          <a:p>
+            <a:pPr algn="ctr"/>
+            <a:endParaRPr kumimoji="1" lang="zh-CN" altLang="en-US">
+              <a:solidFill>
+                <a:schemeClr val="tx1"/>
+              </a:solidFill>
+            </a:endParaRPr>
+          </a:p>
+        </p:txBody>
+      </p:sp>
     </p:spTree>
     <p:extLst>
       <p:ext uri="{BB962C8B-B14F-4D97-AF65-F5344CB8AC3E}">
-        <p14:creationId xmlns:p14="http://schemas.microsoft.com/office/powerpoint/2010/main" val="2294237968"/>
+        <p14:creationId xmlns:p14="http://schemas.microsoft.com/office/powerpoint/2010/main" val="2002858705"/>
       </p:ext>
     </p:extLst>
   </p:cSld>
@@ -7436,7 +7360,7 @@
           <a:p>
             <a:r>
               <a:rPr lang="zh-CN" altLang="en-US" dirty="0" smtClean="0"/>
-              <a:t>逻辑回归算法</a:t>
+              <a:t>分类结果</a:t>
             </a:r>
             <a:endParaRPr lang="zh-CN" altLang="en-US" dirty="0"/>
           </a:p>
@@ -7458,12 +7382,8 @@
           <a:lstStyle/>
           <a:p>
             <a:r>
-              <a:rPr lang="en-US" altLang="zh-CN" sz="2400" dirty="0"/>
-              <a:t>5</a:t>
-            </a:r>
-            <a:r>
               <a:rPr lang="en-US" altLang="zh-CN" sz="2400" dirty="0" smtClean="0"/>
-              <a:t>-1</a:t>
+              <a:t>4-3</a:t>
             </a:r>
             <a:endParaRPr lang="zh-CN" altLang="en-US" sz="2400" dirty="0"/>
           </a:p>
@@ -7493,6 +7413,85 @@
             <a:r>
               <a:rPr lang="zh-CN" altLang="en-US" dirty="0" smtClean="0"/>
               <a:t>        </a:t>
+            </a:r>
+            <a:endParaRPr lang="zh-CN" altLang="en-US" dirty="0"/>
+          </a:p>
+        </p:txBody>
+      </p:sp>
+      <p:sp>
+        <p:nvSpPr>
+          <p:cNvPr id="10" name="矩形 9"/>
+          <p:cNvSpPr/>
+          <p:nvPr/>
+        </p:nvSpPr>
+        <p:spPr>
+          <a:xfrm>
+            <a:off x="810600" y="2078673"/>
+            <a:ext cx="1985639" cy="2031325"/>
+          </a:xfrm>
+          <a:prstGeom prst="rect">
+            <a:avLst/>
+          </a:prstGeom>
+        </p:spPr>
+        <p:txBody>
+          <a:bodyPr wrap="square">
+            <a:spAutoFit/>
+          </a:bodyPr>
+          <a:lstStyle/>
+          <a:p>
+            <a:r>
+              <a:rPr lang="zh-CN" altLang="en-US" dirty="0" smtClean="0"/>
+              <a:t>对于小样本</a:t>
+            </a:r>
+            <a:r>
+              <a:rPr lang="zh-CN" altLang="en-US" dirty="0"/>
+              <a:t>，在不同的</a:t>
+            </a:r>
+            <a:r>
+              <a:rPr lang="en-US" altLang="zh-CN" dirty="0"/>
+              <a:t>K</a:t>
+            </a:r>
+            <a:r>
+              <a:rPr lang="zh-CN" altLang="en-US" dirty="0"/>
+              <a:t>值时，</a:t>
+            </a:r>
+            <a:r>
+              <a:rPr lang="en-US" altLang="zh-CN" dirty="0"/>
+              <a:t>K-NN</a:t>
+            </a:r>
+            <a:r>
+              <a:rPr lang="zh-CN" altLang="en-US" dirty="0"/>
+              <a:t>分类对应的</a:t>
+            </a:r>
+            <a:r>
+              <a:rPr lang="en-US" altLang="zh-CN" dirty="0"/>
+              <a:t>Precision</a:t>
+            </a:r>
+            <a:r>
+              <a:rPr lang="zh-CN" altLang="en-US" dirty="0"/>
+              <a:t>，</a:t>
+            </a:r>
+            <a:r>
+              <a:rPr lang="en-US" altLang="zh-CN" dirty="0"/>
+              <a:t>Recall</a:t>
+            </a:r>
+            <a:r>
+              <a:rPr lang="zh-CN" altLang="en-US" dirty="0"/>
+              <a:t>，</a:t>
+            </a:r>
+            <a:r>
+              <a:rPr lang="en-US" altLang="zh-CN" dirty="0" smtClean="0"/>
+              <a:t>Accuracy</a:t>
+            </a:r>
+          </a:p>
+          <a:p>
+            <a:r>
+              <a:rPr lang="zh-CN" altLang="en-US" dirty="0" smtClean="0"/>
+              <a:t>如</a:t>
+            </a:r>
+            <a:r>
+              <a:rPr lang="zh-CN" altLang="en-US" dirty="0" smtClean="0"/>
+              <a:t>右图所示</a:t>
             </a:r>
             <a:endParaRPr lang="zh-CN" altLang="en-US" dirty="0"/>
           </a:p>
@@ -7507,39 +7506,21 @@
           <p:nvPr/>
         </p:nvPicPr>
         <p:blipFill>
-          <a:blip r:embed="rId2"/>
+          <a:blip r:embed="rId2">
+            <a:extLst>
+              <a:ext uri="{28A0092B-C50C-407E-A947-70E740481C1C}">
+                <a14:useLocalDpi xmlns:a14="http://schemas.microsoft.com/office/drawing/2010/main" val="0"/>
+              </a:ext>
+            </a:extLst>
+          </a:blip>
           <a:stretch>
             <a:fillRect/>
           </a:stretch>
         </p:blipFill>
         <p:spPr>
           <a:xfrm>
-            <a:off x="2067110" y="1490008"/>
-            <a:ext cx="7791450" cy="2419350"/>
-          </a:xfrm>
-          <a:prstGeom prst="rect">
-            <a:avLst/>
-          </a:prstGeom>
-        </p:spPr>
-      </p:pic>
-      <p:pic>
-        <p:nvPicPr>
-          <p:cNvPr id="7" name="图片 6"/>
-          <p:cNvPicPr>
-            <a:picLocks noChangeAspect="1"/>
-          </p:cNvPicPr>
-          <p:nvPr/>
-        </p:nvPicPr>
-        <p:blipFill>
-          <a:blip r:embed="rId3"/>
-          <a:stretch>
-            <a:fillRect/>
-          </a:stretch>
-        </p:blipFill>
-        <p:spPr>
-          <a:xfrm>
-            <a:off x="1583701" y="4638675"/>
-            <a:ext cx="8758267" cy="1216426"/>
+            <a:off x="2796239" y="910935"/>
+            <a:ext cx="8892180" cy="5574852"/>
           </a:xfrm>
           <a:prstGeom prst="rect">
             <a:avLst/>
@@ -7549,7 +7530,7 @@
     </p:spTree>
     <p:extLst>
       <p:ext uri="{BB962C8B-B14F-4D97-AF65-F5344CB8AC3E}">
-        <p14:creationId xmlns:p14="http://schemas.microsoft.com/office/powerpoint/2010/main" val="3627597606"/>
+        <p14:creationId xmlns:p14="http://schemas.microsoft.com/office/powerpoint/2010/main" val="2294237968"/>
       </p:ext>
     </p:extLst>
   </p:cSld>
@@ -7600,7 +7581,7 @@
           <a:p>
             <a:r>
               <a:rPr lang="zh-CN" altLang="en-US" dirty="0" smtClean="0"/>
-              <a:t>分类结果</a:t>
+              <a:t>逻辑回归算法</a:t>
             </a:r>
             <a:endParaRPr lang="zh-CN" altLang="en-US" dirty="0"/>
           </a:p>
@@ -7622,8 +7603,12 @@
           <a:lstStyle/>
           <a:p>
             <a:r>
+              <a:rPr lang="en-US" altLang="zh-CN" sz="2400" dirty="0"/>
+              <a:t>5</a:t>
+            </a:r>
+            <a:r>
               <a:rPr lang="en-US" altLang="zh-CN" sz="2400" dirty="0" smtClean="0"/>
-              <a:t>5-2</a:t>
+              <a:t>-1</a:t>
             </a:r>
             <a:endParaRPr lang="zh-CN" altLang="en-US" sz="2400" dirty="0"/>
           </a:p>
@@ -7653,93 +7638,6 @@
             <a:r>
               <a:rPr lang="zh-CN" altLang="en-US" dirty="0" smtClean="0"/>
               <a:t>        </a:t>
-            </a:r>
-            <a:endParaRPr lang="zh-CN" altLang="en-US" dirty="0"/>
-          </a:p>
-        </p:txBody>
-      </p:sp>
-      <p:sp>
-        <p:nvSpPr>
-          <p:cNvPr id="10" name="矩形 9"/>
-          <p:cNvSpPr/>
-          <p:nvPr/>
-        </p:nvSpPr>
-        <p:spPr>
-          <a:xfrm>
-            <a:off x="1112668" y="1260799"/>
-            <a:ext cx="9904520" cy="923330"/>
-          </a:xfrm>
-          <a:prstGeom prst="rect">
-            <a:avLst/>
-          </a:prstGeom>
-        </p:spPr>
-        <p:txBody>
-          <a:bodyPr wrap="square">
-            <a:spAutoFit/>
-          </a:bodyPr>
-          <a:lstStyle/>
-          <a:p>
-            <a:r>
-              <a:rPr lang="zh-CN" altLang="en-US" dirty="0"/>
-              <a:t>在迭代步长为</a:t>
-            </a:r>
-            <a:r>
-              <a:rPr lang="en-US" altLang="zh-CN" dirty="0"/>
-              <a:t>0.001</a:t>
-            </a:r>
-            <a:r>
-              <a:rPr lang="zh-CN" altLang="en-US" dirty="0"/>
-              <a:t>，迭代次数为</a:t>
-            </a:r>
-            <a:r>
-              <a:rPr lang="en-US" altLang="zh-CN" dirty="0"/>
-              <a:t>5000</a:t>
-            </a:r>
-            <a:r>
-              <a:rPr lang="zh-CN" altLang="en-US" dirty="0"/>
-              <a:t>次时，对大样本的分类准确度</a:t>
-            </a:r>
-            <a:r>
-              <a:rPr lang="zh-CN" altLang="en-US" dirty="0" smtClean="0"/>
-              <a:t>是</a:t>
-            </a:r>
-            <a:r>
-              <a:rPr lang="en-US" altLang="zh-CN" dirty="0" smtClean="0"/>
-              <a:t>0.8953629521728574</a:t>
-            </a:r>
-            <a:endParaRPr lang="en-US" altLang="zh-CN" dirty="0"/>
-          </a:p>
-          <a:p>
-            <a:endParaRPr lang="en-US" altLang="zh-CN" dirty="0"/>
-          </a:p>
-          <a:p>
-            <a:r>
-              <a:rPr lang="zh-CN" altLang="en-US" dirty="0" smtClean="0"/>
-              <a:t>在</a:t>
-            </a:r>
-            <a:r>
-              <a:rPr lang="zh-CN" altLang="en-US" dirty="0"/>
-              <a:t>迭代步长为</a:t>
-            </a:r>
-            <a:r>
-              <a:rPr lang="en-US" altLang="zh-CN" dirty="0"/>
-              <a:t>0.001</a:t>
-            </a:r>
-            <a:r>
-              <a:rPr lang="zh-CN" altLang="en-US" dirty="0"/>
-              <a:t>，迭代次数为</a:t>
-            </a:r>
-            <a:r>
-              <a:rPr lang="en-US" altLang="zh-CN" dirty="0"/>
-              <a:t>5000</a:t>
-            </a:r>
-            <a:r>
-              <a:rPr lang="zh-CN" altLang="en-US" dirty="0"/>
-              <a:t>次时，对小样本的分类准确度是</a:t>
-            </a:r>
-            <a:r>
-              <a:rPr lang="en-US" altLang="zh-CN" dirty="0"/>
-              <a:t>0.9087378640776699</a:t>
             </a:r>
             <a:endParaRPr lang="zh-CN" altLang="en-US" dirty="0"/>
           </a:p>
@@ -7754,76 +7652,49 @@
           <p:nvPr/>
         </p:nvPicPr>
         <p:blipFill>
-          <a:blip r:embed="rId2">
-            <a:extLst>
-              <a:ext uri="{28A0092B-C50C-407E-A947-70E740481C1C}">
-                <a14:useLocalDpi xmlns:a14="http://schemas.microsoft.com/office/drawing/2010/main" val="0"/>
-              </a:ext>
-            </a:extLst>
-          </a:blip>
+          <a:blip r:embed="rId2"/>
           <a:stretch>
             <a:fillRect/>
           </a:stretch>
         </p:blipFill>
         <p:spPr>
           <a:xfrm>
-            <a:off x="2653015" y="2565646"/>
-            <a:ext cx="5967201" cy="4037718"/>
+            <a:off x="2067110" y="1490008"/>
+            <a:ext cx="7791450" cy="2419350"/>
           </a:xfrm>
           <a:prstGeom prst="rect">
             <a:avLst/>
           </a:prstGeom>
         </p:spPr>
       </p:pic>
-      <p:sp>
-        <p:nvSpPr>
-          <p:cNvPr id="7" name="矩形 6"/>
-          <p:cNvSpPr/>
+      <p:pic>
+        <p:nvPicPr>
+          <p:cNvPr id="7" name="图片 6"/>
+          <p:cNvPicPr>
+            <a:picLocks noChangeAspect="1"/>
+          </p:cNvPicPr>
           <p:nvPr/>
-        </p:nvSpPr>
-        <p:spPr>
-          <a:xfrm>
-            <a:off x="570394" y="2923654"/>
-            <a:ext cx="2146742" cy="369332"/>
+        </p:nvPicPr>
+        <p:blipFill>
+          <a:blip r:embed="rId3"/>
+          <a:stretch>
+            <a:fillRect/>
+          </a:stretch>
+        </p:blipFill>
+        <p:spPr>
+          <a:xfrm>
+            <a:off x="1583701" y="4638675"/>
+            <a:ext cx="8758267" cy="1216426"/>
           </a:xfrm>
           <a:prstGeom prst="rect">
             <a:avLst/>
           </a:prstGeom>
         </p:spPr>
-        <p:txBody>
-          <a:bodyPr wrap="none">
-            <a:spAutoFit/>
-          </a:bodyPr>
-          <a:lstStyle/>
-          <a:p>
-            <a:r>
-              <a:rPr lang="zh-CN" altLang="en-US" dirty="0"/>
-              <a:t>迭代次数</a:t>
-            </a:r>
-            <a:r>
-              <a:rPr lang="zh-CN" altLang="en-US" dirty="0" smtClean="0"/>
-              <a:t>为</a:t>
-            </a:r>
-            <a:r>
-              <a:rPr lang="en-US" altLang="zh-CN" dirty="0" smtClean="0"/>
-              <a:t>3000</a:t>
-            </a:r>
-            <a:r>
-              <a:rPr lang="zh-CN" altLang="en-US" dirty="0" smtClean="0"/>
-              <a:t>次</a:t>
-            </a:r>
-            <a:r>
-              <a:rPr lang="en-US" altLang="zh-CN" dirty="0" smtClean="0"/>
-              <a:t>:</a:t>
-            </a:r>
-            <a:endParaRPr lang="zh-CN" altLang="en-US" dirty="0"/>
-          </a:p>
-        </p:txBody>
-      </p:sp>
+      </p:pic>
     </p:spTree>
     <p:extLst>
       <p:ext uri="{BB962C8B-B14F-4D97-AF65-F5344CB8AC3E}">
-        <p14:creationId xmlns:p14="http://schemas.microsoft.com/office/powerpoint/2010/main" val="97143820"/>
+        <p14:creationId xmlns:p14="http://schemas.microsoft.com/office/powerpoint/2010/main" val="3627597606"/>
       </p:ext>
     </p:extLst>
   </p:cSld>
@@ -7873,8 +7744,8 @@
           <a:lstStyle/>
           <a:p>
             <a:r>
-              <a:rPr lang="zh-CN" altLang="en-US" smtClean="0"/>
-              <a:t>四种分类方法比较</a:t>
+              <a:rPr lang="zh-CN" altLang="en-US" dirty="0" smtClean="0"/>
+              <a:t>分类结果</a:t>
             </a:r>
             <a:endParaRPr lang="zh-CN" altLang="en-US" dirty="0"/>
           </a:p>
@@ -7897,7 +7768,7 @@
           <a:p>
             <a:r>
               <a:rPr lang="en-US" altLang="zh-CN" sz="2400" dirty="0" smtClean="0"/>
-              <a:t>6-1</a:t>
+              <a:t>5-2</a:t>
             </a:r>
             <a:endParaRPr lang="zh-CN" altLang="en-US" sz="2400" dirty="0"/>
           </a:p>
@@ -7932,40 +7803,185 @@
           </a:p>
         </p:txBody>
       </p:sp>
+      <p:sp>
+        <p:nvSpPr>
+          <p:cNvPr id="10" name="矩形 9"/>
+          <p:cNvSpPr/>
+          <p:nvPr/>
+        </p:nvSpPr>
+        <p:spPr>
+          <a:xfrm>
+            <a:off x="1112668" y="1260799"/>
+            <a:ext cx="9904520" cy="923330"/>
+          </a:xfrm>
+          <a:prstGeom prst="rect">
+            <a:avLst/>
+          </a:prstGeom>
+        </p:spPr>
+        <p:txBody>
+          <a:bodyPr wrap="square">
+            <a:spAutoFit/>
+          </a:bodyPr>
+          <a:lstStyle/>
+          <a:p>
+            <a:r>
+              <a:rPr lang="zh-CN" altLang="en-US" dirty="0"/>
+              <a:t>在迭代步长为</a:t>
+            </a:r>
+            <a:r>
+              <a:rPr lang="en-US" altLang="zh-CN" dirty="0"/>
+              <a:t>0.001</a:t>
+            </a:r>
+            <a:r>
+              <a:rPr lang="zh-CN" altLang="en-US" dirty="0"/>
+              <a:t>，迭代次数为</a:t>
+            </a:r>
+            <a:r>
+              <a:rPr lang="en-US" altLang="zh-CN" dirty="0"/>
+              <a:t>5000</a:t>
+            </a:r>
+            <a:r>
+              <a:rPr lang="zh-CN" altLang="en-US" dirty="0"/>
+              <a:t>次时，对大样本的分类准确度</a:t>
+            </a:r>
+            <a:r>
+              <a:rPr lang="zh-CN" altLang="en-US" dirty="0" smtClean="0"/>
+              <a:t>是</a:t>
+            </a:r>
+            <a:r>
+              <a:rPr lang="en-US" altLang="zh-CN" dirty="0" smtClean="0"/>
+              <a:t>0.8953629521728574</a:t>
+            </a:r>
+            <a:endParaRPr lang="en-US" altLang="zh-CN" dirty="0"/>
+          </a:p>
+          <a:p>
+            <a:endParaRPr lang="en-US" altLang="zh-CN" dirty="0"/>
+          </a:p>
+          <a:p>
+            <a:r>
+              <a:rPr lang="zh-CN" altLang="en-US" dirty="0" smtClean="0"/>
+              <a:t>在</a:t>
+            </a:r>
+            <a:r>
+              <a:rPr lang="zh-CN" altLang="en-US" dirty="0"/>
+              <a:t>迭代步长为</a:t>
+            </a:r>
+            <a:r>
+              <a:rPr lang="en-US" altLang="zh-CN" dirty="0"/>
+              <a:t>0.001</a:t>
+            </a:r>
+            <a:r>
+              <a:rPr lang="zh-CN" altLang="en-US" dirty="0"/>
+              <a:t>，迭代次数为</a:t>
+            </a:r>
+            <a:r>
+              <a:rPr lang="en-US" altLang="zh-CN" dirty="0"/>
+              <a:t>5000</a:t>
+            </a:r>
+            <a:r>
+              <a:rPr lang="zh-CN" altLang="en-US" dirty="0"/>
+              <a:t>次时，对小样本的分类准确度是</a:t>
+            </a:r>
+            <a:r>
+              <a:rPr lang="en-US" altLang="zh-CN" dirty="0"/>
+              <a:t>0.9087378640776699</a:t>
+            </a:r>
+            <a:endParaRPr lang="zh-CN" altLang="en-US" dirty="0"/>
+          </a:p>
+        </p:txBody>
+      </p:sp>
       <p:pic>
         <p:nvPicPr>
-          <p:cNvPr id="7" name="图片 6"/>
+          <p:cNvPr id="4" name="图片 3"/>
           <p:cNvPicPr>
             <a:picLocks noChangeAspect="1"/>
           </p:cNvPicPr>
           <p:nvPr/>
         </p:nvPicPr>
         <p:blipFill>
-          <a:blip r:embed="rId2"/>
+          <a:blip r:embed="rId2">
+            <a:extLst>
+              <a:ext uri="{28A0092B-C50C-407E-A947-70E740481C1C}">
+                <a14:useLocalDpi xmlns:a14="http://schemas.microsoft.com/office/drawing/2010/main" val="0"/>
+              </a:ext>
+            </a:extLst>
+          </a:blip>
           <a:stretch>
             <a:fillRect/>
           </a:stretch>
         </p:blipFill>
         <p:spPr>
           <a:xfrm>
-            <a:off x="1204912" y="2162175"/>
-            <a:ext cx="9782175" cy="2533650"/>
+            <a:off x="2653015" y="2565646"/>
+            <a:ext cx="5967201" cy="4037718"/>
           </a:xfrm>
           <a:prstGeom prst="rect">
             <a:avLst/>
           </a:prstGeom>
         </p:spPr>
       </p:pic>
+      <p:sp>
+        <p:nvSpPr>
+          <p:cNvPr id="7" name="矩形 6"/>
+          <p:cNvSpPr/>
+          <p:nvPr/>
+        </p:nvSpPr>
+        <p:spPr>
+          <a:xfrm>
+            <a:off x="570394" y="2923654"/>
+            <a:ext cx="2146742" cy="369332"/>
+          </a:xfrm>
+          <a:prstGeom prst="rect">
+            <a:avLst/>
+          </a:prstGeom>
+        </p:spPr>
+        <p:txBody>
+          <a:bodyPr wrap="none">
+            <a:spAutoFit/>
+          </a:bodyPr>
+          <a:lstStyle/>
+          <a:p>
+            <a:r>
+              <a:rPr lang="zh-CN" altLang="en-US" dirty="0"/>
+              <a:t>迭代次数</a:t>
+            </a:r>
+            <a:r>
+              <a:rPr lang="zh-CN" altLang="en-US" dirty="0" smtClean="0"/>
+              <a:t>为</a:t>
+            </a:r>
+            <a:r>
+              <a:rPr lang="en-US" altLang="zh-CN" dirty="0" smtClean="0"/>
+              <a:t>3000</a:t>
+            </a:r>
+            <a:r>
+              <a:rPr lang="zh-CN" altLang="en-US" dirty="0" smtClean="0"/>
+              <a:t>次</a:t>
+            </a:r>
+            <a:r>
+              <a:rPr lang="en-US" altLang="zh-CN" dirty="0" smtClean="0"/>
+              <a:t>:</a:t>
+            </a:r>
+            <a:endParaRPr lang="zh-CN" altLang="en-US" dirty="0"/>
+          </a:p>
+        </p:txBody>
+      </p:sp>
     </p:spTree>
     <p:extLst>
       <p:ext uri="{BB962C8B-B14F-4D97-AF65-F5344CB8AC3E}">
-        <p14:creationId xmlns:p14="http://schemas.microsoft.com/office/powerpoint/2010/main" val="736442176"/>
+        <p14:creationId xmlns:p14="http://schemas.microsoft.com/office/powerpoint/2010/main" val="97143820"/>
       </p:ext>
     </p:extLst>
   </p:cSld>
   <p:clrMapOvr>
     <a:masterClrMapping/>
   </p:clrMapOvr>
+  <p:timing>
+    <p:tnLst>
+      <p:par>
+        <p:cTn id="1" dur="indefinite" restart="never" nodeType="tmRoot"/>
+      </p:par>
+    </p:tnLst>
+  </p:timing>
 </p:sld>
 </file>
 
@@ -8002,6 +8018,135 @@
           <a:lstStyle/>
           <a:p>
             <a:r>
+              <a:rPr lang="zh-CN" altLang="en-US" smtClean="0"/>
+              <a:t>四种分类方法比较</a:t>
+            </a:r>
+            <a:endParaRPr lang="zh-CN" altLang="en-US" dirty="0"/>
+          </a:p>
+        </p:txBody>
+      </p:sp>
+      <p:sp>
+        <p:nvSpPr>
+          <p:cNvPr id="3" name="文本占位符 2"/>
+          <p:cNvSpPr>
+            <a:spLocks noGrp="1"/>
+          </p:cNvSpPr>
+          <p:nvPr>
+            <p:ph type="body" sz="quarter" idx="11"/>
+          </p:nvPr>
+        </p:nvSpPr>
+        <p:spPr/>
+        <p:txBody>
+          <a:bodyPr/>
+          <a:lstStyle/>
+          <a:p>
+            <a:r>
+              <a:rPr lang="en-US" altLang="zh-CN" sz="2400" dirty="0" smtClean="0"/>
+              <a:t>6</a:t>
+            </a:r>
+            <a:endParaRPr lang="zh-CN" altLang="en-US" sz="2400" dirty="0"/>
+          </a:p>
+        </p:txBody>
+      </p:sp>
+      <p:sp>
+        <p:nvSpPr>
+          <p:cNvPr id="6" name="矩形 5"/>
+          <p:cNvSpPr/>
+          <p:nvPr/>
+        </p:nvSpPr>
+        <p:spPr>
+          <a:xfrm>
+            <a:off x="886691" y="1305342"/>
+            <a:ext cx="5744928" cy="369332"/>
+          </a:xfrm>
+          <a:prstGeom prst="rect">
+            <a:avLst/>
+          </a:prstGeom>
+        </p:spPr>
+        <p:txBody>
+          <a:bodyPr wrap="square">
+            <a:spAutoFit/>
+          </a:bodyPr>
+          <a:lstStyle/>
+          <a:p>
+            <a:r>
+              <a:rPr lang="zh-CN" altLang="en-US" dirty="0" smtClean="0"/>
+              <a:t>        </a:t>
+            </a:r>
+            <a:endParaRPr lang="zh-CN" altLang="en-US" dirty="0"/>
+          </a:p>
+        </p:txBody>
+      </p:sp>
+      <p:pic>
+        <p:nvPicPr>
+          <p:cNvPr id="7" name="图片 6"/>
+          <p:cNvPicPr>
+            <a:picLocks noChangeAspect="1"/>
+          </p:cNvPicPr>
+          <p:nvPr/>
+        </p:nvPicPr>
+        <p:blipFill>
+          <a:blip r:embed="rId2"/>
+          <a:stretch>
+            <a:fillRect/>
+          </a:stretch>
+        </p:blipFill>
+        <p:spPr>
+          <a:xfrm>
+            <a:off x="1204912" y="2162175"/>
+            <a:ext cx="9782175" cy="2533650"/>
+          </a:xfrm>
+          <a:prstGeom prst="rect">
+            <a:avLst/>
+          </a:prstGeom>
+        </p:spPr>
+      </p:pic>
+    </p:spTree>
+    <p:extLst>
+      <p:ext uri="{BB962C8B-B14F-4D97-AF65-F5344CB8AC3E}">
+        <p14:creationId xmlns:p14="http://schemas.microsoft.com/office/powerpoint/2010/main" val="736442176"/>
+      </p:ext>
+    </p:extLst>
+  </p:cSld>
+  <p:clrMapOvr>
+    <a:masterClrMapping/>
+  </p:clrMapOvr>
+</p:sld>
+</file>
+
+<file path=ppt/slides/slide16.xml><?xml version="1.0" encoding="utf-8"?>
+<p:sld xmlns:a="http://schemas.openxmlformats.org/drawingml/2006/main" xmlns:r="http://schemas.openxmlformats.org/officeDocument/2006/relationships" xmlns:p="http://schemas.openxmlformats.org/presentationml/2006/main">
+  <p:cSld>
+    <p:spTree>
+      <p:nvGrpSpPr>
+        <p:cNvPr id="1" name=""/>
+        <p:cNvGrpSpPr/>
+        <p:nvPr/>
+      </p:nvGrpSpPr>
+      <p:grpSpPr>
+        <a:xfrm>
+          <a:off x="0" y="0"/>
+          <a:ext cx="0" cy="0"/>
+          <a:chOff x="0" y="0"/>
+          <a:chExt cx="0" cy="0"/>
+        </a:xfrm>
+      </p:grpSpPr>
+      <p:sp>
+        <p:nvSpPr>
+          <p:cNvPr id="2" name="文本占位符 1"/>
+          <p:cNvSpPr>
+            <a:spLocks noGrp="1"/>
+          </p:cNvSpPr>
+          <p:nvPr>
+            <p:ph type="body" sz="quarter" idx="10"/>
+          </p:nvPr>
+        </p:nvSpPr>
+        <p:spPr/>
+        <p:txBody>
+          <a:bodyPr/>
+          <a:lstStyle/>
+          <a:p>
+            <a:r>
               <a:rPr lang="zh-CN" altLang="en-US" dirty="0" smtClean="0"/>
               <a:t>青蛙叫声聚类分析</a:t>
             </a:r>
@@ -8045,7 +8190,7 @@
 </p:sld>
 </file>
 
-<file path=ppt/slides/slide16.xml><?xml version="1.0" encoding="utf-8"?>
+<file path=ppt/slides/slide17.xml><?xml version="1.0" encoding="utf-8"?>
 <p:sld xmlns:a="http://schemas.openxmlformats.org/drawingml/2006/main" xmlns:r="http://schemas.openxmlformats.org/officeDocument/2006/relationships" xmlns:p="http://schemas.openxmlformats.org/presentationml/2006/main">
   <p:cSld>
     <p:spTree>
@@ -9149,225 +9294,6 @@
 </p:sld>
 </file>
 
-<file path=ppt/slides/slide17.xml><?xml version="1.0" encoding="utf-8"?>
-<p:sld xmlns:a="http://schemas.openxmlformats.org/drawingml/2006/main" xmlns:r="http://schemas.openxmlformats.org/officeDocument/2006/relationships" xmlns:p="http://schemas.openxmlformats.org/presentationml/2006/main">
-  <p:cSld>
-    <p:spTree>
-      <p:nvGrpSpPr>
-        <p:cNvPr id="1" name=""/>
-        <p:cNvGrpSpPr/>
-        <p:nvPr/>
-      </p:nvGrpSpPr>
-      <p:grpSpPr>
-        <a:xfrm>
-          <a:off x="0" y="0"/>
-          <a:ext cx="0" cy="0"/>
-          <a:chOff x="0" y="0"/>
-          <a:chExt cx="0" cy="0"/>
-        </a:xfrm>
-      </p:grpSpPr>
-      <p:sp>
-        <p:nvSpPr>
-          <p:cNvPr id="2" name="文本占位符 1"/>
-          <p:cNvSpPr>
-            <a:spLocks noGrp="1"/>
-          </p:cNvSpPr>
-          <p:nvPr>
-            <p:ph type="body" sz="quarter" idx="10"/>
-          </p:nvPr>
-        </p:nvSpPr>
-        <p:spPr>
-          <a:xfrm>
-            <a:off x="1042416" y="144231"/>
-            <a:ext cx="3819097" cy="362708"/>
-          </a:xfrm>
-        </p:spPr>
-        <p:txBody>
-          <a:bodyPr/>
-          <a:lstStyle/>
-          <a:p>
-            <a:r>
-              <a:rPr lang="zh-CN" altLang="en-US" dirty="0" smtClean="0"/>
-              <a:t>距离度量方式</a:t>
-            </a:r>
-            <a:endParaRPr lang="zh-CN" altLang="en-US" dirty="0"/>
-          </a:p>
-        </p:txBody>
-      </p:sp>
-      <p:sp>
-        <p:nvSpPr>
-          <p:cNvPr id="3" name="文本占位符 2"/>
-          <p:cNvSpPr>
-            <a:spLocks noGrp="1"/>
-          </p:cNvSpPr>
-          <p:nvPr>
-            <p:ph type="body" sz="quarter" idx="11"/>
-          </p:nvPr>
-        </p:nvSpPr>
-        <p:spPr>
-          <a:xfrm>
-            <a:off x="161913" y="85350"/>
-            <a:ext cx="880503" cy="480471"/>
-          </a:xfrm>
-        </p:spPr>
-        <p:txBody>
-          <a:bodyPr/>
-          <a:lstStyle/>
-          <a:p>
-            <a:r>
-              <a:rPr lang="en-US" altLang="zh-CN" dirty="0" smtClean="0"/>
-              <a:t>2.1</a:t>
-            </a:r>
-            <a:endParaRPr lang="zh-CN" altLang="en-US" dirty="0"/>
-          </a:p>
-        </p:txBody>
-      </p:sp>
-      <p:sp>
-        <p:nvSpPr>
-          <p:cNvPr id="4" name="文本框 3"/>
-          <p:cNvSpPr txBox="1"/>
-          <p:nvPr/>
-        </p:nvSpPr>
-        <p:spPr>
-          <a:xfrm>
-            <a:off x="694944" y="1269230"/>
-            <a:ext cx="2348720" cy="369332"/>
-          </a:xfrm>
-          <a:prstGeom prst="rect">
-            <a:avLst/>
-          </a:prstGeom>
-          <a:noFill/>
-        </p:spPr>
-        <p:txBody>
-          <a:bodyPr wrap="none" rtlCol="0">
-            <a:spAutoFit/>
-          </a:bodyPr>
-          <a:lstStyle/>
-          <a:p>
-            <a:pPr marL="285750" indent="-285750">
-              <a:buFont typeface="Arial" panose="020B0604020202020204" pitchFamily="34" charset="0"/>
-              <a:buChar char="•"/>
-            </a:pPr>
-            <a:r>
-              <a:rPr lang="zh-CN" altLang="en-US" dirty="0" smtClean="0"/>
-              <a:t>动态时间规整</a:t>
-            </a:r>
-            <a:r>
-              <a:rPr lang="en-US" altLang="zh-CN" dirty="0" smtClean="0"/>
-              <a:t>DTW</a:t>
-            </a:r>
-            <a:endParaRPr lang="zh-CN" altLang="en-US" dirty="0"/>
-          </a:p>
-        </p:txBody>
-      </p:sp>
-      <p:pic>
-        <p:nvPicPr>
-          <p:cNvPr id="5" name="图片 4"/>
-          <p:cNvPicPr/>
-          <p:nvPr/>
-        </p:nvPicPr>
-        <p:blipFill>
-          <a:blip r:embed="rId2"/>
-          <a:stretch>
-            <a:fillRect/>
-          </a:stretch>
-        </p:blipFill>
-        <p:spPr>
-          <a:xfrm>
-            <a:off x="795980" y="2341971"/>
-            <a:ext cx="3854318" cy="1905531"/>
-          </a:xfrm>
-          <a:prstGeom prst="rect">
-            <a:avLst/>
-          </a:prstGeom>
-        </p:spPr>
-      </p:pic>
-      <p:sp>
-        <p:nvSpPr>
-          <p:cNvPr id="6" name="文本框 5"/>
-          <p:cNvSpPr txBox="1"/>
-          <p:nvPr/>
-        </p:nvSpPr>
-        <p:spPr>
-          <a:xfrm>
-            <a:off x="1106424" y="5275146"/>
-            <a:ext cx="6474849" cy="646331"/>
-          </a:xfrm>
-          <a:prstGeom prst="rect">
-            <a:avLst/>
-          </a:prstGeom>
-          <a:noFill/>
-        </p:spPr>
-        <p:txBody>
-          <a:bodyPr wrap="none" rtlCol="0">
-            <a:spAutoFit/>
-          </a:bodyPr>
-          <a:lstStyle/>
-          <a:p>
-            <a:pPr marL="285750" indent="-285750">
-              <a:buFont typeface="Arial" panose="020B0604020202020204" pitchFamily="34" charset="0"/>
-              <a:buChar char="•"/>
-            </a:pPr>
-            <a:r>
-              <a:rPr lang="zh-CN" altLang="zh-CN" dirty="0"/>
-              <a:t>常被用在语音识别</a:t>
-            </a:r>
-            <a:r>
-              <a:rPr lang="zh-CN" altLang="zh-CN" dirty="0" smtClean="0"/>
-              <a:t>领域</a:t>
-            </a:r>
-            <a:endParaRPr lang="en-US" altLang="zh-CN" dirty="0" smtClean="0"/>
-          </a:p>
-          <a:p>
-            <a:pPr marL="285750" indent="-285750">
-              <a:buFont typeface="Arial" panose="020B0604020202020204" pitchFamily="34" charset="0"/>
-              <a:buChar char="•"/>
-            </a:pPr>
-            <a:r>
-              <a:rPr lang="zh-CN" altLang="zh-CN" dirty="0"/>
-              <a:t>基于动态规划的思想，解决了发音长短不一的模板匹配问题</a:t>
-            </a:r>
-            <a:endParaRPr lang="zh-CN" altLang="en-US" dirty="0"/>
-          </a:p>
-        </p:txBody>
-      </p:sp>
-      <p:pic>
-        <p:nvPicPr>
-          <p:cNvPr id="7" name="图片 6"/>
-          <p:cNvPicPr>
-            <a:picLocks noChangeAspect="1"/>
-          </p:cNvPicPr>
-          <p:nvPr/>
-        </p:nvPicPr>
-        <p:blipFill>
-          <a:blip r:embed="rId3"/>
-          <a:stretch>
-            <a:fillRect/>
-          </a:stretch>
-        </p:blipFill>
-        <p:spPr>
-          <a:xfrm>
-            <a:off x="4861513" y="1855152"/>
-            <a:ext cx="6650927" cy="3039751"/>
-          </a:xfrm>
-          <a:prstGeom prst="rect">
-            <a:avLst/>
-          </a:prstGeom>
-        </p:spPr>
-      </p:pic>
-    </p:spTree>
-    <p:extLst>
-      <p:ext uri="{BB962C8B-B14F-4D97-AF65-F5344CB8AC3E}">
-        <p14:creationId xmlns:p14="http://schemas.microsoft.com/office/powerpoint/2010/main" val="159595513"/>
-      </p:ext>
-    </p:extLst>
-  </p:cSld>
-  <p:clrMapOvr>
-    <a:masterClrMapping/>
-  </p:clrMapOvr>
-</p:sld>
-</file>
-
 <file path=ppt/slides/slide18.xml><?xml version="1.0" encoding="utf-8"?>
 <p:sld xmlns:a="http://schemas.openxmlformats.org/drawingml/2006/main" xmlns:r="http://schemas.openxmlformats.org/officeDocument/2006/relationships" xmlns:p="http://schemas.openxmlformats.org/presentationml/2006/main">
   <p:cSld>
@@ -9397,7 +9323,7 @@
         </p:nvSpPr>
         <p:spPr>
           <a:xfrm>
-            <a:off x="1078992" y="142152"/>
+            <a:off x="1042416" y="144231"/>
             <a:ext cx="3819097" cy="362708"/>
           </a:xfrm>
         </p:spPr>
@@ -9406,24 +9332,8 @@
           <a:lstStyle/>
           <a:p>
             <a:r>
-              <a:rPr lang="zh-CN" altLang="en-US" dirty="0"/>
-              <a:t>算法</a:t>
-            </a:r>
-            <a:r>
-              <a:rPr lang="en-US" altLang="zh-CN" dirty="0"/>
-              <a:t>1</a:t>
-            </a:r>
-            <a:r>
-              <a:rPr lang="zh-CN" altLang="en-US" dirty="0"/>
-              <a:t>：</a:t>
-            </a:r>
-            <a:r>
-              <a:rPr lang="en-US" altLang="zh-CN" dirty="0"/>
-              <a:t>k-means + </a:t>
-            </a:r>
-            <a:r>
-              <a:rPr lang="en-US" altLang="zh-CN" dirty="0" err="1"/>
-              <a:t>agnes</a:t>
+              <a:rPr lang="zh-CN" altLang="en-US" dirty="0" smtClean="0"/>
+              <a:t>距离度量方式</a:t>
             </a:r>
             <a:endParaRPr lang="zh-CN" altLang="en-US" dirty="0"/>
           </a:p>
@@ -9442,7 +9352,7 @@
         <p:spPr>
           <a:xfrm>
             <a:off x="161913" y="85350"/>
-            <a:ext cx="917079" cy="480471"/>
+            <a:ext cx="880503" cy="480471"/>
           </a:xfrm>
         </p:spPr>
         <p:txBody>
@@ -9451,7 +9361,7 @@
           <a:p>
             <a:r>
               <a:rPr lang="en-US" altLang="zh-CN" dirty="0" smtClean="0"/>
-              <a:t>2.2</a:t>
+              <a:t>2.1</a:t>
             </a:r>
             <a:endParaRPr lang="zh-CN" altLang="en-US" dirty="0"/>
           </a:p>
@@ -9459,244 +9369,110 @@
       </p:sp>
       <p:sp>
         <p:nvSpPr>
-          <p:cNvPr id="4" name="矩形 3"/>
-          <p:cNvSpPr/>
+          <p:cNvPr id="4" name="文本框 3"/>
+          <p:cNvSpPr txBox="1"/>
           <p:nvPr/>
         </p:nvSpPr>
         <p:spPr>
           <a:xfrm>
-            <a:off x="948927" y="4201427"/>
-            <a:ext cx="9766422" cy="1200329"/>
+            <a:off x="694944" y="1269230"/>
+            <a:ext cx="2348720" cy="369332"/>
           </a:xfrm>
           <a:prstGeom prst="rect">
             <a:avLst/>
           </a:prstGeom>
-        </p:spPr>
-        <p:txBody>
-          <a:bodyPr wrap="square">
+          <a:noFill/>
+        </p:spPr>
+        <p:txBody>
+          <a:bodyPr wrap="none" rtlCol="0">
             <a:spAutoFit/>
           </a:bodyPr>
           <a:lstStyle/>
           <a:p>
-            <a:pPr algn="just">
-              <a:spcAft>
-                <a:spcPts val="0"/>
-              </a:spcAft>
-            </a:pPr>
-            <a:r>
-              <a:rPr lang="zh-CN" altLang="en-US" b="1" kern="100" dirty="0">
-                <a:latin typeface="等线" panose="02010600030101010101" pitchFamily="2" charset="-122"/>
-                <a:ea typeface="等线" panose="02010600030101010101" pitchFamily="2" charset="-122"/>
-                <a:cs typeface="Times New Roman" panose="02020603050405020304" pitchFamily="18" charset="0"/>
-              </a:rPr>
-              <a:t>使用</a:t>
-            </a:r>
-            <a:r>
-              <a:rPr lang="en-US" altLang="zh-CN" b="1" kern="100" dirty="0">
-                <a:latin typeface="等线" panose="02010600030101010101" pitchFamily="2" charset="-122"/>
-                <a:ea typeface="等线" panose="02010600030101010101" pitchFamily="2" charset="-122"/>
-                <a:cs typeface="Times New Roman" panose="02020603050405020304" pitchFamily="18" charset="0"/>
-              </a:rPr>
-              <a:t>k-means</a:t>
-            </a:r>
-            <a:r>
-              <a:rPr lang="zh-CN" altLang="en-US" b="1" kern="100" dirty="0">
-                <a:latin typeface="等线" panose="02010600030101010101" pitchFamily="2" charset="-122"/>
-                <a:ea typeface="等线" panose="02010600030101010101" pitchFamily="2" charset="-122"/>
-                <a:cs typeface="Times New Roman" panose="02020603050405020304" pitchFamily="18" charset="0"/>
-              </a:rPr>
-              <a:t>划分多个类，再使用</a:t>
-            </a:r>
-            <a:r>
-              <a:rPr lang="en-US" altLang="zh-CN" b="1" kern="100" dirty="0" err="1">
-                <a:latin typeface="等线" panose="02010600030101010101" pitchFamily="2" charset="-122"/>
-                <a:ea typeface="等线" panose="02010600030101010101" pitchFamily="2" charset="-122"/>
-                <a:cs typeface="Times New Roman" panose="02020603050405020304" pitchFamily="18" charset="0"/>
-              </a:rPr>
-              <a:t>agnes</a:t>
-            </a:r>
-            <a:r>
-              <a:rPr lang="zh-CN" altLang="en-US" b="1" kern="100" dirty="0">
-                <a:latin typeface="等线" panose="02010600030101010101" pitchFamily="2" charset="-122"/>
-                <a:ea typeface="等线" panose="02010600030101010101" pitchFamily="2" charset="-122"/>
-                <a:cs typeface="Times New Roman" panose="02020603050405020304" pitchFamily="18" charset="0"/>
-              </a:rPr>
-              <a:t>层次聚类算法聚类到</a:t>
-            </a:r>
-            <a:r>
-              <a:rPr lang="en-US" altLang="zh-CN" b="1" kern="100" dirty="0">
-                <a:latin typeface="等线" panose="02010600030101010101" pitchFamily="2" charset="-122"/>
-                <a:ea typeface="等线" panose="02010600030101010101" pitchFamily="2" charset="-122"/>
-                <a:cs typeface="Times New Roman" panose="02020603050405020304" pitchFamily="18" charset="0"/>
-              </a:rPr>
-              <a:t>FAMILY</a:t>
-            </a:r>
-            <a:r>
-              <a:rPr lang="zh-CN" altLang="en-US" b="1" kern="100" dirty="0">
-                <a:latin typeface="等线" panose="02010600030101010101" pitchFamily="2" charset="-122"/>
-                <a:ea typeface="等线" panose="02010600030101010101" pitchFamily="2" charset="-122"/>
-                <a:cs typeface="Times New Roman" panose="02020603050405020304" pitchFamily="18" charset="0"/>
-              </a:rPr>
-              <a:t>指定的</a:t>
-            </a:r>
-            <a:r>
-              <a:rPr lang="en-US" altLang="zh-CN" b="1" kern="100" dirty="0">
-                <a:latin typeface="等线" panose="02010600030101010101" pitchFamily="2" charset="-122"/>
-                <a:ea typeface="等线" panose="02010600030101010101" pitchFamily="2" charset="-122"/>
-                <a:cs typeface="Times New Roman" panose="02020603050405020304" pitchFamily="18" charset="0"/>
-              </a:rPr>
-              <a:t>4</a:t>
-            </a:r>
-            <a:r>
-              <a:rPr lang="zh-CN" altLang="en-US" b="1" kern="100" dirty="0">
-                <a:latin typeface="等线" panose="02010600030101010101" pitchFamily="2" charset="-122"/>
-                <a:ea typeface="等线" panose="02010600030101010101" pitchFamily="2" charset="-122"/>
-                <a:cs typeface="Times New Roman" panose="02020603050405020304" pitchFamily="18" charset="0"/>
-              </a:rPr>
-              <a:t>类</a:t>
-            </a:r>
-            <a:r>
-              <a:rPr lang="zh-CN" altLang="en-US" kern="100" dirty="0" smtClean="0">
-                <a:latin typeface="等线" panose="02010600030101010101" pitchFamily="2" charset="-122"/>
-                <a:ea typeface="等线" panose="02010600030101010101" pitchFamily="2" charset="-122"/>
-                <a:cs typeface="Times New Roman" panose="02020603050405020304" pitchFamily="18" charset="0"/>
-              </a:rPr>
-              <a:t>。</a:t>
-            </a:r>
-            <a:endParaRPr lang="en-US" altLang="zh-CN" kern="100" dirty="0" smtClean="0">
-              <a:latin typeface="等线" panose="02010600030101010101" pitchFamily="2" charset="-122"/>
-              <a:ea typeface="等线" panose="02010600030101010101" pitchFamily="2" charset="-122"/>
-              <a:cs typeface="Times New Roman" panose="02020603050405020304" pitchFamily="18" charset="0"/>
-            </a:endParaRPr>
-          </a:p>
-          <a:p>
-            <a:pPr algn="just">
-              <a:spcAft>
-                <a:spcPts val="0"/>
-              </a:spcAft>
-            </a:pPr>
-            <a:endParaRPr lang="en-US" altLang="zh-CN" kern="100" dirty="0" smtClean="0">
-              <a:latin typeface="等线" panose="02010600030101010101" pitchFamily="2" charset="-122"/>
-              <a:ea typeface="等线" panose="02010600030101010101" pitchFamily="2" charset="-122"/>
-              <a:cs typeface="Times New Roman" panose="02020603050405020304" pitchFamily="18" charset="0"/>
-            </a:endParaRPr>
-          </a:p>
-          <a:p>
-            <a:pPr marL="285750" indent="-285750" algn="just">
-              <a:spcAft>
-                <a:spcPts val="0"/>
-              </a:spcAft>
+            <a:pPr marL="285750" indent="-285750">
               <a:buFont typeface="Arial" panose="020B0604020202020204" pitchFamily="34" charset="0"/>
               <a:buChar char="•"/>
             </a:pPr>
             <a:r>
-              <a:rPr lang="zh-CN" altLang="zh-CN" kern="100" dirty="0" smtClean="0">
-                <a:latin typeface="等线" panose="02010600030101010101" pitchFamily="2" charset="-122"/>
-                <a:ea typeface="等线" panose="02010600030101010101" pitchFamily="2" charset="-122"/>
-                <a:cs typeface="Times New Roman" panose="02020603050405020304" pitchFamily="18" charset="0"/>
-              </a:rPr>
-              <a:t>使用</a:t>
-            </a:r>
-            <a:r>
-              <a:rPr lang="zh-CN" altLang="zh-CN" kern="100" dirty="0">
-                <a:latin typeface="等线" panose="02010600030101010101" pitchFamily="2" charset="-122"/>
-                <a:ea typeface="等线" panose="02010600030101010101" pitchFamily="2" charset="-122"/>
-                <a:cs typeface="Times New Roman" panose="02020603050405020304" pitchFamily="18" charset="0"/>
-              </a:rPr>
-              <a:t>最简单的</a:t>
-            </a:r>
-            <a:r>
-              <a:rPr lang="en-US" altLang="zh-CN" kern="100" dirty="0">
-                <a:latin typeface="等线" panose="02010600030101010101" pitchFamily="2" charset="-122"/>
-                <a:ea typeface="等线" panose="02010600030101010101" pitchFamily="2" charset="-122"/>
-                <a:cs typeface="Times New Roman" panose="02020603050405020304" pitchFamily="18" charset="0"/>
-              </a:rPr>
-              <a:t>k-means</a:t>
-            </a:r>
-            <a:r>
-              <a:rPr lang="zh-CN" altLang="zh-CN" kern="100" dirty="0">
-                <a:latin typeface="等线" panose="02010600030101010101" pitchFamily="2" charset="-122"/>
-                <a:ea typeface="等线" panose="02010600030101010101" pitchFamily="2" charset="-122"/>
-                <a:cs typeface="Times New Roman" panose="02020603050405020304" pitchFamily="18" charset="0"/>
-              </a:rPr>
-              <a:t>算法</a:t>
-            </a:r>
-            <a:r>
-              <a:rPr lang="zh-CN" altLang="zh-CN" kern="100" dirty="0" smtClean="0">
-                <a:latin typeface="等线" panose="02010600030101010101" pitchFamily="2" charset="-122"/>
-                <a:ea typeface="等线" panose="02010600030101010101" pitchFamily="2" charset="-122"/>
-                <a:cs typeface="Times New Roman" panose="02020603050405020304" pitchFamily="18" charset="0"/>
-              </a:rPr>
-              <a:t>：</a:t>
-            </a:r>
-            <a:endParaRPr lang="zh-CN" altLang="zh-CN" kern="100" dirty="0">
-              <a:latin typeface="等线" panose="02010600030101010101" pitchFamily="2" charset="-122"/>
-              <a:ea typeface="等线" panose="02010600030101010101" pitchFamily="2" charset="-122"/>
-              <a:cs typeface="Times New Roman" panose="02020603050405020304" pitchFamily="18" charset="0"/>
-            </a:endParaRPr>
-          </a:p>
-          <a:p>
-            <a:pPr indent="266700" algn="just">
-              <a:spcAft>
-                <a:spcPts val="0"/>
-              </a:spcAft>
+              <a:rPr lang="zh-CN" altLang="en-US" dirty="0" smtClean="0"/>
+              <a:t>动态时间规整</a:t>
+            </a:r>
+            <a:r>
+              <a:rPr lang="en-US" altLang="zh-CN" dirty="0" smtClean="0"/>
+              <a:t>DTW</a:t>
+            </a:r>
+            <a:endParaRPr lang="zh-CN" altLang="en-US" dirty="0"/>
+          </a:p>
+        </p:txBody>
+      </p:sp>
+      <p:pic>
+        <p:nvPicPr>
+          <p:cNvPr id="5" name="图片 4"/>
+          <p:cNvPicPr/>
+          <p:nvPr/>
+        </p:nvPicPr>
+        <p:blipFill>
+          <a:blip r:embed="rId2"/>
+          <a:stretch>
+            <a:fillRect/>
+          </a:stretch>
+        </p:blipFill>
+        <p:spPr>
+          <a:xfrm>
+            <a:off x="795980" y="2341971"/>
+            <a:ext cx="3854318" cy="1905531"/>
+          </a:xfrm>
+          <a:prstGeom prst="rect">
+            <a:avLst/>
+          </a:prstGeom>
+        </p:spPr>
+      </p:pic>
+      <p:sp>
+        <p:nvSpPr>
+          <p:cNvPr id="6" name="文本框 5"/>
+          <p:cNvSpPr txBox="1"/>
+          <p:nvPr/>
+        </p:nvSpPr>
+        <p:spPr>
+          <a:xfrm>
+            <a:off x="1106424" y="5275146"/>
+            <a:ext cx="6474849" cy="646331"/>
+          </a:xfrm>
+          <a:prstGeom prst="rect">
+            <a:avLst/>
+          </a:prstGeom>
+          <a:noFill/>
+        </p:spPr>
+        <p:txBody>
+          <a:bodyPr wrap="none" rtlCol="0">
+            <a:spAutoFit/>
+          </a:bodyPr>
+          <a:lstStyle/>
+          <a:p>
+            <a:pPr marL="285750" indent="-285750">
+              <a:buFont typeface="Arial" panose="020B0604020202020204" pitchFamily="34" charset="0"/>
+              <a:buChar char="•"/>
             </a:pPr>
             <a:r>
-              <a:rPr lang="zh-CN" altLang="zh-CN" kern="100" dirty="0" smtClean="0">
-                <a:latin typeface="等线" panose="02010600030101010101" pitchFamily="2" charset="-122"/>
-                <a:ea typeface="等线" panose="02010600030101010101" pitchFamily="2" charset="-122"/>
-                <a:cs typeface="Times New Roman" panose="02020603050405020304" pitchFamily="18" charset="0"/>
-              </a:rPr>
-              <a:t>在</a:t>
-            </a:r>
-            <a:r>
-              <a:rPr lang="en-US" altLang="zh-CN" kern="100" dirty="0">
-                <a:latin typeface="等线" panose="02010600030101010101" pitchFamily="2" charset="-122"/>
-                <a:ea typeface="等线" panose="02010600030101010101" pitchFamily="2" charset="-122"/>
-                <a:cs typeface="Times New Roman" panose="02020603050405020304" pitchFamily="18" charset="0"/>
-              </a:rPr>
-              <a:t>k-means</a:t>
-            </a:r>
-            <a:r>
-              <a:rPr lang="zh-CN" altLang="zh-CN" kern="100" dirty="0">
-                <a:latin typeface="等线" panose="02010600030101010101" pitchFamily="2" charset="-122"/>
-                <a:ea typeface="等线" panose="02010600030101010101" pitchFamily="2" charset="-122"/>
-                <a:cs typeface="Times New Roman" panose="02020603050405020304" pitchFamily="18" charset="0"/>
-              </a:rPr>
-              <a:t>执行过程中，使用</a:t>
-            </a:r>
-            <a:r>
-              <a:rPr lang="zh-CN" altLang="zh-CN" b="1" kern="100" dirty="0">
-                <a:latin typeface="等线" panose="02010600030101010101" pitchFamily="2" charset="-122"/>
-                <a:ea typeface="等线" panose="02010600030101010101" pitchFamily="2" charset="-122"/>
-                <a:cs typeface="Times New Roman" panose="02020603050405020304" pitchFamily="18" charset="0"/>
-              </a:rPr>
-              <a:t>余弦相似度</a:t>
-            </a:r>
-            <a:r>
-              <a:rPr lang="zh-CN" altLang="zh-CN" kern="100" dirty="0">
-                <a:latin typeface="等线" panose="02010600030101010101" pitchFamily="2" charset="-122"/>
-                <a:ea typeface="等线" panose="02010600030101010101" pitchFamily="2" charset="-122"/>
-                <a:cs typeface="Times New Roman" panose="02020603050405020304" pitchFamily="18" charset="0"/>
-              </a:rPr>
-              <a:t>来衡量</a:t>
-            </a:r>
-            <a:r>
-              <a:rPr lang="en-US" altLang="zh-CN" kern="100" dirty="0">
-                <a:latin typeface="等线" panose="02010600030101010101" pitchFamily="2" charset="-122"/>
-                <a:ea typeface="等线" panose="02010600030101010101" pitchFamily="2" charset="-122"/>
-                <a:cs typeface="Times New Roman" panose="02020603050405020304" pitchFamily="18" charset="0"/>
-              </a:rPr>
-              <a:t>MFCC</a:t>
-            </a:r>
-            <a:r>
-              <a:rPr lang="zh-CN" altLang="zh-CN" kern="100" dirty="0">
-                <a:latin typeface="等线" panose="02010600030101010101" pitchFamily="2" charset="-122"/>
-                <a:ea typeface="等线" panose="02010600030101010101" pitchFamily="2" charset="-122"/>
-                <a:cs typeface="Times New Roman" panose="02020603050405020304" pitchFamily="18" charset="0"/>
-              </a:rPr>
-              <a:t>特征值之间的距离。</a:t>
-            </a:r>
+              <a:rPr lang="zh-CN" altLang="zh-CN" dirty="0"/>
+              <a:t>常被用在语音识别</a:t>
+            </a:r>
+            <a:r>
+              <a:rPr lang="zh-CN" altLang="zh-CN" dirty="0" smtClean="0"/>
+              <a:t>领域</a:t>
+            </a:r>
+            <a:endParaRPr lang="en-US" altLang="zh-CN" dirty="0" smtClean="0"/>
+          </a:p>
+          <a:p>
+            <a:pPr marL="285750" indent="-285750">
+              <a:buFont typeface="Arial" panose="020B0604020202020204" pitchFamily="34" charset="0"/>
+              <a:buChar char="•"/>
+            </a:pPr>
+            <a:r>
+              <a:rPr lang="zh-CN" altLang="zh-CN" dirty="0"/>
+              <a:t>基于动态规划的思想，解决了发音长短不一的模板匹配问题</a:t>
+            </a:r>
+            <a:endParaRPr lang="zh-CN" altLang="en-US" dirty="0"/>
           </a:p>
         </p:txBody>
       </p:sp>
@@ -9709,122 +9485,25 @@
           <p:nvPr/>
         </p:nvPicPr>
         <p:blipFill>
-          <a:blip r:embed="rId2">
-            <a:extLst>
-              <a:ext uri="{28A0092B-C50C-407E-A947-70E740481C1C}">
-                <a14:useLocalDpi xmlns:a14="http://schemas.microsoft.com/office/drawing/2010/main" val="0"/>
-              </a:ext>
-            </a:extLst>
-          </a:blip>
+          <a:blip r:embed="rId3"/>
           <a:stretch>
             <a:fillRect/>
           </a:stretch>
         </p:blipFill>
         <p:spPr>
           <a:xfrm>
-            <a:off x="682598" y="561662"/>
-            <a:ext cx="9935096" cy="3457204"/>
+            <a:off x="4861513" y="1855152"/>
+            <a:ext cx="6650927" cy="3039751"/>
           </a:xfrm>
           <a:prstGeom prst="rect">
             <a:avLst/>
           </a:prstGeom>
         </p:spPr>
       </p:pic>
-      <p:sp>
-        <p:nvSpPr>
-          <p:cNvPr id="8" name="矩形 7"/>
-          <p:cNvSpPr/>
-          <p:nvPr/>
-        </p:nvSpPr>
-        <p:spPr>
-          <a:xfrm>
-            <a:off x="948927" y="5589754"/>
-            <a:ext cx="6792401" cy="646331"/>
-          </a:xfrm>
-          <a:prstGeom prst="rect">
-            <a:avLst/>
-          </a:prstGeom>
-        </p:spPr>
-        <p:txBody>
-          <a:bodyPr wrap="square">
-            <a:spAutoFit/>
-          </a:bodyPr>
-          <a:lstStyle/>
-          <a:p>
-            <a:pPr marL="285750" indent="-285750" algn="just">
-              <a:spcAft>
-                <a:spcPts val="0"/>
-              </a:spcAft>
-              <a:buFont typeface="Arial" panose="020B0604020202020204" pitchFamily="34" charset="0"/>
-              <a:buChar char="•"/>
-            </a:pPr>
-            <a:r>
-              <a:rPr lang="en-US" altLang="zh-CN" kern="100" dirty="0" err="1">
-                <a:latin typeface="等线" panose="02010600030101010101" pitchFamily="2" charset="-122"/>
-                <a:ea typeface="等线" panose="02010600030101010101" pitchFamily="2" charset="-122"/>
-                <a:cs typeface="Times New Roman" panose="02020603050405020304" pitchFamily="18" charset="0"/>
-              </a:rPr>
-              <a:t>agnes</a:t>
-            </a:r>
-            <a:r>
-              <a:rPr lang="zh-CN" altLang="en-US" kern="100" dirty="0">
-                <a:latin typeface="等线" panose="02010600030101010101" pitchFamily="2" charset="-122"/>
-                <a:ea typeface="等线" panose="02010600030101010101" pitchFamily="2" charset="-122"/>
-                <a:cs typeface="Times New Roman" panose="02020603050405020304" pitchFamily="18" charset="0"/>
-              </a:rPr>
-              <a:t>是一种层次聚类</a:t>
-            </a:r>
-            <a:r>
-              <a:rPr lang="zh-CN" altLang="en-US" kern="100" dirty="0" smtClean="0">
-                <a:latin typeface="等线" panose="02010600030101010101" pitchFamily="2" charset="-122"/>
-                <a:ea typeface="等线" panose="02010600030101010101" pitchFamily="2" charset="-122"/>
-                <a:cs typeface="Times New Roman" panose="02020603050405020304" pitchFamily="18" charset="0"/>
-              </a:rPr>
-              <a:t>方法：</a:t>
-            </a:r>
-            <a:endParaRPr lang="zh-CN" altLang="zh-CN" kern="100" dirty="0">
-              <a:latin typeface="等线" panose="02010600030101010101" pitchFamily="2" charset="-122"/>
-              <a:ea typeface="等线" panose="02010600030101010101" pitchFamily="2" charset="-122"/>
-              <a:cs typeface="Times New Roman" panose="02020603050405020304" pitchFamily="18" charset="0"/>
-            </a:endParaRPr>
-          </a:p>
-          <a:p>
-            <a:pPr indent="266700" algn="just">
-              <a:spcAft>
-                <a:spcPts val="0"/>
-              </a:spcAft>
-            </a:pPr>
-            <a:r>
-              <a:rPr lang="zh-CN" altLang="zh-CN" kern="100" dirty="0">
-                <a:latin typeface="等线" panose="02010600030101010101" pitchFamily="2" charset="-122"/>
-                <a:ea typeface="等线" panose="02010600030101010101" pitchFamily="2" charset="-122"/>
-                <a:cs typeface="Times New Roman" panose="02020603050405020304" pitchFamily="18" charset="0"/>
-              </a:rPr>
-              <a:t>在这一步的聚类过程中，使用</a:t>
-            </a:r>
-            <a:r>
-              <a:rPr lang="en-US" altLang="zh-CN" b="1" kern="100" dirty="0">
-                <a:latin typeface="等线" panose="02010600030101010101" pitchFamily="2" charset="-122"/>
-                <a:ea typeface="等线" panose="02010600030101010101" pitchFamily="2" charset="-122"/>
-                <a:cs typeface="Times New Roman" panose="02020603050405020304" pitchFamily="18" charset="0"/>
-              </a:rPr>
-              <a:t>DTW</a:t>
-            </a:r>
-            <a:r>
-              <a:rPr lang="zh-CN" altLang="zh-CN" kern="100" dirty="0">
-                <a:latin typeface="等线" panose="02010600030101010101" pitchFamily="2" charset="-122"/>
-                <a:ea typeface="等线" panose="02010600030101010101" pitchFamily="2" charset="-122"/>
-                <a:cs typeface="Times New Roman" panose="02020603050405020304" pitchFamily="18" charset="0"/>
-              </a:rPr>
-              <a:t>衡量特征值之间的距离。</a:t>
-            </a:r>
-          </a:p>
-        </p:txBody>
-      </p:sp>
     </p:spTree>
     <p:extLst>
       <p:ext uri="{BB962C8B-B14F-4D97-AF65-F5344CB8AC3E}">
-        <p14:creationId xmlns:p14="http://schemas.microsoft.com/office/powerpoint/2010/main" val="3777417902"/>
+        <p14:creationId xmlns:p14="http://schemas.microsoft.com/office/powerpoint/2010/main" val="159595513"/>
       </p:ext>
     </p:extLst>
   </p:cSld>
@@ -9863,7 +9542,7 @@
         </p:nvSpPr>
         <p:spPr>
           <a:xfrm>
-            <a:off x="1056443" y="144228"/>
+            <a:off x="1078992" y="142152"/>
             <a:ext cx="3819097" cy="362708"/>
           </a:xfrm>
         </p:spPr>
@@ -9877,19 +9556,15 @@
             </a:r>
             <a:r>
               <a:rPr lang="en-US" altLang="zh-CN" dirty="0"/>
-              <a:t>2</a:t>
+              <a:t>1</a:t>
             </a:r>
             <a:r>
               <a:rPr lang="zh-CN" altLang="en-US" dirty="0"/>
-              <a:t>： </a:t>
-            </a:r>
-            <a:r>
-              <a:rPr lang="en-US" altLang="zh-CN" dirty="0" err="1"/>
-              <a:t>dbscan</a:t>
+              <a:t>：</a:t>
             </a:r>
             <a:r>
               <a:rPr lang="en-US" altLang="zh-CN" dirty="0"/>
-              <a:t> + </a:t>
+              <a:t>k-means + </a:t>
             </a:r>
             <a:r>
               <a:rPr lang="en-US" altLang="zh-CN" dirty="0" err="1"/>
@@ -9912,7 +9587,7 @@
         <p:spPr>
           <a:xfrm>
             <a:off x="161913" y="85350"/>
-            <a:ext cx="894530" cy="480471"/>
+            <a:ext cx="917079" cy="480471"/>
           </a:xfrm>
         </p:spPr>
         <p:txBody>
@@ -9935,8 +9610,8 @@
         </p:nvSpPr>
         <p:spPr>
           <a:xfrm>
-            <a:off x="716131" y="5030142"/>
-            <a:ext cx="8563992" cy="369332"/>
+            <a:off x="948927" y="4201427"/>
+            <a:ext cx="9766422" cy="1200329"/>
           </a:xfrm>
           <a:prstGeom prst="rect">
             <a:avLst/>
@@ -9948,13 +9623,13 @@
           </a:bodyPr>
           <a:lstStyle/>
           <a:p>
-            <a:pPr indent="266700" algn="just">
+            <a:pPr algn="just">
               <a:spcAft>
                 <a:spcPts val="0"/>
               </a:spcAft>
             </a:pPr>
             <a:r>
-              <a:rPr lang="zh-CN" altLang="zh-CN" b="1" kern="100" dirty="0">
+              <a:rPr lang="zh-CN" altLang="en-US" b="1" kern="100" dirty="0">
                 <a:latin typeface="等线" panose="02010600030101010101" pitchFamily="2" charset="-122"/>
                 <a:ea typeface="等线" panose="02010600030101010101" pitchFamily="2" charset="-122"/>
                 <a:cs typeface="Times New Roman" panose="02020603050405020304" pitchFamily="18" charset="0"/>
@@ -9962,15 +9637,15 @@
               <a:t>使用</a:t>
             </a:r>
             <a:r>
-              <a:rPr lang="en-US" altLang="zh-CN" b="1" kern="100" dirty="0" err="1">
+              <a:rPr lang="en-US" altLang="zh-CN" b="1" kern="100" dirty="0">
                 <a:latin typeface="等线" panose="02010600030101010101" pitchFamily="2" charset="-122"/>
                 <a:ea typeface="等线" panose="02010600030101010101" pitchFamily="2" charset="-122"/>
                 <a:cs typeface="Times New Roman" panose="02020603050405020304" pitchFamily="18" charset="0"/>
               </a:rPr>
-              <a:t>dbscan</a:t>
-            </a:r>
-            <a:r>
-              <a:rPr lang="zh-CN" altLang="zh-CN" b="1" kern="100" dirty="0">
+              <a:t>k-means</a:t>
+            </a:r>
+            <a:r>
+              <a:rPr lang="zh-CN" altLang="en-US" b="1" kern="100" dirty="0">
                 <a:latin typeface="等线" panose="02010600030101010101" pitchFamily="2" charset="-122"/>
                 <a:ea typeface="等线" panose="02010600030101010101" pitchFamily="2" charset="-122"/>
                 <a:cs typeface="Times New Roman" panose="02020603050405020304" pitchFamily="18" charset="0"/>
@@ -9986,7 +9661,7 @@
               <a:t>agnes</a:t>
             </a:r>
             <a:r>
-              <a:rPr lang="zh-CN" altLang="zh-CN" b="1" kern="100" dirty="0">
+              <a:rPr lang="zh-CN" altLang="en-US" b="1" kern="100" dirty="0">
                 <a:latin typeface="等线" panose="02010600030101010101" pitchFamily="2" charset="-122"/>
                 <a:ea typeface="等线" panose="02010600030101010101" pitchFamily="2" charset="-122"/>
                 <a:cs typeface="Times New Roman" panose="02020603050405020304" pitchFamily="18" charset="0"/>
@@ -10002,7 +9677,7 @@
               <a:t>FAMILY</a:t>
             </a:r>
             <a:r>
-              <a:rPr lang="zh-CN" altLang="zh-CN" b="1" kern="100" dirty="0">
+              <a:rPr lang="zh-CN" altLang="en-US" b="1" kern="100" dirty="0">
                 <a:latin typeface="等线" panose="02010600030101010101" pitchFamily="2" charset="-122"/>
                 <a:ea typeface="等线" panose="02010600030101010101" pitchFamily="2" charset="-122"/>
                 <a:cs typeface="Times New Roman" panose="02020603050405020304" pitchFamily="18" charset="0"/>
@@ -10018,36 +9693,39 @@
               <a:t>4</a:t>
             </a:r>
             <a:r>
-              <a:rPr lang="zh-CN" altLang="zh-CN" b="1" kern="100" dirty="0">
+              <a:rPr lang="zh-CN" altLang="en-US" b="1" kern="100" dirty="0">
                 <a:latin typeface="等线" panose="02010600030101010101" pitchFamily="2" charset="-122"/>
                 <a:ea typeface="等线" panose="02010600030101010101" pitchFamily="2" charset="-122"/>
                 <a:cs typeface="Times New Roman" panose="02020603050405020304" pitchFamily="18" charset="0"/>
               </a:rPr>
-              <a:t>类。</a:t>
-            </a:r>
-          </a:p>
-        </p:txBody>
-      </p:sp>
-      <p:sp>
-        <p:nvSpPr>
-          <p:cNvPr id="5" name="矩形 4"/>
-          <p:cNvSpPr/>
-          <p:nvPr/>
-        </p:nvSpPr>
-        <p:spPr>
-          <a:xfrm>
-            <a:off x="1056442" y="5464162"/>
-            <a:ext cx="7883371" cy="369332"/>
-          </a:xfrm>
-          <a:prstGeom prst="rect">
-            <a:avLst/>
-          </a:prstGeom>
-        </p:spPr>
-        <p:txBody>
-          <a:bodyPr wrap="square">
-            <a:spAutoFit/>
-          </a:bodyPr>
-          <a:lstStyle/>
+              <a:t>类</a:t>
+            </a:r>
+            <a:r>
+              <a:rPr lang="zh-CN" altLang="en-US" kern="100" dirty="0" smtClean="0">
+                <a:latin typeface="等线" panose="02010600030101010101" pitchFamily="2" charset="-122"/>
+                <a:ea typeface="等线" panose="02010600030101010101" pitchFamily="2" charset="-122"/>
+                <a:cs typeface="Times New Roman" panose="02020603050405020304" pitchFamily="18" charset="0"/>
+              </a:rPr>
+              <a:t>。</a:t>
+            </a:r>
+            <a:endParaRPr lang="en-US" altLang="zh-CN" kern="100" dirty="0" smtClean="0">
+              <a:latin typeface="等线" panose="02010600030101010101" pitchFamily="2" charset="-122"/>
+              <a:ea typeface="等线" panose="02010600030101010101" pitchFamily="2" charset="-122"/>
+              <a:cs typeface="Times New Roman" panose="02020603050405020304" pitchFamily="18" charset="0"/>
+            </a:endParaRPr>
+          </a:p>
+          <a:p>
+            <a:pPr algn="just">
+              <a:spcAft>
+                <a:spcPts val="0"/>
+              </a:spcAft>
+            </a:pPr>
+            <a:endParaRPr lang="en-US" altLang="zh-CN" kern="100" dirty="0" smtClean="0">
+              <a:latin typeface="等线" panose="02010600030101010101" pitchFamily="2" charset="-122"/>
+              <a:ea typeface="等线" panose="02010600030101010101" pitchFamily="2" charset="-122"/>
+              <a:cs typeface="Times New Roman" panose="02020603050405020304" pitchFamily="18" charset="0"/>
+            </a:endParaRPr>
+          </a:p>
           <a:p>
             <a:pPr marL="285750" indent="-285750" algn="just">
               <a:spcAft>
@@ -10057,12 +9735,12 @@
               <a:buChar char="•"/>
             </a:pPr>
             <a:r>
-              <a:rPr lang="en-US" altLang="zh-CN" kern="100" dirty="0" err="1">
+              <a:rPr lang="zh-CN" altLang="zh-CN" kern="100" dirty="0" smtClean="0">
                 <a:latin typeface="等线" panose="02010600030101010101" pitchFamily="2" charset="-122"/>
                 <a:ea typeface="等线" panose="02010600030101010101" pitchFamily="2" charset="-122"/>
                 <a:cs typeface="Times New Roman" panose="02020603050405020304" pitchFamily="18" charset="0"/>
               </a:rPr>
-              <a:t>dbscan</a:t>
+              <a:t>使用</a:t>
             </a:r>
             <a:r>
               <a:rPr lang="zh-CN" altLang="zh-CN" kern="100" dirty="0">
@@ -10070,7 +9748,23 @@
                 <a:ea typeface="等线" panose="02010600030101010101" pitchFamily="2" charset="-122"/>
                 <a:cs typeface="Times New Roman" panose="02020603050405020304" pitchFamily="18" charset="0"/>
               </a:rPr>
-              <a:t>是一种基于密度的聚类</a:t>
+              <a:t>最简单的</a:t>
+            </a:r>
+            <a:r>
+              <a:rPr lang="en-US" altLang="zh-CN" kern="100" dirty="0">
+                <a:latin typeface="等线" panose="02010600030101010101" pitchFamily="2" charset="-122"/>
+                <a:ea typeface="等线" panose="02010600030101010101" pitchFamily="2" charset="-122"/>
+                <a:cs typeface="Times New Roman" panose="02020603050405020304" pitchFamily="18" charset="0"/>
+              </a:rPr>
+              <a:t>k-means</a:t>
+            </a:r>
+            <a:r>
+              <a:rPr lang="zh-CN" altLang="zh-CN" kern="100" dirty="0">
+                <a:latin typeface="等线" panose="02010600030101010101" pitchFamily="2" charset="-122"/>
+                <a:ea typeface="等线" panose="02010600030101010101" pitchFamily="2" charset="-122"/>
+                <a:cs typeface="Times New Roman" panose="02020603050405020304" pitchFamily="18" charset="0"/>
+              </a:rPr>
+              <a:t>算法</a:t>
             </a:r>
             <a:r>
               <a:rPr lang="zh-CN" altLang="zh-CN" kern="100" dirty="0" smtClean="0">
@@ -10078,72 +9772,89 @@
                 <a:ea typeface="等线" panose="02010600030101010101" pitchFamily="2" charset="-122"/>
                 <a:cs typeface="Times New Roman" panose="02020603050405020304" pitchFamily="18" charset="0"/>
               </a:rPr>
-              <a:t>算法</a:t>
-            </a:r>
-            <a:endParaRPr lang="en-US" altLang="zh-CN" kern="100" dirty="0" smtClean="0">
+              <a:t>：</a:t>
+            </a:r>
+            <a:endParaRPr lang="zh-CN" altLang="zh-CN" kern="100" dirty="0">
               <a:latin typeface="等线" panose="02010600030101010101" pitchFamily="2" charset="-122"/>
               <a:ea typeface="等线" panose="02010600030101010101" pitchFamily="2" charset="-122"/>
               <a:cs typeface="Times New Roman" panose="02020603050405020304" pitchFamily="18" charset="0"/>
             </a:endParaRPr>
           </a:p>
-        </p:txBody>
-      </p:sp>
-      <p:sp>
-        <p:nvSpPr>
-          <p:cNvPr id="6" name="矩形 5"/>
-          <p:cNvSpPr/>
-          <p:nvPr/>
-        </p:nvSpPr>
-        <p:spPr>
-          <a:xfrm>
-            <a:off x="1056442" y="5938300"/>
-            <a:ext cx="7554898" cy="369332"/>
-          </a:xfrm>
-          <a:prstGeom prst="rect">
-            <a:avLst/>
-          </a:prstGeom>
-        </p:spPr>
-        <p:txBody>
-          <a:bodyPr wrap="square">
-            <a:spAutoFit/>
-          </a:bodyPr>
-          <a:lstStyle/>
-          <a:p>
-            <a:r>
-              <a:rPr lang="zh-CN" altLang="zh-CN" dirty="0">
+          <a:p>
+            <a:pPr indent="266700" algn="just">
+              <a:spcAft>
+                <a:spcPts val="0"/>
+              </a:spcAft>
+            </a:pPr>
+            <a:r>
+              <a:rPr lang="zh-CN" altLang="zh-CN" kern="100" dirty="0" smtClean="0">
+                <a:latin typeface="等线" panose="02010600030101010101" pitchFamily="2" charset="-122"/>
                 <a:ea typeface="等线" panose="02010600030101010101" pitchFamily="2" charset="-122"/>
                 <a:cs typeface="Times New Roman" panose="02020603050405020304" pitchFamily="18" charset="0"/>
               </a:rPr>
-              <a:t>为了能提高找到邻域内核心点的速度，引入</a:t>
-            </a:r>
-            <a:r>
-              <a:rPr lang="en-US" altLang="zh-CN" b="1" dirty="0">
+              <a:t>在</a:t>
+            </a:r>
+            <a:r>
+              <a:rPr lang="en-US" altLang="zh-CN" kern="100" dirty="0">
+                <a:latin typeface="等线" panose="02010600030101010101" pitchFamily="2" charset="-122"/>
                 <a:ea typeface="等线" panose="02010600030101010101" pitchFamily="2" charset="-122"/>
                 <a:cs typeface="Times New Roman" panose="02020603050405020304" pitchFamily="18" charset="0"/>
               </a:rPr>
-              <a:t>KD-Tree</a:t>
-            </a:r>
-            <a:r>
-              <a:rPr lang="zh-CN" altLang="zh-CN" dirty="0">
+              <a:t>k-means</a:t>
+            </a:r>
+            <a:r>
+              <a:rPr lang="zh-CN" altLang="zh-CN" kern="100" dirty="0">
+                <a:latin typeface="等线" panose="02010600030101010101" pitchFamily="2" charset="-122"/>
                 <a:ea typeface="等线" panose="02010600030101010101" pitchFamily="2" charset="-122"/>
                 <a:cs typeface="Times New Roman" panose="02020603050405020304" pitchFamily="18" charset="0"/>
               </a:rPr>
-              <a:t>数据结构。</a:t>
-            </a:r>
-            <a:endParaRPr lang="zh-CN" altLang="en-US" dirty="0"/>
+              <a:t>执行过程中，使用</a:t>
+            </a:r>
+            <a:r>
+              <a:rPr lang="zh-CN" altLang="zh-CN" b="1" kern="100" dirty="0">
+                <a:latin typeface="等线" panose="02010600030101010101" pitchFamily="2" charset="-122"/>
+                <a:ea typeface="等线" panose="02010600030101010101" pitchFamily="2" charset="-122"/>
+                <a:cs typeface="Times New Roman" panose="02020603050405020304" pitchFamily="18" charset="0"/>
+              </a:rPr>
+              <a:t>余弦相似度</a:t>
+            </a:r>
+            <a:r>
+              <a:rPr lang="zh-CN" altLang="zh-CN" kern="100" dirty="0">
+                <a:latin typeface="等线" panose="02010600030101010101" pitchFamily="2" charset="-122"/>
+                <a:ea typeface="等线" panose="02010600030101010101" pitchFamily="2" charset="-122"/>
+                <a:cs typeface="Times New Roman" panose="02020603050405020304" pitchFamily="18" charset="0"/>
+              </a:rPr>
+              <a:t>来衡量</a:t>
+            </a:r>
+            <a:r>
+              <a:rPr lang="en-US" altLang="zh-CN" kern="100" dirty="0">
+                <a:latin typeface="等线" panose="02010600030101010101" pitchFamily="2" charset="-122"/>
+                <a:ea typeface="等线" panose="02010600030101010101" pitchFamily="2" charset="-122"/>
+                <a:cs typeface="Times New Roman" panose="02020603050405020304" pitchFamily="18" charset="0"/>
+              </a:rPr>
+              <a:t>MFCC</a:t>
+            </a:r>
+            <a:r>
+              <a:rPr lang="zh-CN" altLang="zh-CN" kern="100" dirty="0">
+                <a:latin typeface="等线" panose="02010600030101010101" pitchFamily="2" charset="-122"/>
+                <a:ea typeface="等线" panose="02010600030101010101" pitchFamily="2" charset="-122"/>
+                <a:cs typeface="Times New Roman" panose="02020603050405020304" pitchFamily="18" charset="0"/>
+              </a:rPr>
+              <a:t>特征值之间的距离。</a:t>
+            </a:r>
           </a:p>
         </p:txBody>
       </p:sp>
       <p:pic>
         <p:nvPicPr>
-          <p:cNvPr id="8" name="图片 7"/>
+          <p:cNvPr id="7" name="图片 6"/>
           <p:cNvPicPr>
             <a:picLocks noChangeAspect="1"/>
           </p:cNvPicPr>
           <p:nvPr/>
         </p:nvPicPr>
         <p:blipFill>
-          <a:blip r:embed="rId3">
+          <a:blip r:embed="rId2">
             <a:extLst>
               <a:ext uri="{28A0092B-C50C-407E-A947-70E740481C1C}">
                 <a14:useLocalDpi xmlns:a14="http://schemas.microsoft.com/office/drawing/2010/main" val="0"/>
@@ -10156,18 +9867,109 @@
         </p:blipFill>
         <p:spPr>
           <a:xfrm>
-            <a:off x="609178" y="474598"/>
-            <a:ext cx="10058400" cy="4420466"/>
+            <a:off x="682598" y="561662"/>
+            <a:ext cx="9935096" cy="3457204"/>
           </a:xfrm>
           <a:prstGeom prst="rect">
             <a:avLst/>
           </a:prstGeom>
         </p:spPr>
       </p:pic>
+      <p:sp>
+        <p:nvSpPr>
+          <p:cNvPr id="8" name="矩形 7"/>
+          <p:cNvSpPr/>
+          <p:nvPr/>
+        </p:nvSpPr>
+        <p:spPr>
+          <a:xfrm>
+            <a:off x="948927" y="5589754"/>
+            <a:ext cx="6792401" cy="646331"/>
+          </a:xfrm>
+          <a:prstGeom prst="rect">
+            <a:avLst/>
+          </a:prstGeom>
+        </p:spPr>
+        <p:txBody>
+          <a:bodyPr wrap="square">
+            <a:spAutoFit/>
+          </a:bodyPr>
+          <a:lstStyle/>
+          <a:p>
+            <a:pPr marL="285750" indent="-285750" algn="just">
+              <a:spcAft>
+                <a:spcPts val="0"/>
+              </a:spcAft>
+              <a:buFont typeface="Arial" panose="020B0604020202020204" pitchFamily="34" charset="0"/>
+              <a:buChar char="•"/>
+            </a:pPr>
+            <a:r>
+              <a:rPr lang="en-US" altLang="zh-CN" kern="100" dirty="0" err="1">
+                <a:latin typeface="等线" panose="02010600030101010101" pitchFamily="2" charset="-122"/>
+                <a:ea typeface="等线" panose="02010600030101010101" pitchFamily="2" charset="-122"/>
+                <a:cs typeface="Times New Roman" panose="02020603050405020304" pitchFamily="18" charset="0"/>
+              </a:rPr>
+              <a:t>agnes</a:t>
+            </a:r>
+            <a:r>
+              <a:rPr lang="zh-CN" altLang="en-US" kern="100" dirty="0">
+                <a:latin typeface="等线" panose="02010600030101010101" pitchFamily="2" charset="-122"/>
+                <a:ea typeface="等线" panose="02010600030101010101" pitchFamily="2" charset="-122"/>
+                <a:cs typeface="Times New Roman" panose="02020603050405020304" pitchFamily="18" charset="0"/>
+              </a:rPr>
+              <a:t>是一种层次聚类</a:t>
+            </a:r>
+            <a:r>
+              <a:rPr lang="zh-CN" altLang="en-US" kern="100" dirty="0" smtClean="0">
+                <a:latin typeface="等线" panose="02010600030101010101" pitchFamily="2" charset="-122"/>
+                <a:ea typeface="等线" panose="02010600030101010101" pitchFamily="2" charset="-122"/>
+                <a:cs typeface="Times New Roman" panose="02020603050405020304" pitchFamily="18" charset="0"/>
+              </a:rPr>
+              <a:t>方法：</a:t>
+            </a:r>
+            <a:endParaRPr lang="zh-CN" altLang="zh-CN" kern="100" dirty="0">
+              <a:latin typeface="等线" panose="02010600030101010101" pitchFamily="2" charset="-122"/>
+              <a:ea typeface="等线" panose="02010600030101010101" pitchFamily="2" charset="-122"/>
+              <a:cs typeface="Times New Roman" panose="02020603050405020304" pitchFamily="18" charset="0"/>
+            </a:endParaRPr>
+          </a:p>
+          <a:p>
+            <a:pPr indent="266700" algn="just">
+              <a:spcAft>
+                <a:spcPts val="0"/>
+              </a:spcAft>
+            </a:pPr>
+            <a:r>
+              <a:rPr lang="zh-CN" altLang="zh-CN" kern="100" dirty="0">
+                <a:latin typeface="等线" panose="02010600030101010101" pitchFamily="2" charset="-122"/>
+                <a:ea typeface="等线" panose="02010600030101010101" pitchFamily="2" charset="-122"/>
+                <a:cs typeface="Times New Roman" panose="02020603050405020304" pitchFamily="18" charset="0"/>
+              </a:rPr>
+              <a:t>在这一步的聚类过程中，使用</a:t>
+            </a:r>
+            <a:r>
+              <a:rPr lang="en-US" altLang="zh-CN" b="1" kern="100" dirty="0">
+                <a:latin typeface="等线" panose="02010600030101010101" pitchFamily="2" charset="-122"/>
+                <a:ea typeface="等线" panose="02010600030101010101" pitchFamily="2" charset="-122"/>
+                <a:cs typeface="Times New Roman" panose="02020603050405020304" pitchFamily="18" charset="0"/>
+              </a:rPr>
+              <a:t>DTW</a:t>
+            </a:r>
+            <a:r>
+              <a:rPr lang="zh-CN" altLang="zh-CN" kern="100" dirty="0">
+                <a:latin typeface="等线" panose="02010600030101010101" pitchFamily="2" charset="-122"/>
+                <a:ea typeface="等线" panose="02010600030101010101" pitchFamily="2" charset="-122"/>
+                <a:cs typeface="Times New Roman" panose="02020603050405020304" pitchFamily="18" charset="0"/>
+              </a:rPr>
+              <a:t>衡量特征值之间的距离。</a:t>
+            </a:r>
+          </a:p>
+        </p:txBody>
+      </p:sp>
     </p:spTree>
     <p:extLst>
       <p:ext uri="{BB962C8B-B14F-4D97-AF65-F5344CB8AC3E}">
-        <p14:creationId xmlns:p14="http://schemas.microsoft.com/office/powerpoint/2010/main" val="1853807477"/>
+        <p14:creationId xmlns:p14="http://schemas.microsoft.com/office/powerpoint/2010/main" val="3777417902"/>
       </p:ext>
     </p:extLst>
   </p:cSld>
@@ -10211,7 +10013,7 @@
           <a:p>
             <a:r>
               <a:rPr lang="zh-CN" altLang="en-US" dirty="0" smtClean="0"/>
-              <a:t>评价标准</a:t>
+              <a:t>银行直销数据分类</a:t>
             </a:r>
             <a:endParaRPr lang="zh-CN" altLang="en-US" dirty="0"/>
           </a:p>
@@ -10233,367 +10035,8 @@
           <a:lstStyle/>
           <a:p>
             <a:r>
-              <a:rPr lang="en-US" altLang="zh-CN" sz="2400" dirty="0"/>
+              <a:rPr lang="en-US" altLang="zh-CN" dirty="0" smtClean="0"/>
               <a:t>1</a:t>
-            </a:r>
-            <a:r>
-              <a:rPr lang="en-US" altLang="zh-CN" sz="2400" dirty="0" smtClean="0"/>
-              <a:t>-1</a:t>
-            </a:r>
-            <a:endParaRPr lang="zh-CN" altLang="en-US" sz="2400" dirty="0"/>
-          </a:p>
-        </p:txBody>
-      </p:sp>
-      <p:pic>
-        <p:nvPicPr>
-          <p:cNvPr id="6" name="图片 5"/>
-          <p:cNvPicPr>
-            <a:picLocks noChangeAspect="1"/>
-          </p:cNvPicPr>
-          <p:nvPr/>
-        </p:nvPicPr>
-        <p:blipFill>
-          <a:blip r:embed="rId2"/>
-          <a:stretch>
-            <a:fillRect/>
-          </a:stretch>
-        </p:blipFill>
-        <p:spPr>
-          <a:xfrm>
-            <a:off x="6959952" y="1174071"/>
-            <a:ext cx="3705225" cy="1619250"/>
-          </a:xfrm>
-          <a:prstGeom prst="rect">
-            <a:avLst/>
-          </a:prstGeom>
-        </p:spPr>
-      </p:pic>
-      <p:pic>
-        <p:nvPicPr>
-          <p:cNvPr id="7" name="图片 6"/>
-          <p:cNvPicPr>
-            <a:picLocks noChangeAspect="1"/>
-          </p:cNvPicPr>
-          <p:nvPr/>
-        </p:nvPicPr>
-        <p:blipFill>
-          <a:blip r:embed="rId3"/>
-          <a:stretch>
-            <a:fillRect/>
-          </a:stretch>
-        </p:blipFill>
-        <p:spPr>
-          <a:xfrm>
-            <a:off x="6155090" y="2484113"/>
-            <a:ext cx="5314950" cy="2695575"/>
-          </a:xfrm>
-          <a:prstGeom prst="rect">
-            <a:avLst/>
-          </a:prstGeom>
-        </p:spPr>
-      </p:pic>
-      <p:sp>
-        <p:nvSpPr>
-          <p:cNvPr id="9" name="Rectangle 2"/>
-          <p:cNvSpPr>
-            <a:spLocks noChangeArrowheads="1"/>
-          </p:cNvSpPr>
-          <p:nvPr/>
-        </p:nvSpPr>
-        <p:spPr bwMode="auto">
-          <a:xfrm>
-            <a:off x="1501804" y="1198867"/>
-            <a:ext cx="4242048" cy="1200329"/>
-          </a:xfrm>
-          <a:prstGeom prst="rect">
-            <a:avLst/>
-          </a:prstGeom>
-          <a:noFill/>
-          <a:ln>
-            <a:noFill/>
-          </a:ln>
-          <a:effectLst/>
-          <a:extLst>
-            <a:ext uri="{909E8E84-426E-40DD-AFC4-6F175D3DCCD1}">
-              <a14:hiddenFill xmlns:a14="http://schemas.microsoft.com/office/drawing/2010/main">
-                <a:solidFill>
-                  <a:schemeClr val="accent1"/>
-                </a:solidFill>
-              </a14:hiddenFill>
-            </a:ext>
-            <a:ext uri="{91240B29-F687-4F45-9708-019B960494DF}">
-              <a14:hiddenLine xmlns:a14="http://schemas.microsoft.com/office/drawing/2010/main" w="9525">
-                <a:solidFill>
-                  <a:schemeClr val="tx1"/>
-                </a:solidFill>
-                <a:miter lim="800000"/>
-                <a:headEnd/>
-                <a:tailEnd/>
-              </a14:hiddenLine>
-            </a:ext>
-            <a:ext uri="{AF507438-7753-43E0-B8FC-AC1667EBCBE1}">
-              <a14:hiddenEffects xmlns:a14="http://schemas.microsoft.com/office/drawing/2010/main">
-                <a:effectLst>
-                  <a:outerShdw dist="35921" dir="2700000" algn="ctr" rotWithShape="0">
-                    <a:schemeClr val="bg2"/>
-                  </a:outerShdw>
-                </a:effectLst>
-              </a14:hiddenEffects>
-            </a:ext>
-          </a:extLst>
-        </p:spPr>
-        <p:txBody>
-          <a:bodyPr vert="horz" wrap="square" lIns="91440" tIns="45720" rIns="91440" bIns="45720" numCol="1" anchor="ctr" anchorCtr="0" compatLnSpc="1">
-            <a:prstTxWarp prst="textNoShape">
-              <a:avLst/>
-            </a:prstTxWarp>
-            <a:spAutoFit/>
-          </a:bodyPr>
-          <a:lstStyle/>
-          <a:p>
-            <a:pPr marL="0" marR="0" lvl="0" indent="0" algn="l" defTabSz="914400" rtl="0" eaLnBrk="0" fontAlgn="base" latinLnBrk="0" hangingPunct="0">
-              <a:lnSpc>
-                <a:spcPct val="100000"/>
-              </a:lnSpc>
-              <a:spcBef>
-                <a:spcPct val="0"/>
-              </a:spcBef>
-              <a:spcAft>
-                <a:spcPct val="0"/>
-              </a:spcAft>
-              <a:buClrTx/>
-              <a:buSzTx/>
-              <a:buFontTx/>
-              <a:buNone/>
-              <a:tabLst/>
-            </a:pPr>
-            <a:r>
-              <a:rPr lang="zh-CN" altLang="en-US" dirty="0" smtClean="0"/>
-              <a:t>评价标准：</a:t>
-            </a:r>
-            <a:r>
-              <a:rPr lang="en-US" altLang="zh-CN" dirty="0" smtClean="0"/>
-              <a:t>   </a:t>
-            </a:r>
-          </a:p>
-          <a:p>
-            <a:pPr marL="0" marR="0" lvl="0" indent="0" algn="l" defTabSz="914400" rtl="0" eaLnBrk="0" fontAlgn="base" latinLnBrk="0" hangingPunct="0">
-              <a:lnSpc>
-                <a:spcPct val="100000"/>
-              </a:lnSpc>
-              <a:spcBef>
-                <a:spcPct val="0"/>
-              </a:spcBef>
-              <a:spcAft>
-                <a:spcPct val="0"/>
-              </a:spcAft>
-              <a:buClrTx/>
-              <a:buSzTx/>
-              <a:buFontTx/>
-              <a:buNone/>
-              <a:tabLst/>
-            </a:pPr>
-            <a:r>
-              <a:rPr lang="en-US" altLang="zh-CN" dirty="0" smtClean="0"/>
-              <a:t>   </a:t>
-            </a:r>
-          </a:p>
-          <a:p>
-            <a:pPr marL="0" marR="0" lvl="0" indent="0" algn="l" defTabSz="914400" rtl="0" eaLnBrk="0" fontAlgn="base" latinLnBrk="0" hangingPunct="0">
-              <a:lnSpc>
-                <a:spcPct val="100000"/>
-              </a:lnSpc>
-              <a:spcBef>
-                <a:spcPct val="0"/>
-              </a:spcBef>
-              <a:spcAft>
-                <a:spcPct val="0"/>
-              </a:spcAft>
-              <a:buClrTx/>
-              <a:buSzTx/>
-              <a:buFontTx/>
-              <a:buNone/>
-              <a:tabLst/>
-            </a:pPr>
-            <a:r>
-              <a:rPr lang="en-US" altLang="zh-CN" dirty="0" smtClean="0"/>
-              <a:t> </a:t>
-            </a:r>
-            <a:r>
-              <a:rPr lang="zh-CN" altLang="en-US" dirty="0" smtClean="0"/>
-              <a:t>使用准确率，精度，召回率作为评价标准</a:t>
-            </a:r>
-            <a:endParaRPr lang="zh-CN" altLang="zh-CN" dirty="0"/>
-          </a:p>
-        </p:txBody>
-      </p:sp>
-      <p:sp>
-        <p:nvSpPr>
-          <p:cNvPr id="10" name="Rectangle 2"/>
-          <p:cNvSpPr>
-            <a:spLocks noChangeArrowheads="1"/>
-          </p:cNvSpPr>
-          <p:nvPr/>
-        </p:nvSpPr>
-        <p:spPr bwMode="auto">
-          <a:xfrm>
-            <a:off x="1501804" y="3231735"/>
-            <a:ext cx="4728840" cy="1200329"/>
-          </a:xfrm>
-          <a:prstGeom prst="rect">
-            <a:avLst/>
-          </a:prstGeom>
-          <a:noFill/>
-          <a:ln>
-            <a:noFill/>
-          </a:ln>
-          <a:effectLst/>
-          <a:extLst>
-            <a:ext uri="{909E8E84-426E-40DD-AFC4-6F175D3DCCD1}">
-              <a14:hiddenFill xmlns:a14="http://schemas.microsoft.com/office/drawing/2010/main">
-                <a:solidFill>
-                  <a:schemeClr val="accent1"/>
-                </a:solidFill>
-              </a14:hiddenFill>
-            </a:ext>
-            <a:ext uri="{91240B29-F687-4F45-9708-019B960494DF}">
-              <a14:hiddenLine xmlns:a14="http://schemas.microsoft.com/office/drawing/2010/main" w="9525">
-                <a:solidFill>
-                  <a:schemeClr val="tx1"/>
-                </a:solidFill>
-                <a:miter lim="800000"/>
-                <a:headEnd/>
-                <a:tailEnd/>
-              </a14:hiddenLine>
-            </a:ext>
-            <a:ext uri="{AF507438-7753-43E0-B8FC-AC1667EBCBE1}">
-              <a14:hiddenEffects xmlns:a14="http://schemas.microsoft.com/office/drawing/2010/main">
-                <a:effectLst>
-                  <a:outerShdw dist="35921" dir="2700000" algn="ctr" rotWithShape="0">
-                    <a:schemeClr val="bg2"/>
-                  </a:outerShdw>
-                </a:effectLst>
-              </a14:hiddenEffects>
-            </a:ext>
-          </a:extLst>
-        </p:spPr>
-        <p:txBody>
-          <a:bodyPr vert="horz" wrap="square" lIns="91440" tIns="45720" rIns="91440" bIns="45720" numCol="1" anchor="ctr" anchorCtr="0" compatLnSpc="1">
-            <a:prstTxWarp prst="textNoShape">
-              <a:avLst/>
-            </a:prstTxWarp>
-            <a:spAutoFit/>
-          </a:bodyPr>
-          <a:lstStyle/>
-          <a:p>
-            <a:pPr lvl="0" defTabSz="914400" eaLnBrk="0" fontAlgn="base" hangingPunct="0">
-              <a:spcBef>
-                <a:spcPct val="0"/>
-              </a:spcBef>
-              <a:spcAft>
-                <a:spcPct val="0"/>
-              </a:spcAft>
-            </a:pPr>
-            <a:r>
-              <a:rPr lang="zh-CN" altLang="en-US" dirty="0" smtClean="0"/>
-              <a:t>约束条件：</a:t>
-            </a:r>
-            <a:endParaRPr lang="en-US" altLang="zh-CN" dirty="0" smtClean="0"/>
-          </a:p>
-          <a:p>
-            <a:pPr lvl="0" defTabSz="914400" eaLnBrk="0" fontAlgn="base" hangingPunct="0">
-              <a:spcBef>
-                <a:spcPct val="0"/>
-              </a:spcBef>
-              <a:spcAft>
-                <a:spcPct val="0"/>
-              </a:spcAft>
-            </a:pPr>
-            <a:r>
-              <a:rPr lang="en-US" altLang="zh-CN" dirty="0" smtClean="0"/>
-              <a:t>       </a:t>
-            </a:r>
-          </a:p>
-          <a:p>
-            <a:pPr lvl="0" defTabSz="914400" eaLnBrk="0" fontAlgn="base" hangingPunct="0">
-              <a:spcBef>
-                <a:spcPct val="0"/>
-              </a:spcBef>
-              <a:spcAft>
-                <a:spcPct val="0"/>
-              </a:spcAft>
-            </a:pPr>
-            <a:r>
-              <a:rPr lang="zh-CN" altLang="en-US" dirty="0" smtClean="0"/>
-              <a:t>考虑</a:t>
-            </a:r>
-            <a:r>
-              <a:rPr lang="zh-CN" altLang="en-US" dirty="0"/>
-              <a:t>到本次分类的情景，为了尽可能多的找到购买服务的客户，</a:t>
-            </a:r>
-            <a:r>
-              <a:rPr lang="zh-CN" altLang="en-US" dirty="0" smtClean="0"/>
-              <a:t>应当尽可能</a:t>
-            </a:r>
-            <a:r>
-              <a:rPr lang="zh-CN" altLang="en-US" dirty="0"/>
-              <a:t>增加真阳</a:t>
-            </a:r>
-            <a:r>
-              <a:rPr lang="zh-CN" altLang="en-US" dirty="0" smtClean="0"/>
-              <a:t>率</a:t>
-            </a:r>
-            <a:endParaRPr lang="zh-CN" altLang="zh-CN" dirty="0"/>
-          </a:p>
-        </p:txBody>
-      </p:sp>
-      <p:sp>
-        <p:nvSpPr>
-          <p:cNvPr id="4" name="文本框 3"/>
-          <p:cNvSpPr txBox="1"/>
-          <p:nvPr/>
-        </p:nvSpPr>
-        <p:spPr>
-          <a:xfrm>
-            <a:off x="1501804" y="5197919"/>
-            <a:ext cx="4279037" cy="923330"/>
-          </a:xfrm>
-          <a:prstGeom prst="rect">
-            <a:avLst/>
-          </a:prstGeom>
-          <a:noFill/>
-        </p:spPr>
-        <p:txBody>
-          <a:bodyPr wrap="square" rtlCol="0">
-            <a:spAutoFit/>
-          </a:bodyPr>
-          <a:lstStyle/>
-          <a:p>
-            <a:r>
-              <a:rPr lang="zh-CN" altLang="en-US" dirty="0"/>
-              <a:t>测试</a:t>
-            </a:r>
-            <a:r>
-              <a:rPr lang="zh-CN" altLang="en-US" dirty="0" smtClean="0"/>
-              <a:t>集选取</a:t>
-            </a:r>
-            <a:endParaRPr lang="en-US" altLang="zh-CN" dirty="0" smtClean="0"/>
-          </a:p>
-          <a:p>
-            <a:endParaRPr lang="en-US" altLang="zh-CN" dirty="0"/>
-          </a:p>
-          <a:p>
-            <a:r>
-              <a:rPr lang="zh-CN" altLang="en-US" dirty="0" smtClean="0"/>
-              <a:t>随机选取</a:t>
-            </a:r>
-            <a:r>
-              <a:rPr lang="en-US" altLang="zh-CN" dirty="0" smtClean="0"/>
-              <a:t>30%</a:t>
-            </a:r>
-            <a:r>
-              <a:rPr lang="zh-CN" altLang="en-US" dirty="0" smtClean="0"/>
-              <a:t>作为测试集</a:t>
             </a:r>
             <a:endParaRPr lang="zh-CN" altLang="en-US" dirty="0"/>
           </a:p>
@@ -10602,7 +10045,7 @@
     </p:spTree>
     <p:extLst>
       <p:ext uri="{BB962C8B-B14F-4D97-AF65-F5344CB8AC3E}">
-        <p14:creationId xmlns:p14="http://schemas.microsoft.com/office/powerpoint/2010/main" val="1834172133"/>
+        <p14:creationId xmlns:p14="http://schemas.microsoft.com/office/powerpoint/2010/main" val="491341909"/>
       </p:ext>
     </p:extLst>
   </p:cSld>
@@ -10641,6 +10084,349 @@
         </p:nvSpPr>
         <p:spPr>
           <a:xfrm>
+            <a:off x="1056443" y="144228"/>
+            <a:ext cx="3819097" cy="362708"/>
+          </a:xfrm>
+        </p:spPr>
+        <p:txBody>
+          <a:bodyPr/>
+          <a:lstStyle/>
+          <a:p>
+            <a:r>
+              <a:rPr lang="zh-CN" altLang="en-US" dirty="0"/>
+              <a:t>算法</a:t>
+            </a:r>
+            <a:r>
+              <a:rPr lang="en-US" altLang="zh-CN" dirty="0"/>
+              <a:t>2</a:t>
+            </a:r>
+            <a:r>
+              <a:rPr lang="zh-CN" altLang="en-US" dirty="0"/>
+              <a:t>： </a:t>
+            </a:r>
+            <a:r>
+              <a:rPr lang="en-US" altLang="zh-CN" dirty="0" err="1"/>
+              <a:t>dbscan</a:t>
+            </a:r>
+            <a:r>
+              <a:rPr lang="en-US" altLang="zh-CN" dirty="0"/>
+              <a:t> + </a:t>
+            </a:r>
+            <a:r>
+              <a:rPr lang="en-US" altLang="zh-CN" dirty="0" err="1"/>
+              <a:t>agnes</a:t>
+            </a:r>
+            <a:endParaRPr lang="zh-CN" altLang="en-US" dirty="0"/>
+          </a:p>
+        </p:txBody>
+      </p:sp>
+      <p:sp>
+        <p:nvSpPr>
+          <p:cNvPr id="3" name="文本占位符 2"/>
+          <p:cNvSpPr>
+            <a:spLocks noGrp="1"/>
+          </p:cNvSpPr>
+          <p:nvPr>
+            <p:ph type="body" sz="quarter" idx="11"/>
+          </p:nvPr>
+        </p:nvSpPr>
+        <p:spPr>
+          <a:xfrm>
+            <a:off x="161913" y="85350"/>
+            <a:ext cx="894530" cy="480471"/>
+          </a:xfrm>
+        </p:spPr>
+        <p:txBody>
+          <a:bodyPr/>
+          <a:lstStyle/>
+          <a:p>
+            <a:r>
+              <a:rPr lang="en-US" altLang="zh-CN" dirty="0" smtClean="0"/>
+              <a:t>2.2</a:t>
+            </a:r>
+            <a:endParaRPr lang="zh-CN" altLang="en-US" dirty="0"/>
+          </a:p>
+        </p:txBody>
+      </p:sp>
+      <p:sp>
+        <p:nvSpPr>
+          <p:cNvPr id="4" name="矩形 3"/>
+          <p:cNvSpPr/>
+          <p:nvPr/>
+        </p:nvSpPr>
+        <p:spPr>
+          <a:xfrm>
+            <a:off x="716131" y="5030142"/>
+            <a:ext cx="8563992" cy="369332"/>
+          </a:xfrm>
+          <a:prstGeom prst="rect">
+            <a:avLst/>
+          </a:prstGeom>
+        </p:spPr>
+        <p:txBody>
+          <a:bodyPr wrap="square">
+            <a:spAutoFit/>
+          </a:bodyPr>
+          <a:lstStyle/>
+          <a:p>
+            <a:pPr indent="266700" algn="just">
+              <a:spcAft>
+                <a:spcPts val="0"/>
+              </a:spcAft>
+            </a:pPr>
+            <a:r>
+              <a:rPr lang="zh-CN" altLang="zh-CN" b="1" kern="100" dirty="0">
+                <a:latin typeface="等线" panose="02010600030101010101" pitchFamily="2" charset="-122"/>
+                <a:ea typeface="等线" panose="02010600030101010101" pitchFamily="2" charset="-122"/>
+                <a:cs typeface="Times New Roman" panose="02020603050405020304" pitchFamily="18" charset="0"/>
+              </a:rPr>
+              <a:t>使用</a:t>
+            </a:r>
+            <a:r>
+              <a:rPr lang="en-US" altLang="zh-CN" b="1" kern="100" dirty="0" err="1">
+                <a:latin typeface="等线" panose="02010600030101010101" pitchFamily="2" charset="-122"/>
+                <a:ea typeface="等线" panose="02010600030101010101" pitchFamily="2" charset="-122"/>
+                <a:cs typeface="Times New Roman" panose="02020603050405020304" pitchFamily="18" charset="0"/>
+              </a:rPr>
+              <a:t>dbscan</a:t>
+            </a:r>
+            <a:r>
+              <a:rPr lang="zh-CN" altLang="zh-CN" b="1" kern="100" dirty="0">
+                <a:latin typeface="等线" panose="02010600030101010101" pitchFamily="2" charset="-122"/>
+                <a:ea typeface="等线" panose="02010600030101010101" pitchFamily="2" charset="-122"/>
+                <a:cs typeface="Times New Roman" panose="02020603050405020304" pitchFamily="18" charset="0"/>
+              </a:rPr>
+              <a:t>划分多个类，再使用</a:t>
+            </a:r>
+            <a:r>
+              <a:rPr lang="en-US" altLang="zh-CN" b="1" kern="100" dirty="0" err="1">
+                <a:latin typeface="等线" panose="02010600030101010101" pitchFamily="2" charset="-122"/>
+                <a:ea typeface="等线" panose="02010600030101010101" pitchFamily="2" charset="-122"/>
+                <a:cs typeface="Times New Roman" panose="02020603050405020304" pitchFamily="18" charset="0"/>
+              </a:rPr>
+              <a:t>agnes</a:t>
+            </a:r>
+            <a:r>
+              <a:rPr lang="zh-CN" altLang="zh-CN" b="1" kern="100" dirty="0">
+                <a:latin typeface="等线" panose="02010600030101010101" pitchFamily="2" charset="-122"/>
+                <a:ea typeface="等线" panose="02010600030101010101" pitchFamily="2" charset="-122"/>
+                <a:cs typeface="Times New Roman" panose="02020603050405020304" pitchFamily="18" charset="0"/>
+              </a:rPr>
+              <a:t>层次聚类算法聚类到</a:t>
+            </a:r>
+            <a:r>
+              <a:rPr lang="en-US" altLang="zh-CN" b="1" kern="100" dirty="0">
+                <a:latin typeface="等线" panose="02010600030101010101" pitchFamily="2" charset="-122"/>
+                <a:ea typeface="等线" panose="02010600030101010101" pitchFamily="2" charset="-122"/>
+                <a:cs typeface="Times New Roman" panose="02020603050405020304" pitchFamily="18" charset="0"/>
+              </a:rPr>
+              <a:t>FAMILY</a:t>
+            </a:r>
+            <a:r>
+              <a:rPr lang="zh-CN" altLang="zh-CN" b="1" kern="100" dirty="0">
+                <a:latin typeface="等线" panose="02010600030101010101" pitchFamily="2" charset="-122"/>
+                <a:ea typeface="等线" panose="02010600030101010101" pitchFamily="2" charset="-122"/>
+                <a:cs typeface="Times New Roman" panose="02020603050405020304" pitchFamily="18" charset="0"/>
+              </a:rPr>
+              <a:t>指定的</a:t>
+            </a:r>
+            <a:r>
+              <a:rPr lang="en-US" altLang="zh-CN" b="1" kern="100" dirty="0">
+                <a:latin typeface="等线" panose="02010600030101010101" pitchFamily="2" charset="-122"/>
+                <a:ea typeface="等线" panose="02010600030101010101" pitchFamily="2" charset="-122"/>
+                <a:cs typeface="Times New Roman" panose="02020603050405020304" pitchFamily="18" charset="0"/>
+              </a:rPr>
+              <a:t>4</a:t>
+            </a:r>
+            <a:r>
+              <a:rPr lang="zh-CN" altLang="zh-CN" b="1" kern="100" dirty="0">
+                <a:latin typeface="等线" panose="02010600030101010101" pitchFamily="2" charset="-122"/>
+                <a:ea typeface="等线" panose="02010600030101010101" pitchFamily="2" charset="-122"/>
+                <a:cs typeface="Times New Roman" panose="02020603050405020304" pitchFamily="18" charset="0"/>
+              </a:rPr>
+              <a:t>类。</a:t>
+            </a:r>
+          </a:p>
+        </p:txBody>
+      </p:sp>
+      <p:sp>
+        <p:nvSpPr>
+          <p:cNvPr id="5" name="矩形 4"/>
+          <p:cNvSpPr/>
+          <p:nvPr/>
+        </p:nvSpPr>
+        <p:spPr>
+          <a:xfrm>
+            <a:off x="1056442" y="5464162"/>
+            <a:ext cx="7883371" cy="369332"/>
+          </a:xfrm>
+          <a:prstGeom prst="rect">
+            <a:avLst/>
+          </a:prstGeom>
+        </p:spPr>
+        <p:txBody>
+          <a:bodyPr wrap="square">
+            <a:spAutoFit/>
+          </a:bodyPr>
+          <a:lstStyle/>
+          <a:p>
+            <a:pPr marL="285750" indent="-285750" algn="just">
+              <a:spcAft>
+                <a:spcPts val="0"/>
+              </a:spcAft>
+              <a:buFont typeface="Arial" panose="020B0604020202020204" pitchFamily="34" charset="0"/>
+              <a:buChar char="•"/>
+            </a:pPr>
+            <a:r>
+              <a:rPr lang="en-US" altLang="zh-CN" kern="100" dirty="0" err="1">
+                <a:latin typeface="等线" panose="02010600030101010101" pitchFamily="2" charset="-122"/>
+                <a:ea typeface="等线" panose="02010600030101010101" pitchFamily="2" charset="-122"/>
+                <a:cs typeface="Times New Roman" panose="02020603050405020304" pitchFamily="18" charset="0"/>
+              </a:rPr>
+              <a:t>dbscan</a:t>
+            </a:r>
+            <a:r>
+              <a:rPr lang="zh-CN" altLang="zh-CN" kern="100" dirty="0">
+                <a:latin typeface="等线" panose="02010600030101010101" pitchFamily="2" charset="-122"/>
+                <a:ea typeface="等线" panose="02010600030101010101" pitchFamily="2" charset="-122"/>
+                <a:cs typeface="Times New Roman" panose="02020603050405020304" pitchFamily="18" charset="0"/>
+              </a:rPr>
+              <a:t>是一种基于密度的聚类</a:t>
+            </a:r>
+            <a:r>
+              <a:rPr lang="zh-CN" altLang="zh-CN" kern="100" dirty="0" smtClean="0">
+                <a:latin typeface="等线" panose="02010600030101010101" pitchFamily="2" charset="-122"/>
+                <a:ea typeface="等线" panose="02010600030101010101" pitchFamily="2" charset="-122"/>
+                <a:cs typeface="Times New Roman" panose="02020603050405020304" pitchFamily="18" charset="0"/>
+              </a:rPr>
+              <a:t>算法</a:t>
+            </a:r>
+            <a:endParaRPr lang="en-US" altLang="zh-CN" kern="100" dirty="0" smtClean="0">
+              <a:latin typeface="等线" panose="02010600030101010101" pitchFamily="2" charset="-122"/>
+              <a:ea typeface="等线" panose="02010600030101010101" pitchFamily="2" charset="-122"/>
+              <a:cs typeface="Times New Roman" panose="02020603050405020304" pitchFamily="18" charset="0"/>
+            </a:endParaRPr>
+          </a:p>
+        </p:txBody>
+      </p:sp>
+      <p:sp>
+        <p:nvSpPr>
+          <p:cNvPr id="6" name="矩形 5"/>
+          <p:cNvSpPr/>
+          <p:nvPr/>
+        </p:nvSpPr>
+        <p:spPr>
+          <a:xfrm>
+            <a:off x="1056442" y="5938300"/>
+            <a:ext cx="7554898" cy="369332"/>
+          </a:xfrm>
+          <a:prstGeom prst="rect">
+            <a:avLst/>
+          </a:prstGeom>
+        </p:spPr>
+        <p:txBody>
+          <a:bodyPr wrap="square">
+            <a:spAutoFit/>
+          </a:bodyPr>
+          <a:lstStyle/>
+          <a:p>
+            <a:r>
+              <a:rPr lang="zh-CN" altLang="zh-CN" dirty="0">
+                <a:ea typeface="等线" panose="02010600030101010101" pitchFamily="2" charset="-122"/>
+                <a:cs typeface="Times New Roman" panose="02020603050405020304" pitchFamily="18" charset="0"/>
+              </a:rPr>
+              <a:t>为了能提高找到邻域内核心点的速度，引入</a:t>
+            </a:r>
+            <a:r>
+              <a:rPr lang="en-US" altLang="zh-CN" b="1" dirty="0">
+                <a:ea typeface="等线" panose="02010600030101010101" pitchFamily="2" charset="-122"/>
+                <a:cs typeface="Times New Roman" panose="02020603050405020304" pitchFamily="18" charset="0"/>
+              </a:rPr>
+              <a:t>KD-Tree</a:t>
+            </a:r>
+            <a:r>
+              <a:rPr lang="zh-CN" altLang="zh-CN" dirty="0">
+                <a:ea typeface="等线" panose="02010600030101010101" pitchFamily="2" charset="-122"/>
+                <a:cs typeface="Times New Roman" panose="02020603050405020304" pitchFamily="18" charset="0"/>
+              </a:rPr>
+              <a:t>数据结构。</a:t>
+            </a:r>
+            <a:endParaRPr lang="zh-CN" altLang="en-US" dirty="0"/>
+          </a:p>
+        </p:txBody>
+      </p:sp>
+      <p:pic>
+        <p:nvPicPr>
+          <p:cNvPr id="8" name="图片 7"/>
+          <p:cNvPicPr>
+            <a:picLocks noChangeAspect="1"/>
+          </p:cNvPicPr>
+          <p:nvPr/>
+        </p:nvPicPr>
+        <p:blipFill>
+          <a:blip r:embed="rId3">
+            <a:extLst>
+              <a:ext uri="{28A0092B-C50C-407E-A947-70E740481C1C}">
+                <a14:useLocalDpi xmlns:a14="http://schemas.microsoft.com/office/drawing/2010/main" val="0"/>
+              </a:ext>
+            </a:extLst>
+          </a:blip>
+          <a:stretch>
+            <a:fillRect/>
+          </a:stretch>
+        </p:blipFill>
+        <p:spPr>
+          <a:xfrm>
+            <a:off x="609178" y="544988"/>
+            <a:ext cx="10058400" cy="4420466"/>
+          </a:xfrm>
+          <a:prstGeom prst="rect">
+            <a:avLst/>
+          </a:prstGeom>
+        </p:spPr>
+      </p:pic>
+    </p:spTree>
+    <p:extLst>
+      <p:ext uri="{BB962C8B-B14F-4D97-AF65-F5344CB8AC3E}">
+        <p14:creationId xmlns:p14="http://schemas.microsoft.com/office/powerpoint/2010/main" val="1853807477"/>
+      </p:ext>
+    </p:extLst>
+  </p:cSld>
+  <p:clrMapOvr>
+    <a:masterClrMapping/>
+  </p:clrMapOvr>
+</p:sld>
+</file>
+
+<file path=ppt/slides/slide21.xml><?xml version="1.0" encoding="utf-8"?>
+<p:sld xmlns:a="http://schemas.openxmlformats.org/drawingml/2006/main" xmlns:r="http://schemas.openxmlformats.org/officeDocument/2006/relationships" xmlns:p="http://schemas.openxmlformats.org/presentationml/2006/main">
+  <p:cSld>
+    <p:spTree>
+      <p:nvGrpSpPr>
+        <p:cNvPr id="1" name=""/>
+        <p:cNvGrpSpPr/>
+        <p:nvPr/>
+      </p:nvGrpSpPr>
+      <p:grpSpPr>
+        <a:xfrm>
+          <a:off x="0" y="0"/>
+          <a:ext cx="0" cy="0"/>
+          <a:chOff x="0" y="0"/>
+          <a:chExt cx="0" cy="0"/>
+        </a:xfrm>
+      </p:grpSpPr>
+      <p:sp>
+        <p:nvSpPr>
+          <p:cNvPr id="2" name="文本占位符 1"/>
+          <p:cNvSpPr>
+            <a:spLocks noGrp="1"/>
+          </p:cNvSpPr>
+          <p:nvPr>
+            <p:ph type="body" sz="quarter" idx="10"/>
+          </p:nvPr>
+        </p:nvSpPr>
+        <p:spPr>
+          <a:xfrm>
             <a:off x="1055370" y="144228"/>
             <a:ext cx="3819097" cy="362708"/>
           </a:xfrm>
@@ -10990,7 +10776,7 @@
 </p:sld>
 </file>
 
-<file path=ppt/slides/slide21.xml><?xml version="1.0" encoding="utf-8"?>
+<file path=ppt/slides/slide22.xml><?xml version="1.0" encoding="utf-8"?>
 <p:sld xmlns:a="http://schemas.openxmlformats.org/drawingml/2006/main" xmlns:r="http://schemas.openxmlformats.org/officeDocument/2006/relationships" xmlns:p="http://schemas.openxmlformats.org/presentationml/2006/main">
   <p:cSld>
     <p:spTree>
@@ -12322,7 +12108,7 @@
 </p:sld>
 </file>
 
-<file path=ppt/slides/slide22.xml><?xml version="1.0" encoding="utf-8"?>
+<file path=ppt/slides/slide23.xml><?xml version="1.0" encoding="utf-8"?>
 <p:sld xmlns:a="http://schemas.openxmlformats.org/drawingml/2006/main" xmlns:r="http://schemas.openxmlformats.org/officeDocument/2006/relationships" xmlns:p="http://schemas.openxmlformats.org/presentationml/2006/main">
   <p:cSld>
     <p:spTree>
@@ -13286,7 +13072,7 @@
 </p:sld>
 </file>
 
-<file path=ppt/slides/slide23.xml><?xml version="1.0" encoding="utf-8"?>
+<file path=ppt/slides/slide24.xml><?xml version="1.0" encoding="utf-8"?>
 <p:sld xmlns:a="http://schemas.openxmlformats.org/drawingml/2006/main" xmlns:r="http://schemas.openxmlformats.org/officeDocument/2006/relationships" xmlns:p="http://schemas.openxmlformats.org/presentationml/2006/main">
   <p:cSld>
     <p:spTree>
@@ -14136,6 +13922,64 @@
 </p:sld>
 </file>
 
+<file path=ppt/slides/slide25.xml><?xml version="1.0" encoding="utf-8"?>
+<p:sld xmlns:a="http://schemas.openxmlformats.org/drawingml/2006/main" xmlns:r="http://schemas.openxmlformats.org/officeDocument/2006/relationships" xmlns:p="http://schemas.openxmlformats.org/presentationml/2006/main">
+  <p:cSld>
+    <p:spTree>
+      <p:nvGrpSpPr>
+        <p:cNvPr id="1" name=""/>
+        <p:cNvGrpSpPr/>
+        <p:nvPr/>
+      </p:nvGrpSpPr>
+      <p:grpSpPr>
+        <a:xfrm>
+          <a:off x="0" y="0"/>
+          <a:ext cx="0" cy="0"/>
+          <a:chOff x="0" y="0"/>
+          <a:chExt cx="0" cy="0"/>
+        </a:xfrm>
+      </p:grpSpPr>
+      <p:sp>
+        <p:nvSpPr>
+          <p:cNvPr id="2" name="文本占位符 1"/>
+          <p:cNvSpPr>
+            <a:spLocks noGrp="1"/>
+          </p:cNvSpPr>
+          <p:nvPr>
+            <p:ph type="body" sz="quarter" idx="10"/>
+          </p:nvPr>
+        </p:nvSpPr>
+        <p:spPr>
+          <a:xfrm>
+            <a:off x="4312580" y="2612253"/>
+            <a:ext cx="3180174" cy="1391576"/>
+          </a:xfrm>
+        </p:spPr>
+        <p:txBody>
+          <a:bodyPr/>
+          <a:lstStyle/>
+          <a:p>
+            <a:r>
+              <a:rPr lang="en-US" altLang="zh-CN" sz="7200" dirty="0" smtClean="0"/>
+              <a:t>Thanks</a:t>
+            </a:r>
+            <a:endParaRPr lang="zh-CN" altLang="en-US" sz="7200" dirty="0"/>
+          </a:p>
+        </p:txBody>
+      </p:sp>
+    </p:spTree>
+    <p:extLst>
+      <p:ext uri="{BB962C8B-B14F-4D97-AF65-F5344CB8AC3E}">
+        <p14:creationId xmlns:p14="http://schemas.microsoft.com/office/powerpoint/2010/main" val="2890419108"/>
+      </p:ext>
+    </p:extLst>
+  </p:cSld>
+  <p:clrMapOvr>
+    <a:masterClrMapping/>
+  </p:clrMapOvr>
+</p:sld>
+</file>
+
 <file path=ppt/slides/slide3.xml><?xml version="1.0" encoding="utf-8"?>
 <p:sld xmlns:a="http://schemas.openxmlformats.org/drawingml/2006/main" xmlns:r="http://schemas.openxmlformats.org/officeDocument/2006/relationships" xmlns:p="http://schemas.openxmlformats.org/presentationml/2006/main">
   <p:cSld>
@@ -14170,7 +14014,7 @@
           <a:p>
             <a:r>
               <a:rPr lang="zh-CN" altLang="en-US" dirty="0" smtClean="0"/>
-              <a:t>决策树分类</a:t>
+              <a:t>评价标准</a:t>
             </a:r>
             <a:endParaRPr lang="zh-CN" altLang="en-US" dirty="0"/>
           </a:p>
@@ -14192,568 +14036,334 @@
           <a:lstStyle/>
           <a:p>
             <a:r>
-              <a:rPr lang="en-US" altLang="zh-CN" sz="2400" dirty="0"/>
-              <a:t>2</a:t>
-            </a:r>
-            <a:r>
               <a:rPr lang="en-US" altLang="zh-CN" sz="2400" dirty="0" smtClean="0"/>
-              <a:t>-1</a:t>
+              <a:t>1</a:t>
             </a:r>
             <a:endParaRPr lang="zh-CN" altLang="en-US" sz="2400" dirty="0"/>
           </a:p>
         </p:txBody>
       </p:sp>
-      <p:sp>
-        <p:nvSpPr>
-          <p:cNvPr id="6" name="矩形 5"/>
-          <p:cNvSpPr/>
+      <p:pic>
+        <p:nvPicPr>
+          <p:cNvPr id="6" name="图片 5"/>
+          <p:cNvPicPr>
+            <a:picLocks noChangeAspect="1"/>
+          </p:cNvPicPr>
           <p:nvPr/>
-        </p:nvSpPr>
-        <p:spPr>
-          <a:xfrm>
-            <a:off x="886691" y="1305342"/>
-            <a:ext cx="5744928" cy="369332"/>
+        </p:nvPicPr>
+        <p:blipFill>
+          <a:blip r:embed="rId2"/>
+          <a:stretch>
+            <a:fillRect/>
+          </a:stretch>
+        </p:blipFill>
+        <p:spPr>
+          <a:xfrm>
+            <a:off x="6959952" y="1174071"/>
+            <a:ext cx="3705225" cy="1619250"/>
           </a:xfrm>
           <a:prstGeom prst="rect">
             <a:avLst/>
           </a:prstGeom>
         </p:spPr>
-        <p:txBody>
-          <a:bodyPr wrap="square">
+      </p:pic>
+      <p:pic>
+        <p:nvPicPr>
+          <p:cNvPr id="7" name="图片 6"/>
+          <p:cNvPicPr>
+            <a:picLocks noChangeAspect="1"/>
+          </p:cNvPicPr>
+          <p:nvPr/>
+        </p:nvPicPr>
+        <p:blipFill>
+          <a:blip r:embed="rId3"/>
+          <a:stretch>
+            <a:fillRect/>
+          </a:stretch>
+        </p:blipFill>
+        <p:spPr>
+          <a:xfrm>
+            <a:off x="6155090" y="2484113"/>
+            <a:ext cx="5314950" cy="2695575"/>
+          </a:xfrm>
+          <a:prstGeom prst="rect">
+            <a:avLst/>
+          </a:prstGeom>
+        </p:spPr>
+      </p:pic>
+      <p:sp>
+        <p:nvSpPr>
+          <p:cNvPr id="9" name="Rectangle 2"/>
+          <p:cNvSpPr>
+            <a:spLocks noChangeArrowheads="1"/>
+          </p:cNvSpPr>
+          <p:nvPr/>
+        </p:nvSpPr>
+        <p:spPr bwMode="auto">
+          <a:xfrm>
+            <a:off x="1501804" y="1198867"/>
+            <a:ext cx="4242048" cy="1200329"/>
+          </a:xfrm>
+          <a:prstGeom prst="rect">
+            <a:avLst/>
+          </a:prstGeom>
+          <a:noFill/>
+          <a:ln>
+            <a:noFill/>
+          </a:ln>
+          <a:effectLst/>
+          <a:extLst>
+            <a:ext uri="{909E8E84-426E-40DD-AFC4-6F175D3DCCD1}">
+              <a14:hiddenFill xmlns:a14="http://schemas.microsoft.com/office/drawing/2010/main">
+                <a:solidFill>
+                  <a:schemeClr val="accent1"/>
+                </a:solidFill>
+              </a14:hiddenFill>
+            </a:ext>
+            <a:ext uri="{91240B29-F687-4F45-9708-019B960494DF}">
+              <a14:hiddenLine xmlns:a14="http://schemas.microsoft.com/office/drawing/2010/main" w="9525">
+                <a:solidFill>
+                  <a:schemeClr val="tx1"/>
+                </a:solidFill>
+                <a:miter lim="800000"/>
+                <a:headEnd/>
+                <a:tailEnd/>
+              </a14:hiddenLine>
+            </a:ext>
+            <a:ext uri="{AF507438-7753-43E0-B8FC-AC1667EBCBE1}">
+              <a14:hiddenEffects xmlns:a14="http://schemas.microsoft.com/office/drawing/2010/main">
+                <a:effectLst>
+                  <a:outerShdw dist="35921" dir="2700000" algn="ctr" rotWithShape="0">
+                    <a:schemeClr val="bg2"/>
+                  </a:outerShdw>
+                </a:effectLst>
+              </a14:hiddenEffects>
+            </a:ext>
+          </a:extLst>
+        </p:spPr>
+        <p:txBody>
+          <a:bodyPr vert="horz" wrap="square" lIns="91440" tIns="45720" rIns="91440" bIns="45720" numCol="1" anchor="ctr" anchorCtr="0" compatLnSpc="1">
+            <a:prstTxWarp prst="textNoShape">
+              <a:avLst/>
+            </a:prstTxWarp>
             <a:spAutoFit/>
           </a:bodyPr>
           <a:lstStyle/>
           <a:p>
+            <a:pPr marL="0" marR="0" lvl="0" indent="0" algn="l" defTabSz="914400" rtl="0" eaLnBrk="0" fontAlgn="base" latinLnBrk="0" hangingPunct="0">
+              <a:lnSpc>
+                <a:spcPct val="100000"/>
+              </a:lnSpc>
+              <a:spcBef>
+                <a:spcPct val="0"/>
+              </a:spcBef>
+              <a:spcAft>
+                <a:spcPct val="0"/>
+              </a:spcAft>
+              <a:buClrTx/>
+              <a:buSzTx/>
+              <a:buFontTx/>
+              <a:buNone/>
+              <a:tabLst/>
+            </a:pPr>
+            <a:r>
+              <a:rPr lang="zh-CN" altLang="en-US" b="1" dirty="0" smtClean="0"/>
+              <a:t>评价标准</a:t>
+            </a:r>
             <a:r>
               <a:rPr lang="zh-CN" altLang="en-US" dirty="0" smtClean="0"/>
-              <a:t>        </a:t>
-            </a:r>
-            <a:endParaRPr lang="zh-CN" altLang="en-US" dirty="0"/>
-          </a:p>
-        </p:txBody>
-      </p:sp>
-      <p:sp>
-        <p:nvSpPr>
-          <p:cNvPr id="8" name="矩形 7"/>
-          <p:cNvSpPr/>
+              <a:t>：</a:t>
+            </a:r>
+            <a:r>
+              <a:rPr lang="en-US" altLang="zh-CN" dirty="0" smtClean="0"/>
+              <a:t>   </a:t>
+            </a:r>
+          </a:p>
+          <a:p>
+            <a:pPr marL="0" marR="0" lvl="0" indent="0" algn="l" defTabSz="914400" rtl="0" eaLnBrk="0" fontAlgn="base" latinLnBrk="0" hangingPunct="0">
+              <a:lnSpc>
+                <a:spcPct val="100000"/>
+              </a:lnSpc>
+              <a:spcBef>
+                <a:spcPct val="0"/>
+              </a:spcBef>
+              <a:spcAft>
+                <a:spcPct val="0"/>
+              </a:spcAft>
+              <a:buClrTx/>
+              <a:buSzTx/>
+              <a:buFontTx/>
+              <a:buNone/>
+              <a:tabLst/>
+            </a:pPr>
+            <a:r>
+              <a:rPr lang="en-US" altLang="zh-CN" dirty="0" smtClean="0"/>
+              <a:t>   </a:t>
+            </a:r>
+          </a:p>
+          <a:p>
+            <a:pPr marL="0" marR="0" lvl="0" indent="0" algn="l" defTabSz="914400" rtl="0" eaLnBrk="0" fontAlgn="base" latinLnBrk="0" hangingPunct="0">
+              <a:lnSpc>
+                <a:spcPct val="100000"/>
+              </a:lnSpc>
+              <a:spcBef>
+                <a:spcPct val="0"/>
+              </a:spcBef>
+              <a:spcAft>
+                <a:spcPct val="0"/>
+              </a:spcAft>
+              <a:buClrTx/>
+              <a:buSzTx/>
+              <a:buFontTx/>
+              <a:buNone/>
+              <a:tabLst/>
+            </a:pPr>
+            <a:r>
+              <a:rPr lang="en-US" altLang="zh-CN" dirty="0" smtClean="0"/>
+              <a:t> </a:t>
+            </a:r>
+            <a:r>
+              <a:rPr lang="zh-CN" altLang="en-US" dirty="0" smtClean="0"/>
+              <a:t>使用准确率，精度，召回率作为评价标准</a:t>
+            </a:r>
+            <a:endParaRPr lang="zh-CN" altLang="zh-CN" dirty="0"/>
+          </a:p>
+        </p:txBody>
+      </p:sp>
+      <p:sp>
+        <p:nvSpPr>
+          <p:cNvPr id="10" name="Rectangle 2"/>
+          <p:cNvSpPr>
+            <a:spLocks noChangeArrowheads="1"/>
+          </p:cNvSpPr>
           <p:nvPr/>
         </p:nvSpPr>
-        <p:spPr>
-          <a:xfrm>
-            <a:off x="8452285" y="1021257"/>
-            <a:ext cx="1489972" cy="284410"/>
+        <p:spPr bwMode="auto">
+          <a:xfrm>
+            <a:off x="1501804" y="3091127"/>
+            <a:ext cx="4728840" cy="1200329"/>
           </a:xfrm>
           <a:prstGeom prst="rect">
             <a:avLst/>
           </a:prstGeom>
           <a:noFill/>
-          <a:ln w="28575">
-            <a:solidFill>
-              <a:srgbClr val="00B0F0"/>
-            </a:solidFill>
+          <a:ln>
+            <a:noFill/>
           </a:ln>
-        </p:spPr>
-        <p:style>
-          <a:lnRef idx="2">
-            <a:schemeClr val="accent1">
-              <a:shade val="50000"/>
-            </a:schemeClr>
-          </a:lnRef>
-          <a:fillRef idx="1">
-            <a:schemeClr val="accent1"/>
-          </a:fillRef>
-          <a:effectRef idx="0">
-            <a:schemeClr val="accent1"/>
-          </a:effectRef>
-          <a:fontRef idx="minor">
-            <a:schemeClr val="lt1"/>
-          </a:fontRef>
-        </p:style>
-        <p:txBody>
-          <a:bodyPr rtlCol="0" anchor="ctr"/>
-          <a:lstStyle/>
-          <a:p>
-            <a:pPr algn="ctr"/>
-            <a:r>
-              <a:rPr kumimoji="1" lang="zh-CN" altLang="en-US" dirty="0" smtClean="0">
+          <a:effectLst/>
+          <a:extLst>
+            <a:ext uri="{909E8E84-426E-40DD-AFC4-6F175D3DCCD1}">
+              <a14:hiddenFill xmlns:a14="http://schemas.microsoft.com/office/drawing/2010/main">
+                <a:solidFill>
+                  <a:schemeClr val="accent1"/>
+                </a:solidFill>
+              </a14:hiddenFill>
+            </a:ext>
+            <a:ext uri="{91240B29-F687-4F45-9708-019B960494DF}">
+              <a14:hiddenLine xmlns:a14="http://schemas.microsoft.com/office/drawing/2010/main" w="9525">
                 <a:solidFill>
                   <a:schemeClr val="tx1"/>
                 </a:solidFill>
-              </a:rPr>
-              <a:t>数值型数据</a:t>
-            </a:r>
-            <a:endParaRPr kumimoji="1" lang="zh-CN" altLang="en-US" dirty="0">
-              <a:solidFill>
-                <a:schemeClr val="tx1"/>
-              </a:solidFill>
-            </a:endParaRPr>
-          </a:p>
-        </p:txBody>
-      </p:sp>
-      <p:sp>
-        <p:nvSpPr>
-          <p:cNvPr id="9" name="矩形 8"/>
-          <p:cNvSpPr/>
-          <p:nvPr/>
-        </p:nvSpPr>
-        <p:spPr>
-          <a:xfrm>
-            <a:off x="10161973" y="1991557"/>
-            <a:ext cx="767920" cy="284410"/>
-          </a:xfrm>
-          <a:prstGeom prst="rect">
-            <a:avLst/>
-          </a:prstGeom>
-          <a:noFill/>
-          <a:ln w="28575">
-            <a:solidFill>
-              <a:srgbClr val="00B0F0"/>
-            </a:solidFill>
-          </a:ln>
-        </p:spPr>
-        <p:style>
-          <a:lnRef idx="2">
-            <a:schemeClr val="accent1">
-              <a:shade val="50000"/>
-            </a:schemeClr>
-          </a:lnRef>
-          <a:fillRef idx="1">
-            <a:schemeClr val="accent1"/>
-          </a:fillRef>
-          <a:effectRef idx="0">
-            <a:schemeClr val="accent1"/>
-          </a:effectRef>
-          <a:fontRef idx="minor">
-            <a:schemeClr val="lt1"/>
-          </a:fontRef>
-        </p:style>
-        <p:txBody>
-          <a:bodyPr rtlCol="0" anchor="ctr"/>
+                <a:miter lim="800000"/>
+                <a:headEnd/>
+                <a:tailEnd/>
+              </a14:hiddenLine>
+            </a:ext>
+            <a:ext uri="{AF507438-7753-43E0-B8FC-AC1667EBCBE1}">
+              <a14:hiddenEffects xmlns:a14="http://schemas.microsoft.com/office/drawing/2010/main">
+                <a:effectLst>
+                  <a:outerShdw dist="35921" dir="2700000" algn="ctr" rotWithShape="0">
+                    <a:schemeClr val="bg2"/>
+                  </a:outerShdw>
+                </a:effectLst>
+              </a14:hiddenEffects>
+            </a:ext>
+          </a:extLst>
+        </p:spPr>
+        <p:txBody>
+          <a:bodyPr vert="horz" wrap="square" lIns="91440" tIns="45720" rIns="91440" bIns="45720" numCol="1" anchor="ctr" anchorCtr="0" compatLnSpc="1">
+            <a:prstTxWarp prst="textNoShape">
+              <a:avLst/>
+            </a:prstTxWarp>
+            <a:spAutoFit/>
+          </a:bodyPr>
           <a:lstStyle/>
           <a:p>
-            <a:pPr algn="ctr"/>
-            <a:r>
-              <a:rPr kumimoji="1" lang="zh-CN" altLang="en-US" dirty="0" smtClean="0">
-                <a:solidFill>
-                  <a:schemeClr val="tx1"/>
-                </a:solidFill>
-              </a:rPr>
-              <a:t>子集</a:t>
-            </a:r>
-            <a:r>
-              <a:rPr kumimoji="1" lang="en-US" altLang="zh-CN" dirty="0" smtClean="0">
-                <a:solidFill>
-                  <a:schemeClr val="tx1"/>
-                </a:solidFill>
-              </a:rPr>
-              <a:t>2</a:t>
-            </a:r>
-            <a:endParaRPr kumimoji="1" lang="zh-CN" altLang="en-US" dirty="0">
-              <a:solidFill>
-                <a:schemeClr val="tx1"/>
-              </a:solidFill>
-            </a:endParaRPr>
-          </a:p>
-        </p:txBody>
-      </p:sp>
-      <p:sp>
-        <p:nvSpPr>
-          <p:cNvPr id="10" name="矩形 9"/>
-          <p:cNvSpPr/>
-          <p:nvPr/>
-        </p:nvSpPr>
-        <p:spPr>
-          <a:xfrm>
-            <a:off x="7428389" y="1991557"/>
-            <a:ext cx="767920" cy="284410"/>
-          </a:xfrm>
-          <a:prstGeom prst="rect">
-            <a:avLst/>
-          </a:prstGeom>
-          <a:noFill/>
-          <a:ln w="28575">
-            <a:solidFill>
-              <a:srgbClr val="00B0F0"/>
-            </a:solidFill>
-          </a:ln>
-        </p:spPr>
-        <p:style>
-          <a:lnRef idx="2">
-            <a:schemeClr val="accent1">
-              <a:shade val="50000"/>
-            </a:schemeClr>
-          </a:lnRef>
-          <a:fillRef idx="1">
-            <a:schemeClr val="accent1"/>
-          </a:fillRef>
-          <a:effectRef idx="0">
-            <a:schemeClr val="accent1"/>
-          </a:effectRef>
-          <a:fontRef idx="minor">
-            <a:schemeClr val="lt1"/>
-          </a:fontRef>
-        </p:style>
-        <p:txBody>
-          <a:bodyPr rtlCol="0" anchor="ctr"/>
-          <a:lstStyle/>
-          <a:p>
-            <a:pPr algn="ctr"/>
-            <a:r>
-              <a:rPr kumimoji="1" lang="zh-CN" altLang="en-US" sz="1600" dirty="0" smtClean="0">
-                <a:solidFill>
-                  <a:schemeClr val="tx1"/>
-                </a:solidFill>
-              </a:rPr>
-              <a:t>子集</a:t>
-            </a:r>
-            <a:r>
-              <a:rPr kumimoji="1" lang="en-US" altLang="zh-CN" sz="1600" dirty="0" smtClean="0">
-                <a:solidFill>
-                  <a:schemeClr val="tx1"/>
-                </a:solidFill>
-              </a:rPr>
-              <a:t>1</a:t>
-            </a:r>
-            <a:endParaRPr kumimoji="1" lang="zh-CN" altLang="en-US" sz="1600" dirty="0">
-              <a:solidFill>
-                <a:schemeClr val="tx1"/>
-              </a:solidFill>
-            </a:endParaRPr>
-          </a:p>
-        </p:txBody>
-      </p:sp>
-      <p:sp>
-        <p:nvSpPr>
-          <p:cNvPr id="12" name="矩形 11"/>
-          <p:cNvSpPr/>
-          <p:nvPr/>
-        </p:nvSpPr>
-        <p:spPr>
-          <a:xfrm>
-            <a:off x="8283611" y="3180010"/>
-            <a:ext cx="1827319" cy="284410"/>
-          </a:xfrm>
-          <a:prstGeom prst="rect">
-            <a:avLst/>
-          </a:prstGeom>
-          <a:noFill/>
-          <a:ln w="28575">
-            <a:solidFill>
-              <a:srgbClr val="002060"/>
-            </a:solidFill>
-          </a:ln>
-        </p:spPr>
-        <p:style>
-          <a:lnRef idx="2">
-            <a:schemeClr val="accent1">
-              <a:shade val="50000"/>
-            </a:schemeClr>
-          </a:lnRef>
-          <a:fillRef idx="1">
-            <a:schemeClr val="accent1"/>
-          </a:fillRef>
-          <a:effectRef idx="0">
-            <a:schemeClr val="accent1"/>
-          </a:effectRef>
-          <a:fontRef idx="minor">
-            <a:schemeClr val="lt1"/>
-          </a:fontRef>
-        </p:style>
-        <p:txBody>
-          <a:bodyPr rtlCol="0" anchor="ctr"/>
-          <a:lstStyle/>
-          <a:p>
-            <a:pPr algn="ctr"/>
-            <a:r>
-              <a:rPr kumimoji="1" lang="zh-CN" altLang="en-US" dirty="0" smtClean="0">
-                <a:solidFill>
-                  <a:schemeClr val="tx1"/>
-                </a:solidFill>
-              </a:rPr>
-              <a:t>非数值型数据</a:t>
-            </a:r>
-            <a:endParaRPr kumimoji="1" lang="zh-CN" altLang="en-US" dirty="0">
-              <a:solidFill>
-                <a:schemeClr val="tx1"/>
-              </a:solidFill>
-            </a:endParaRPr>
-          </a:p>
-        </p:txBody>
-      </p:sp>
-      <p:sp>
-        <p:nvSpPr>
-          <p:cNvPr id="13" name="矩形 12"/>
-          <p:cNvSpPr/>
-          <p:nvPr/>
-        </p:nvSpPr>
-        <p:spPr>
-          <a:xfrm>
-            <a:off x="9274947" y="4137155"/>
-            <a:ext cx="767920" cy="284410"/>
-          </a:xfrm>
-          <a:prstGeom prst="rect">
-            <a:avLst/>
-          </a:prstGeom>
-          <a:noFill/>
-          <a:ln w="28575">
-            <a:solidFill>
-              <a:srgbClr val="002060"/>
-            </a:solidFill>
-          </a:ln>
-        </p:spPr>
-        <p:style>
-          <a:lnRef idx="2">
-            <a:schemeClr val="accent1">
-              <a:shade val="50000"/>
-            </a:schemeClr>
-          </a:lnRef>
-          <a:fillRef idx="1">
-            <a:schemeClr val="accent1"/>
-          </a:fillRef>
-          <a:effectRef idx="0">
-            <a:schemeClr val="accent1"/>
-          </a:effectRef>
-          <a:fontRef idx="minor">
-            <a:schemeClr val="lt1"/>
-          </a:fontRef>
-        </p:style>
-        <p:txBody>
-          <a:bodyPr rtlCol="0" anchor="ctr"/>
-          <a:lstStyle/>
-          <a:p>
-            <a:pPr algn="ctr"/>
-            <a:r>
-              <a:rPr kumimoji="1" lang="zh-CN" altLang="en-US" dirty="0" smtClean="0">
-                <a:solidFill>
-                  <a:schemeClr val="tx1"/>
-                </a:solidFill>
-              </a:rPr>
-              <a:t>子集</a:t>
-            </a:r>
-            <a:r>
-              <a:rPr kumimoji="1" lang="en-US" altLang="zh-CN" dirty="0" smtClean="0">
-                <a:solidFill>
-                  <a:schemeClr val="tx1"/>
-                </a:solidFill>
-              </a:rPr>
-              <a:t>3</a:t>
-            </a:r>
-            <a:endParaRPr kumimoji="1" lang="zh-CN" altLang="en-US" dirty="0">
-              <a:solidFill>
-                <a:schemeClr val="tx1"/>
-              </a:solidFill>
-            </a:endParaRPr>
-          </a:p>
-        </p:txBody>
-      </p:sp>
-      <p:sp>
-        <p:nvSpPr>
-          <p:cNvPr id="14" name="矩形 13"/>
-          <p:cNvSpPr/>
-          <p:nvPr/>
-        </p:nvSpPr>
-        <p:spPr>
-          <a:xfrm>
-            <a:off x="7438747" y="4150310"/>
-            <a:ext cx="767920" cy="284410"/>
-          </a:xfrm>
-          <a:prstGeom prst="rect">
-            <a:avLst/>
-          </a:prstGeom>
-          <a:noFill/>
-          <a:ln w="28575">
-            <a:solidFill>
-              <a:srgbClr val="002060"/>
-            </a:solidFill>
-          </a:ln>
-        </p:spPr>
-        <p:style>
-          <a:lnRef idx="2">
-            <a:schemeClr val="accent1">
-              <a:shade val="50000"/>
-            </a:schemeClr>
-          </a:lnRef>
-          <a:fillRef idx="1">
-            <a:schemeClr val="accent1"/>
-          </a:fillRef>
-          <a:effectRef idx="0">
-            <a:schemeClr val="accent1"/>
-          </a:effectRef>
-          <a:fontRef idx="minor">
-            <a:schemeClr val="lt1"/>
-          </a:fontRef>
-        </p:style>
-        <p:txBody>
-          <a:bodyPr rtlCol="0" anchor="ctr"/>
-          <a:lstStyle/>
-          <a:p>
-            <a:pPr algn="ctr"/>
-            <a:r>
-              <a:rPr kumimoji="1" lang="zh-CN" altLang="en-US" dirty="0" smtClean="0">
-                <a:solidFill>
-                  <a:schemeClr val="tx1"/>
-                </a:solidFill>
-              </a:rPr>
-              <a:t>子集</a:t>
-            </a:r>
-            <a:r>
-              <a:rPr kumimoji="1" lang="en-US" altLang="zh-CN" dirty="0" smtClean="0">
-                <a:solidFill>
-                  <a:schemeClr val="tx1"/>
-                </a:solidFill>
-              </a:rPr>
-              <a:t>1</a:t>
-            </a:r>
-            <a:endParaRPr kumimoji="1" lang="zh-CN" altLang="en-US" dirty="0">
-              <a:solidFill>
-                <a:schemeClr val="tx1"/>
-              </a:solidFill>
-            </a:endParaRPr>
-          </a:p>
-        </p:txBody>
-      </p:sp>
-      <p:sp>
-        <p:nvSpPr>
-          <p:cNvPr id="15" name="矩形 14"/>
-          <p:cNvSpPr/>
-          <p:nvPr/>
-        </p:nvSpPr>
-        <p:spPr>
-          <a:xfrm>
-            <a:off x="8356847" y="4150310"/>
-            <a:ext cx="767920" cy="284410"/>
-          </a:xfrm>
-          <a:prstGeom prst="rect">
-            <a:avLst/>
-          </a:prstGeom>
-          <a:noFill/>
-          <a:ln w="28575">
-            <a:solidFill>
-              <a:srgbClr val="002060"/>
-            </a:solidFill>
-          </a:ln>
-        </p:spPr>
-        <p:style>
-          <a:lnRef idx="2">
-            <a:schemeClr val="accent1">
-              <a:shade val="50000"/>
-            </a:schemeClr>
-          </a:lnRef>
-          <a:fillRef idx="1">
-            <a:schemeClr val="accent1"/>
-          </a:fillRef>
-          <a:effectRef idx="0">
-            <a:schemeClr val="accent1"/>
-          </a:effectRef>
-          <a:fontRef idx="minor">
-            <a:schemeClr val="lt1"/>
-          </a:fontRef>
-        </p:style>
-        <p:txBody>
-          <a:bodyPr rtlCol="0" anchor="ctr"/>
-          <a:lstStyle/>
-          <a:p>
-            <a:pPr algn="ctr"/>
-            <a:r>
-              <a:rPr kumimoji="1" lang="zh-CN" altLang="en-US" dirty="0" smtClean="0">
-                <a:solidFill>
-                  <a:schemeClr val="tx1"/>
-                </a:solidFill>
-              </a:rPr>
-              <a:t>子集</a:t>
-            </a:r>
-            <a:r>
-              <a:rPr kumimoji="1" lang="en-US" altLang="zh-CN" dirty="0" smtClean="0">
-                <a:solidFill>
-                  <a:schemeClr val="tx1"/>
-                </a:solidFill>
-              </a:rPr>
-              <a:t>2</a:t>
-            </a:r>
-            <a:endParaRPr kumimoji="1" lang="zh-CN" altLang="en-US" dirty="0">
-              <a:solidFill>
-                <a:schemeClr val="tx1"/>
-              </a:solidFill>
-            </a:endParaRPr>
-          </a:p>
-        </p:txBody>
-      </p:sp>
-      <p:sp>
-        <p:nvSpPr>
-          <p:cNvPr id="16" name="矩形 15"/>
-          <p:cNvSpPr/>
-          <p:nvPr/>
-        </p:nvSpPr>
-        <p:spPr>
-          <a:xfrm>
-            <a:off x="11230252" y="4137155"/>
-            <a:ext cx="861133" cy="284410"/>
-          </a:xfrm>
-          <a:prstGeom prst="rect">
-            <a:avLst/>
-          </a:prstGeom>
-          <a:noFill/>
-          <a:ln w="28575">
-            <a:solidFill>
-              <a:srgbClr val="002060"/>
-            </a:solidFill>
-          </a:ln>
-        </p:spPr>
-        <p:style>
-          <a:lnRef idx="2">
-            <a:schemeClr val="accent1">
-              <a:shade val="50000"/>
-            </a:schemeClr>
-          </a:lnRef>
-          <a:fillRef idx="1">
-            <a:schemeClr val="accent1"/>
-          </a:fillRef>
-          <a:effectRef idx="0">
-            <a:schemeClr val="accent1"/>
-          </a:effectRef>
-          <a:fontRef idx="minor">
-            <a:schemeClr val="lt1"/>
-          </a:fontRef>
-        </p:style>
-        <p:txBody>
-          <a:bodyPr rtlCol="0" anchor="ctr"/>
-          <a:lstStyle/>
-          <a:p>
-            <a:pPr algn="ctr"/>
-            <a:r>
-              <a:rPr kumimoji="1" lang="zh-CN" altLang="en-US" dirty="0" smtClean="0">
-                <a:solidFill>
-                  <a:schemeClr val="tx1"/>
-                </a:solidFill>
-              </a:rPr>
-              <a:t>子集</a:t>
-            </a:r>
-            <a:r>
-              <a:rPr kumimoji="1" lang="en-US" altLang="zh-CN" dirty="0" smtClean="0">
-                <a:solidFill>
-                  <a:schemeClr val="tx1"/>
-                </a:solidFill>
-              </a:rPr>
-              <a:t>n</a:t>
-            </a:r>
-            <a:endParaRPr kumimoji="1" lang="zh-CN" altLang="en-US" dirty="0">
-              <a:solidFill>
-                <a:schemeClr val="tx1"/>
-              </a:solidFill>
-            </a:endParaRPr>
-          </a:p>
-        </p:txBody>
-      </p:sp>
-      <p:sp>
-        <p:nvSpPr>
-          <p:cNvPr id="17" name="文本框 16"/>
+            <a:pPr lvl="0" defTabSz="914400" eaLnBrk="0" fontAlgn="base" hangingPunct="0">
+              <a:spcBef>
+                <a:spcPct val="0"/>
+              </a:spcBef>
+              <a:spcAft>
+                <a:spcPct val="0"/>
+              </a:spcAft>
+            </a:pPr>
+            <a:r>
+              <a:rPr lang="zh-CN" altLang="en-US" b="1" dirty="0" smtClean="0"/>
+              <a:t>约束条件</a:t>
+            </a:r>
+            <a:r>
+              <a:rPr lang="zh-CN" altLang="en-US" dirty="0" smtClean="0"/>
+              <a:t>：</a:t>
+            </a:r>
+            <a:endParaRPr lang="en-US" altLang="zh-CN" dirty="0" smtClean="0"/>
+          </a:p>
+          <a:p>
+            <a:pPr lvl="0" defTabSz="914400" eaLnBrk="0" fontAlgn="base" hangingPunct="0">
+              <a:spcBef>
+                <a:spcPct val="0"/>
+              </a:spcBef>
+              <a:spcAft>
+                <a:spcPct val="0"/>
+              </a:spcAft>
+            </a:pPr>
+            <a:r>
+              <a:rPr lang="en-US" altLang="zh-CN" dirty="0" smtClean="0"/>
+              <a:t>       </a:t>
+            </a:r>
+          </a:p>
+          <a:p>
+            <a:pPr lvl="0" defTabSz="914400" eaLnBrk="0" fontAlgn="base" hangingPunct="0">
+              <a:spcBef>
+                <a:spcPct val="0"/>
+              </a:spcBef>
+              <a:spcAft>
+                <a:spcPct val="0"/>
+              </a:spcAft>
+            </a:pPr>
+            <a:r>
+              <a:rPr lang="zh-CN" altLang="en-US" dirty="0" smtClean="0"/>
+              <a:t>考虑</a:t>
+            </a:r>
+            <a:r>
+              <a:rPr lang="zh-CN" altLang="en-US" dirty="0"/>
+              <a:t>到本次分类的情景，为了尽可能多的找到购买服务的客户，</a:t>
+            </a:r>
+            <a:r>
+              <a:rPr lang="zh-CN" altLang="en-US" dirty="0" smtClean="0"/>
+              <a:t>应当尽可能</a:t>
+            </a:r>
+            <a:r>
+              <a:rPr lang="zh-CN" altLang="en-US" dirty="0"/>
+              <a:t>增加真阳</a:t>
+            </a:r>
+            <a:r>
+              <a:rPr lang="zh-CN" altLang="en-US" dirty="0" smtClean="0"/>
+              <a:t>率</a:t>
+            </a:r>
+            <a:endParaRPr lang="zh-CN" altLang="zh-CN" dirty="0"/>
+          </a:p>
+        </p:txBody>
+      </p:sp>
+      <p:sp>
+        <p:nvSpPr>
+          <p:cNvPr id="4" name="文本框 3"/>
           <p:cNvSpPr txBox="1"/>
           <p:nvPr/>
         </p:nvSpPr>
         <p:spPr>
           <a:xfrm>
-            <a:off x="10349887" y="3965644"/>
-            <a:ext cx="727969" cy="369332"/>
+            <a:off x="1501804" y="4983387"/>
+            <a:ext cx="4279037" cy="923330"/>
           </a:xfrm>
           <a:prstGeom prst="rect">
             <a:avLst/>
@@ -14767,363 +14377,38 @@
           <a:lstStyle/>
           <a:p>
             <a:r>
+              <a:rPr lang="zh-CN" altLang="en-US" b="1" dirty="0"/>
+              <a:t>测试</a:t>
+            </a:r>
+            <a:r>
+              <a:rPr lang="zh-CN" altLang="en-US" b="1" dirty="0" smtClean="0"/>
+              <a:t>集</a:t>
+            </a:r>
+            <a:r>
+              <a:rPr lang="zh-CN" altLang="en-US" b="1" dirty="0" smtClean="0"/>
+              <a:t>选取</a:t>
+            </a:r>
+            <a:r>
+              <a:rPr lang="en-US" altLang="zh-CN" b="1" dirty="0" smtClean="0"/>
+              <a:t>:</a:t>
+            </a:r>
+            <a:endParaRPr lang="en-US" altLang="zh-CN" b="1" dirty="0" smtClean="0"/>
+          </a:p>
+          <a:p>
+            <a:endParaRPr lang="en-US" altLang="zh-CN" dirty="0"/>
+          </a:p>
+          <a:p>
+            <a:r>
               <a:rPr lang="zh-CN" altLang="en-US" dirty="0" smtClean="0"/>
-              <a:t>。。。</a:t>
-            </a:r>
-            <a:endParaRPr lang="zh-CN" altLang="en-US" dirty="0"/>
-          </a:p>
-        </p:txBody>
-      </p:sp>
-      <p:cxnSp>
-        <p:nvCxnSpPr>
-          <p:cNvPr id="19" name="直接连接符 18"/>
-          <p:cNvCxnSpPr>
-            <a:stCxn id="8" idx="2"/>
-            <a:endCxn id="10" idx="0"/>
-          </p:cNvCxnSpPr>
-          <p:nvPr/>
-        </p:nvCxnSpPr>
-        <p:spPr>
-          <a:xfrm flipH="1">
-            <a:off x="7812349" y="1305667"/>
-            <a:ext cx="1384922" cy="685890"/>
-          </a:xfrm>
-          <a:prstGeom prst="line">
-            <a:avLst/>
-          </a:prstGeom>
-        </p:spPr>
-        <p:style>
-          <a:lnRef idx="1">
-            <a:schemeClr val="accent1"/>
-          </a:lnRef>
-          <a:fillRef idx="0">
-            <a:schemeClr val="accent1"/>
-          </a:fillRef>
-          <a:effectRef idx="0">
-            <a:schemeClr val="accent1"/>
-          </a:effectRef>
-          <a:fontRef idx="minor">
-            <a:schemeClr val="tx1"/>
-          </a:fontRef>
-        </p:style>
-      </p:cxnSp>
-      <p:cxnSp>
-        <p:nvCxnSpPr>
-          <p:cNvPr id="20" name="直接连接符 19"/>
-          <p:cNvCxnSpPr>
-            <a:stCxn id="12" idx="2"/>
-            <a:endCxn id="16" idx="0"/>
-          </p:cNvCxnSpPr>
-          <p:nvPr/>
-        </p:nvCxnSpPr>
-        <p:spPr>
-          <a:xfrm>
-            <a:off x="9197271" y="3464420"/>
-            <a:ext cx="2463548" cy="672735"/>
-          </a:xfrm>
-          <a:prstGeom prst="line">
-            <a:avLst/>
-          </a:prstGeom>
-        </p:spPr>
-        <p:style>
-          <a:lnRef idx="1">
-            <a:schemeClr val="accent1"/>
-          </a:lnRef>
-          <a:fillRef idx="0">
-            <a:schemeClr val="accent1"/>
-          </a:fillRef>
-          <a:effectRef idx="0">
-            <a:schemeClr val="accent1"/>
-          </a:effectRef>
-          <a:fontRef idx="minor">
-            <a:schemeClr val="tx1"/>
-          </a:fontRef>
-        </p:style>
-      </p:cxnSp>
-      <p:cxnSp>
-        <p:nvCxnSpPr>
-          <p:cNvPr id="21" name="直接连接符 20"/>
-          <p:cNvCxnSpPr>
-            <a:stCxn id="12" idx="2"/>
-            <a:endCxn id="13" idx="0"/>
-          </p:cNvCxnSpPr>
-          <p:nvPr/>
-        </p:nvCxnSpPr>
-        <p:spPr>
-          <a:xfrm>
-            <a:off x="9197271" y="3464420"/>
-            <a:ext cx="461636" cy="672735"/>
-          </a:xfrm>
-          <a:prstGeom prst="line">
-            <a:avLst/>
-          </a:prstGeom>
-        </p:spPr>
-        <p:style>
-          <a:lnRef idx="1">
-            <a:schemeClr val="accent1"/>
-          </a:lnRef>
-          <a:fillRef idx="0">
-            <a:schemeClr val="accent1"/>
-          </a:fillRef>
-          <a:effectRef idx="0">
-            <a:schemeClr val="accent1"/>
-          </a:effectRef>
-          <a:fontRef idx="minor">
-            <a:schemeClr val="tx1"/>
-          </a:fontRef>
-        </p:style>
-      </p:cxnSp>
-      <p:cxnSp>
-        <p:nvCxnSpPr>
-          <p:cNvPr id="22" name="直接连接符 21"/>
-          <p:cNvCxnSpPr>
-            <a:stCxn id="12" idx="2"/>
-            <a:endCxn id="15" idx="0"/>
-          </p:cNvCxnSpPr>
-          <p:nvPr/>
-        </p:nvCxnSpPr>
-        <p:spPr>
-          <a:xfrm flipH="1">
-            <a:off x="8740807" y="3464420"/>
-            <a:ext cx="456464" cy="685890"/>
-          </a:xfrm>
-          <a:prstGeom prst="line">
-            <a:avLst/>
-          </a:prstGeom>
-        </p:spPr>
-        <p:style>
-          <a:lnRef idx="1">
-            <a:schemeClr val="accent1"/>
-          </a:lnRef>
-          <a:fillRef idx="0">
-            <a:schemeClr val="accent1"/>
-          </a:fillRef>
-          <a:effectRef idx="0">
-            <a:schemeClr val="accent1"/>
-          </a:effectRef>
-          <a:fontRef idx="minor">
-            <a:schemeClr val="tx1"/>
-          </a:fontRef>
-        </p:style>
-      </p:cxnSp>
-      <p:cxnSp>
-        <p:nvCxnSpPr>
-          <p:cNvPr id="23" name="直接连接符 22"/>
-          <p:cNvCxnSpPr>
-            <a:stCxn id="8" idx="2"/>
-            <a:endCxn id="9" idx="0"/>
-          </p:cNvCxnSpPr>
-          <p:nvPr/>
-        </p:nvCxnSpPr>
-        <p:spPr>
-          <a:xfrm>
-            <a:off x="9197271" y="1305667"/>
-            <a:ext cx="1348662" cy="685890"/>
-          </a:xfrm>
-          <a:prstGeom prst="line">
-            <a:avLst/>
-          </a:prstGeom>
-        </p:spPr>
-        <p:style>
-          <a:lnRef idx="1">
-            <a:schemeClr val="accent1"/>
-          </a:lnRef>
-          <a:fillRef idx="0">
-            <a:schemeClr val="accent1"/>
-          </a:fillRef>
-          <a:effectRef idx="0">
-            <a:schemeClr val="accent1"/>
-          </a:effectRef>
-          <a:fontRef idx="minor">
-            <a:schemeClr val="tx1"/>
-          </a:fontRef>
-        </p:style>
-      </p:cxnSp>
-      <p:cxnSp>
-        <p:nvCxnSpPr>
-          <p:cNvPr id="24" name="直接连接符 23"/>
-          <p:cNvCxnSpPr>
-            <a:stCxn id="12" idx="2"/>
-            <a:endCxn id="14" idx="0"/>
-          </p:cNvCxnSpPr>
-          <p:nvPr/>
-        </p:nvCxnSpPr>
-        <p:spPr>
-          <a:xfrm flipH="1">
-            <a:off x="7822707" y="3464420"/>
-            <a:ext cx="1374564" cy="685890"/>
-          </a:xfrm>
-          <a:prstGeom prst="line">
-            <a:avLst/>
-          </a:prstGeom>
-        </p:spPr>
-        <p:style>
-          <a:lnRef idx="1">
-            <a:schemeClr val="accent1"/>
-          </a:lnRef>
-          <a:fillRef idx="0">
-            <a:schemeClr val="accent1"/>
-          </a:fillRef>
-          <a:effectRef idx="0">
-            <a:schemeClr val="accent1"/>
-          </a:effectRef>
-          <a:fontRef idx="minor">
-            <a:schemeClr val="tx1"/>
-          </a:fontRef>
-        </p:style>
-      </p:cxnSp>
-      <p:sp>
-        <p:nvSpPr>
-          <p:cNvPr id="55" name="文本框 54"/>
-          <p:cNvSpPr txBox="1"/>
-          <p:nvPr/>
-        </p:nvSpPr>
-        <p:spPr>
-          <a:xfrm>
-            <a:off x="8043169" y="1535837"/>
-            <a:ext cx="898126" cy="369332"/>
-          </a:xfrm>
-          <a:prstGeom prst="rect">
-            <a:avLst/>
-          </a:prstGeom>
-          <a:noFill/>
-        </p:spPr>
-        <p:txBody>
-          <a:bodyPr wrap="square" rtlCol="0">
-            <a:spAutoFit/>
-          </a:bodyPr>
-          <a:lstStyle/>
-          <a:p>
-            <a:r>
-              <a:rPr lang="zh-CN" altLang="en-US" dirty="0"/>
-              <a:t>平均值</a:t>
-            </a:r>
-          </a:p>
-        </p:txBody>
-      </p:sp>
-      <p:sp>
-        <p:nvSpPr>
-          <p:cNvPr id="56" name="文本框 55"/>
-          <p:cNvSpPr txBox="1"/>
-          <p:nvPr/>
-        </p:nvSpPr>
-        <p:spPr>
-          <a:xfrm>
-            <a:off x="9712910" y="1535837"/>
-            <a:ext cx="898126" cy="369332"/>
-          </a:xfrm>
-          <a:prstGeom prst="rect">
-            <a:avLst/>
-          </a:prstGeom>
-          <a:noFill/>
-        </p:spPr>
-        <p:txBody>
-          <a:bodyPr wrap="square" rtlCol="0">
-            <a:spAutoFit/>
-          </a:bodyPr>
-          <a:lstStyle/>
-          <a:p>
-            <a:r>
-              <a:rPr lang="zh-CN" altLang="en-US" dirty="0"/>
-              <a:t>平均值</a:t>
-            </a:r>
-          </a:p>
-        </p:txBody>
-      </p:sp>
-      <p:sp>
-        <p:nvSpPr>
-          <p:cNvPr id="59" name="文本框 58"/>
-          <p:cNvSpPr txBox="1"/>
-          <p:nvPr/>
-        </p:nvSpPr>
-        <p:spPr>
-          <a:xfrm>
-            <a:off x="1080745" y="1749550"/>
-            <a:ext cx="5057309" cy="2862322"/>
-          </a:xfrm>
-          <a:prstGeom prst="rect">
-            <a:avLst/>
-          </a:prstGeom>
-          <a:noFill/>
-        </p:spPr>
-        <p:txBody>
-          <a:bodyPr wrap="square" rtlCol="0">
-            <a:spAutoFit/>
-          </a:bodyPr>
-          <a:lstStyle/>
-          <a:p>
-            <a:pPr marL="285750" indent="-285750">
-              <a:buFont typeface="Arial" panose="020B0604020202020204" pitchFamily="34" charset="0"/>
-              <a:buChar char="•"/>
-            </a:pPr>
-            <a:r>
-              <a:rPr lang="zh-CN" altLang="en-US" dirty="0"/>
-              <a:t>对于所有的数值型属性，以平均值为轴，将所有的用例分为两类</a:t>
+              <a:t>随机选取</a:t>
+            </a:r>
+            <a:r>
+              <a:rPr lang="en-US" altLang="zh-CN" dirty="0" smtClean="0"/>
+              <a:t>30%</a:t>
             </a:r>
             <a:r>
               <a:rPr lang="zh-CN" altLang="en-US" dirty="0" smtClean="0"/>
-              <a:t>；</a:t>
-            </a:r>
-            <a:endParaRPr lang="en-US" altLang="zh-CN" dirty="0" smtClean="0"/>
-          </a:p>
-          <a:p>
-            <a:pPr marL="285750" indent="-285750">
-              <a:buFont typeface="Arial" panose="020B0604020202020204" pitchFamily="34" charset="0"/>
-              <a:buChar char="•"/>
-            </a:pPr>
-            <a:endParaRPr lang="en-US" altLang="zh-CN" dirty="0"/>
-          </a:p>
-          <a:p>
-            <a:pPr marL="285750" indent="-285750">
-              <a:buFont typeface="Arial" panose="020B0604020202020204" pitchFamily="34" charset="0"/>
-              <a:buChar char="•"/>
-            </a:pPr>
-            <a:endParaRPr lang="en-US" altLang="zh-CN" dirty="0" smtClean="0"/>
-          </a:p>
-          <a:p>
-            <a:pPr marL="285750" indent="-285750">
-              <a:buFont typeface="Arial" panose="020B0604020202020204" pitchFamily="34" charset="0"/>
-              <a:buChar char="•"/>
-            </a:pPr>
-            <a:endParaRPr lang="en-US" altLang="zh-CN" dirty="0"/>
-          </a:p>
-          <a:p>
-            <a:pPr marL="285750" indent="-285750">
-              <a:buFont typeface="Arial" panose="020B0604020202020204" pitchFamily="34" charset="0"/>
-              <a:buChar char="•"/>
-            </a:pPr>
-            <a:endParaRPr lang="en-US" altLang="zh-CN" dirty="0" smtClean="0"/>
-          </a:p>
-          <a:p>
-            <a:pPr marL="285750" indent="-285750">
-              <a:buFont typeface="Arial" panose="020B0604020202020204" pitchFamily="34" charset="0"/>
-              <a:buChar char="•"/>
-            </a:pPr>
-            <a:endParaRPr lang="en-US" altLang="zh-CN" dirty="0"/>
-          </a:p>
-          <a:p>
-            <a:pPr marL="285750" indent="-285750">
-              <a:buFont typeface="Arial" panose="020B0604020202020204" pitchFamily="34" charset="0"/>
-              <a:buChar char="•"/>
-            </a:pPr>
-            <a:endParaRPr lang="en-US" altLang="zh-CN" dirty="0" smtClean="0"/>
-          </a:p>
-          <a:p>
-            <a:pPr marL="285750" indent="-285750">
-              <a:buFont typeface="Arial" panose="020B0604020202020204" pitchFamily="34" charset="0"/>
-              <a:buChar char="•"/>
-            </a:pPr>
-            <a:r>
-              <a:rPr lang="zh-CN" altLang="en-US" dirty="0" smtClean="0"/>
-              <a:t>对于</a:t>
-            </a:r>
-            <a:r>
-              <a:rPr lang="zh-CN" altLang="en-US" dirty="0"/>
-              <a:t>所有的非数值型属性，每一个属性值分为一类</a:t>
-            </a:r>
-            <a:r>
-              <a:rPr lang="zh-CN" altLang="en-US" dirty="0" smtClean="0"/>
-              <a:t>。</a:t>
+              <a:t>作为测试集</a:t>
             </a:r>
             <a:endParaRPr lang="zh-CN" altLang="en-US" dirty="0"/>
           </a:p>
@@ -15132,7 +14417,7 @@
     </p:spTree>
     <p:extLst>
       <p:ext uri="{BB962C8B-B14F-4D97-AF65-F5344CB8AC3E}">
-        <p14:creationId xmlns:p14="http://schemas.microsoft.com/office/powerpoint/2010/main" val="841824053"/>
+        <p14:creationId xmlns:p14="http://schemas.microsoft.com/office/powerpoint/2010/main" val="1834172133"/>
       </p:ext>
     </p:extLst>
   </p:cSld>
@@ -15176,7 +14461,7 @@
           <a:p>
             <a:r>
               <a:rPr lang="zh-CN" altLang="en-US" dirty="0" smtClean="0"/>
-              <a:t>正负样例平衡方法</a:t>
+              <a:t>决策树分类</a:t>
             </a:r>
             <a:endParaRPr lang="zh-CN" altLang="en-US" dirty="0"/>
           </a:p>
@@ -15198,8 +14483,12 @@
           <a:lstStyle/>
           <a:p>
             <a:r>
+              <a:rPr lang="en-US" altLang="zh-CN" sz="2400" dirty="0"/>
+              <a:t>2</a:t>
+            </a:r>
+            <a:r>
               <a:rPr lang="en-US" altLang="zh-CN" sz="2400" dirty="0" smtClean="0"/>
-              <a:t>2-2</a:t>
+              <a:t>-1</a:t>
             </a:r>
             <a:endParaRPr lang="zh-CN" altLang="en-US" sz="2400" dirty="0"/>
           </a:p>
@@ -15234,39 +14523,15 @@
           </a:p>
         </p:txBody>
       </p:sp>
-      <p:pic>
-        <p:nvPicPr>
-          <p:cNvPr id="5" name="图片 4"/>
-          <p:cNvPicPr>
-            <a:picLocks noChangeAspect="1"/>
-          </p:cNvPicPr>
-          <p:nvPr/>
-        </p:nvPicPr>
-        <p:blipFill>
-          <a:blip r:embed="rId2"/>
-          <a:stretch>
-            <a:fillRect/>
-          </a:stretch>
-        </p:blipFill>
-        <p:spPr>
-          <a:xfrm>
-            <a:off x="1166720" y="1061530"/>
-            <a:ext cx="9361826" cy="1929599"/>
-          </a:xfrm>
-          <a:prstGeom prst="rect">
-            <a:avLst/>
-          </a:prstGeom>
-        </p:spPr>
-      </p:pic>
-      <p:sp>
-        <p:nvSpPr>
-          <p:cNvPr id="7" name="矩形 6"/>
+      <p:sp>
+        <p:nvSpPr>
+          <p:cNvPr id="8" name="矩形 7"/>
           <p:cNvSpPr/>
           <p:nvPr/>
         </p:nvSpPr>
         <p:spPr>
           <a:xfrm>
-            <a:off x="4537971" y="3540129"/>
+            <a:off x="7758344" y="1589876"/>
             <a:ext cx="1489972" cy="284410"/>
           </a:xfrm>
           <a:prstGeom prst="rect">
@@ -15306,7 +14571,7 @@
                   <a:schemeClr val="tx1"/>
                 </a:solidFill>
               </a:rPr>
-              <a:t>样例集</a:t>
+              <a:t>数值型数据</a:t>
             </a:r>
             <a:endParaRPr kumimoji="1" lang="zh-CN" altLang="en-US" dirty="0">
               <a:solidFill>
@@ -15318,13 +14583,13 @@
       </p:sp>
       <p:sp>
         <p:nvSpPr>
-          <p:cNvPr id="8" name="矩形 7"/>
+          <p:cNvPr id="9" name="矩形 8"/>
           <p:cNvSpPr/>
           <p:nvPr/>
         </p:nvSpPr>
         <p:spPr>
           <a:xfrm>
-            <a:off x="6247659" y="4510429"/>
+            <a:off x="9468032" y="2560176"/>
             <a:ext cx="767920" cy="284410"/>
           </a:xfrm>
           <a:prstGeom prst="rect">
@@ -15384,13 +14649,13 @@
       </p:sp>
       <p:sp>
         <p:nvSpPr>
-          <p:cNvPr id="9" name="矩形 8"/>
+          <p:cNvPr id="10" name="矩形 9"/>
           <p:cNvSpPr/>
           <p:nvPr/>
         </p:nvSpPr>
         <p:spPr>
           <a:xfrm>
-            <a:off x="3514075" y="4510429"/>
+            <a:off x="6734448" y="2560176"/>
             <a:ext cx="767920" cy="284410"/>
           </a:xfrm>
           <a:prstGeom prst="rect">
@@ -15448,18 +14713,370 @@
           </a:p>
         </p:txBody>
       </p:sp>
+      <p:sp>
+        <p:nvSpPr>
+          <p:cNvPr id="12" name="矩形 11"/>
+          <p:cNvSpPr/>
+          <p:nvPr/>
+        </p:nvSpPr>
+        <p:spPr>
+          <a:xfrm>
+            <a:off x="7662174" y="3823439"/>
+            <a:ext cx="1827319" cy="284410"/>
+          </a:xfrm>
+          <a:prstGeom prst="rect">
+            <a:avLst/>
+          </a:prstGeom>
+          <a:noFill/>
+          <a:ln w="28575">
+            <a:solidFill>
+              <a:srgbClr val="002060"/>
+            </a:solidFill>
+          </a:ln>
+        </p:spPr>
+        <p:style>
+          <a:lnRef idx="2">
+            <a:schemeClr val="accent1">
+              <a:shade val="50000"/>
+            </a:schemeClr>
+          </a:lnRef>
+          <a:fillRef idx="1">
+            <a:schemeClr val="accent1"/>
+          </a:fillRef>
+          <a:effectRef idx="0">
+            <a:schemeClr val="accent1"/>
+          </a:effectRef>
+          <a:fontRef idx="minor">
+            <a:schemeClr val="lt1"/>
+          </a:fontRef>
+        </p:style>
+        <p:txBody>
+          <a:bodyPr rtlCol="0" anchor="ctr"/>
+          <a:lstStyle/>
+          <a:p>
+            <a:pPr algn="ctr"/>
+            <a:r>
+              <a:rPr kumimoji="1" lang="zh-CN" altLang="en-US" dirty="0" smtClean="0">
+                <a:solidFill>
+                  <a:schemeClr val="tx1"/>
+                </a:solidFill>
+              </a:rPr>
+              <a:t>非数值型数据</a:t>
+            </a:r>
+            <a:endParaRPr kumimoji="1" lang="zh-CN" altLang="en-US" dirty="0">
+              <a:solidFill>
+                <a:schemeClr val="tx1"/>
+              </a:solidFill>
+            </a:endParaRPr>
+          </a:p>
+        </p:txBody>
+      </p:sp>
+      <p:sp>
+        <p:nvSpPr>
+          <p:cNvPr id="13" name="矩形 12"/>
+          <p:cNvSpPr/>
+          <p:nvPr/>
+        </p:nvSpPr>
+        <p:spPr>
+          <a:xfrm>
+            <a:off x="8653510" y="4780584"/>
+            <a:ext cx="767920" cy="284410"/>
+          </a:xfrm>
+          <a:prstGeom prst="rect">
+            <a:avLst/>
+          </a:prstGeom>
+          <a:noFill/>
+          <a:ln w="28575">
+            <a:solidFill>
+              <a:srgbClr val="002060"/>
+            </a:solidFill>
+          </a:ln>
+        </p:spPr>
+        <p:style>
+          <a:lnRef idx="2">
+            <a:schemeClr val="accent1">
+              <a:shade val="50000"/>
+            </a:schemeClr>
+          </a:lnRef>
+          <a:fillRef idx="1">
+            <a:schemeClr val="accent1"/>
+          </a:fillRef>
+          <a:effectRef idx="0">
+            <a:schemeClr val="accent1"/>
+          </a:effectRef>
+          <a:fontRef idx="minor">
+            <a:schemeClr val="lt1"/>
+          </a:fontRef>
+        </p:style>
+        <p:txBody>
+          <a:bodyPr rtlCol="0" anchor="ctr"/>
+          <a:lstStyle/>
+          <a:p>
+            <a:pPr algn="ctr"/>
+            <a:r>
+              <a:rPr kumimoji="1" lang="zh-CN" altLang="en-US" dirty="0" smtClean="0">
+                <a:solidFill>
+                  <a:schemeClr val="tx1"/>
+                </a:solidFill>
+              </a:rPr>
+              <a:t>子集</a:t>
+            </a:r>
+            <a:r>
+              <a:rPr kumimoji="1" lang="en-US" altLang="zh-CN" dirty="0" smtClean="0">
+                <a:solidFill>
+                  <a:schemeClr val="tx1"/>
+                </a:solidFill>
+              </a:rPr>
+              <a:t>3</a:t>
+            </a:r>
+            <a:endParaRPr kumimoji="1" lang="zh-CN" altLang="en-US" dirty="0">
+              <a:solidFill>
+                <a:schemeClr val="tx1"/>
+              </a:solidFill>
+            </a:endParaRPr>
+          </a:p>
+        </p:txBody>
+      </p:sp>
+      <p:sp>
+        <p:nvSpPr>
+          <p:cNvPr id="14" name="矩形 13"/>
+          <p:cNvSpPr/>
+          <p:nvPr/>
+        </p:nvSpPr>
+        <p:spPr>
+          <a:xfrm>
+            <a:off x="6817310" y="4793739"/>
+            <a:ext cx="767920" cy="284410"/>
+          </a:xfrm>
+          <a:prstGeom prst="rect">
+            <a:avLst/>
+          </a:prstGeom>
+          <a:noFill/>
+          <a:ln w="28575">
+            <a:solidFill>
+              <a:srgbClr val="002060"/>
+            </a:solidFill>
+          </a:ln>
+        </p:spPr>
+        <p:style>
+          <a:lnRef idx="2">
+            <a:schemeClr val="accent1">
+              <a:shade val="50000"/>
+            </a:schemeClr>
+          </a:lnRef>
+          <a:fillRef idx="1">
+            <a:schemeClr val="accent1"/>
+          </a:fillRef>
+          <a:effectRef idx="0">
+            <a:schemeClr val="accent1"/>
+          </a:effectRef>
+          <a:fontRef idx="minor">
+            <a:schemeClr val="lt1"/>
+          </a:fontRef>
+        </p:style>
+        <p:txBody>
+          <a:bodyPr rtlCol="0" anchor="ctr"/>
+          <a:lstStyle/>
+          <a:p>
+            <a:pPr algn="ctr"/>
+            <a:r>
+              <a:rPr kumimoji="1" lang="zh-CN" altLang="en-US" dirty="0" smtClean="0">
+                <a:solidFill>
+                  <a:schemeClr val="tx1"/>
+                </a:solidFill>
+              </a:rPr>
+              <a:t>子集</a:t>
+            </a:r>
+            <a:r>
+              <a:rPr kumimoji="1" lang="en-US" altLang="zh-CN" dirty="0" smtClean="0">
+                <a:solidFill>
+                  <a:schemeClr val="tx1"/>
+                </a:solidFill>
+              </a:rPr>
+              <a:t>1</a:t>
+            </a:r>
+            <a:endParaRPr kumimoji="1" lang="zh-CN" altLang="en-US" dirty="0">
+              <a:solidFill>
+                <a:schemeClr val="tx1"/>
+              </a:solidFill>
+            </a:endParaRPr>
+          </a:p>
+        </p:txBody>
+      </p:sp>
+      <p:sp>
+        <p:nvSpPr>
+          <p:cNvPr id="15" name="矩形 14"/>
+          <p:cNvSpPr/>
+          <p:nvPr/>
+        </p:nvSpPr>
+        <p:spPr>
+          <a:xfrm>
+            <a:off x="7735410" y="4793739"/>
+            <a:ext cx="767920" cy="284410"/>
+          </a:xfrm>
+          <a:prstGeom prst="rect">
+            <a:avLst/>
+          </a:prstGeom>
+          <a:noFill/>
+          <a:ln w="28575">
+            <a:solidFill>
+              <a:srgbClr val="002060"/>
+            </a:solidFill>
+          </a:ln>
+        </p:spPr>
+        <p:style>
+          <a:lnRef idx="2">
+            <a:schemeClr val="accent1">
+              <a:shade val="50000"/>
+            </a:schemeClr>
+          </a:lnRef>
+          <a:fillRef idx="1">
+            <a:schemeClr val="accent1"/>
+          </a:fillRef>
+          <a:effectRef idx="0">
+            <a:schemeClr val="accent1"/>
+          </a:effectRef>
+          <a:fontRef idx="minor">
+            <a:schemeClr val="lt1"/>
+          </a:fontRef>
+        </p:style>
+        <p:txBody>
+          <a:bodyPr rtlCol="0" anchor="ctr"/>
+          <a:lstStyle/>
+          <a:p>
+            <a:pPr algn="ctr"/>
+            <a:r>
+              <a:rPr kumimoji="1" lang="zh-CN" altLang="en-US" dirty="0" smtClean="0">
+                <a:solidFill>
+                  <a:schemeClr val="tx1"/>
+                </a:solidFill>
+              </a:rPr>
+              <a:t>子集</a:t>
+            </a:r>
+            <a:r>
+              <a:rPr kumimoji="1" lang="en-US" altLang="zh-CN" dirty="0" smtClean="0">
+                <a:solidFill>
+                  <a:schemeClr val="tx1"/>
+                </a:solidFill>
+              </a:rPr>
+              <a:t>2</a:t>
+            </a:r>
+            <a:endParaRPr kumimoji="1" lang="zh-CN" altLang="en-US" dirty="0">
+              <a:solidFill>
+                <a:schemeClr val="tx1"/>
+              </a:solidFill>
+            </a:endParaRPr>
+          </a:p>
+        </p:txBody>
+      </p:sp>
+      <p:sp>
+        <p:nvSpPr>
+          <p:cNvPr id="16" name="矩形 15"/>
+          <p:cNvSpPr/>
+          <p:nvPr/>
+        </p:nvSpPr>
+        <p:spPr>
+          <a:xfrm>
+            <a:off x="10608815" y="4780584"/>
+            <a:ext cx="861133" cy="284410"/>
+          </a:xfrm>
+          <a:prstGeom prst="rect">
+            <a:avLst/>
+          </a:prstGeom>
+          <a:noFill/>
+          <a:ln w="28575">
+            <a:solidFill>
+              <a:srgbClr val="002060"/>
+            </a:solidFill>
+          </a:ln>
+        </p:spPr>
+        <p:style>
+          <a:lnRef idx="2">
+            <a:schemeClr val="accent1">
+              <a:shade val="50000"/>
+            </a:schemeClr>
+          </a:lnRef>
+          <a:fillRef idx="1">
+            <a:schemeClr val="accent1"/>
+          </a:fillRef>
+          <a:effectRef idx="0">
+            <a:schemeClr val="accent1"/>
+          </a:effectRef>
+          <a:fontRef idx="minor">
+            <a:schemeClr val="lt1"/>
+          </a:fontRef>
+        </p:style>
+        <p:txBody>
+          <a:bodyPr rtlCol="0" anchor="ctr"/>
+          <a:lstStyle/>
+          <a:p>
+            <a:pPr algn="ctr"/>
+            <a:r>
+              <a:rPr kumimoji="1" lang="zh-CN" altLang="en-US" dirty="0" smtClean="0">
+                <a:solidFill>
+                  <a:schemeClr val="tx1"/>
+                </a:solidFill>
+              </a:rPr>
+              <a:t>子集</a:t>
+            </a:r>
+            <a:r>
+              <a:rPr kumimoji="1" lang="en-US" altLang="zh-CN" dirty="0" smtClean="0">
+                <a:solidFill>
+                  <a:schemeClr val="tx1"/>
+                </a:solidFill>
+              </a:rPr>
+              <a:t>n</a:t>
+            </a:r>
+            <a:endParaRPr kumimoji="1" lang="zh-CN" altLang="en-US" dirty="0">
+              <a:solidFill>
+                <a:schemeClr val="tx1"/>
+              </a:solidFill>
+            </a:endParaRPr>
+          </a:p>
+        </p:txBody>
+      </p:sp>
+      <p:sp>
+        <p:nvSpPr>
+          <p:cNvPr id="17" name="文本框 16"/>
+          <p:cNvSpPr txBox="1"/>
+          <p:nvPr/>
+        </p:nvSpPr>
+        <p:spPr>
+          <a:xfrm>
+            <a:off x="9728450" y="4609073"/>
+            <a:ext cx="727969" cy="369332"/>
+          </a:xfrm>
+          <a:prstGeom prst="rect">
+            <a:avLst/>
+          </a:prstGeom>
+          <a:noFill/>
+        </p:spPr>
+        <p:txBody>
+          <a:bodyPr wrap="square" rtlCol="0">
+            <a:spAutoFit/>
+          </a:bodyPr>
+          <a:lstStyle/>
+          <a:p>
+            <a:r>
+              <a:rPr lang="zh-CN" altLang="en-US" dirty="0" smtClean="0"/>
+              <a:t>。。。</a:t>
+            </a:r>
+            <a:endParaRPr lang="zh-CN" altLang="en-US" dirty="0"/>
+          </a:p>
+        </p:txBody>
+      </p:sp>
       <p:cxnSp>
         <p:nvCxnSpPr>
-          <p:cNvPr id="10" name="直接连接符 9"/>
+          <p:cNvPr id="19" name="直接连接符 18"/>
           <p:cNvCxnSpPr>
-            <a:stCxn id="7" idx="2"/>
-            <a:endCxn id="9" idx="0"/>
+            <a:stCxn id="8" idx="2"/>
+            <a:endCxn id="10" idx="0"/>
           </p:cNvCxnSpPr>
           <p:nvPr/>
         </p:nvCxnSpPr>
         <p:spPr>
           <a:xfrm flipH="1">
-            <a:off x="3898035" y="3824539"/>
+            <a:off x="7118408" y="1874286"/>
             <a:ext cx="1384922" cy="685890"/>
           </a:xfrm>
           <a:prstGeom prst="line">
@@ -15483,17 +15100,17 @@
       </p:cxnSp>
       <p:cxnSp>
         <p:nvCxnSpPr>
-          <p:cNvPr id="11" name="直接连接符 10"/>
+          <p:cNvPr id="20" name="直接连接符 19"/>
           <p:cNvCxnSpPr>
-            <a:stCxn id="7" idx="2"/>
-            <a:endCxn id="8" idx="0"/>
+            <a:stCxn id="12" idx="2"/>
+            <a:endCxn id="16" idx="0"/>
           </p:cNvCxnSpPr>
           <p:nvPr/>
         </p:nvCxnSpPr>
         <p:spPr>
           <a:xfrm>
-            <a:off x="5282957" y="3824539"/>
-            <a:ext cx="1348662" cy="685890"/>
+            <a:off x="8575834" y="4107849"/>
+            <a:ext cx="2463548" cy="672735"/>
           </a:xfrm>
           <a:prstGeom prst="line">
             <a:avLst/>
@@ -15514,232 +15131,148 @@
           </a:fontRef>
         </p:style>
       </p:cxnSp>
-      <p:sp>
-        <p:nvSpPr>
-          <p:cNvPr id="14" name="剪去单角的矩形 13"/>
-          <p:cNvSpPr/>
+      <p:cxnSp>
+        <p:nvCxnSpPr>
+          <p:cNvPr id="21" name="直接连接符 20"/>
+          <p:cNvCxnSpPr>
+            <a:stCxn id="12" idx="2"/>
+            <a:endCxn id="13" idx="0"/>
+          </p:cNvCxnSpPr>
           <p:nvPr/>
-        </p:nvSpPr>
-        <p:spPr>
-          <a:xfrm>
-            <a:off x="3063534" y="5079818"/>
-            <a:ext cx="1669002" cy="949911"/>
-          </a:xfrm>
-          <a:prstGeom prst="snip1Rect">
-            <a:avLst/>
-          </a:prstGeom>
-          <a:noFill/>
-          <a:ln w="19050">
-            <a:solidFill>
-              <a:srgbClr val="FF0000"/>
-            </a:solidFill>
-          </a:ln>
+        </p:nvCxnSpPr>
+        <p:spPr>
+          <a:xfrm>
+            <a:off x="8575834" y="4107849"/>
+            <a:ext cx="461636" cy="672735"/>
+          </a:xfrm>
+          <a:prstGeom prst="line">
+            <a:avLst/>
+          </a:prstGeom>
         </p:spPr>
         <p:style>
-          <a:lnRef idx="2">
-            <a:schemeClr val="accent1">
-              <a:shade val="50000"/>
-            </a:schemeClr>
+          <a:lnRef idx="1">
+            <a:schemeClr val="accent1"/>
           </a:lnRef>
-          <a:fillRef idx="1">
+          <a:fillRef idx="0">
             <a:schemeClr val="accent1"/>
           </a:fillRef>
           <a:effectRef idx="0">
             <a:schemeClr val="accent1"/>
           </a:effectRef>
           <a:fontRef idx="minor">
-            <a:schemeClr val="lt1"/>
+            <a:schemeClr val="tx1"/>
           </a:fontRef>
         </p:style>
-        <p:txBody>
-          <a:bodyPr rtlCol="0" anchor="ctr"/>
-          <a:lstStyle/>
-          <a:p>
-            <a:pPr algn="ctr"/>
-            <a:r>
-              <a:rPr kumimoji="1" lang="zh-CN" altLang="en-US" dirty="0" smtClean="0">
-                <a:solidFill>
-                  <a:schemeClr val="tx1"/>
-                </a:solidFill>
-              </a:rPr>
-              <a:t>正例：</a:t>
-            </a:r>
-            <a:r>
-              <a:rPr kumimoji="1" lang="en-US" altLang="zh-CN" dirty="0" smtClean="0">
-                <a:solidFill>
-                  <a:schemeClr val="tx1"/>
-                </a:solidFill>
-              </a:rPr>
-              <a:t>10</a:t>
-            </a:r>
-          </a:p>
-          <a:p>
-            <a:pPr algn="ctr"/>
-            <a:r>
-              <a:rPr kumimoji="1" lang="zh-CN" altLang="en-US" dirty="0">
-                <a:solidFill>
-                  <a:schemeClr val="tx1"/>
-                </a:solidFill>
-              </a:rPr>
-              <a:t>负</a:t>
-            </a:r>
-            <a:r>
-              <a:rPr kumimoji="1" lang="zh-CN" altLang="en-US" dirty="0" smtClean="0">
-                <a:solidFill>
-                  <a:schemeClr val="tx1"/>
-                </a:solidFill>
-              </a:rPr>
-              <a:t>例：</a:t>
-            </a:r>
-            <a:r>
-              <a:rPr kumimoji="1" lang="en-US" altLang="zh-CN" dirty="0">
-                <a:solidFill>
-                  <a:schemeClr val="tx1"/>
-                </a:solidFill>
-              </a:rPr>
-              <a:t>1</a:t>
-            </a:r>
-            <a:r>
-              <a:rPr kumimoji="1" lang="en-US" altLang="zh-CN" dirty="0" smtClean="0">
-                <a:solidFill>
-                  <a:schemeClr val="tx1"/>
-                </a:solidFill>
-              </a:rPr>
-              <a:t>0</a:t>
-            </a:r>
-          </a:p>
-          <a:p>
-            <a:pPr algn="ctr"/>
-            <a:r>
-              <a:rPr kumimoji="1" lang="en-US" altLang="zh-CN" dirty="0">
-                <a:solidFill>
-                  <a:schemeClr val="tx1"/>
-                </a:solidFill>
-              </a:rPr>
-              <a:t>Y</a:t>
-            </a:r>
-            <a:endParaRPr kumimoji="1" lang="zh-CN" altLang="en-US" dirty="0">
-              <a:solidFill>
-                <a:schemeClr val="tx1"/>
-              </a:solidFill>
-            </a:endParaRPr>
-          </a:p>
-        </p:txBody>
-      </p:sp>
-      <p:sp>
-        <p:nvSpPr>
-          <p:cNvPr id="15" name="剪去单角的矩形 14"/>
-          <p:cNvSpPr/>
+      </p:cxnSp>
+      <p:cxnSp>
+        <p:nvCxnSpPr>
+          <p:cNvPr id="22" name="直接连接符 21"/>
+          <p:cNvCxnSpPr>
+            <a:stCxn id="12" idx="2"/>
+            <a:endCxn id="15" idx="0"/>
+          </p:cNvCxnSpPr>
           <p:nvPr/>
-        </p:nvSpPr>
-        <p:spPr>
-          <a:xfrm>
-            <a:off x="5821372" y="5079817"/>
-            <a:ext cx="1669002" cy="949911"/>
-          </a:xfrm>
-          <a:prstGeom prst="snip1Rect">
-            <a:avLst/>
-          </a:prstGeom>
-          <a:noFill/>
-          <a:ln w="19050">
-            <a:solidFill>
-              <a:srgbClr val="FF0000"/>
-            </a:solidFill>
-          </a:ln>
+        </p:nvCxnSpPr>
+        <p:spPr>
+          <a:xfrm flipH="1">
+            <a:off x="8119370" y="4107849"/>
+            <a:ext cx="456464" cy="685890"/>
+          </a:xfrm>
+          <a:prstGeom prst="line">
+            <a:avLst/>
+          </a:prstGeom>
         </p:spPr>
         <p:style>
-          <a:lnRef idx="2">
-            <a:schemeClr val="accent1">
-              <a:shade val="50000"/>
-            </a:schemeClr>
+          <a:lnRef idx="1">
+            <a:schemeClr val="accent1"/>
           </a:lnRef>
-          <a:fillRef idx="1">
+          <a:fillRef idx="0">
             <a:schemeClr val="accent1"/>
           </a:fillRef>
           <a:effectRef idx="0">
             <a:schemeClr val="accent1"/>
           </a:effectRef>
           <a:fontRef idx="minor">
-            <a:schemeClr val="lt1"/>
+            <a:schemeClr val="tx1"/>
           </a:fontRef>
         </p:style>
-        <p:txBody>
-          <a:bodyPr rtlCol="0" anchor="ctr"/>
-          <a:lstStyle/>
-          <a:p>
-            <a:pPr algn="ctr"/>
-            <a:r>
-              <a:rPr kumimoji="1" lang="zh-CN" altLang="en-US" dirty="0" smtClean="0">
-                <a:solidFill>
-                  <a:schemeClr val="tx1"/>
-                </a:solidFill>
-              </a:rPr>
-              <a:t>正例：</a:t>
-            </a:r>
-            <a:r>
-              <a:rPr kumimoji="1" lang="en-US" altLang="zh-CN" dirty="0" smtClean="0">
-                <a:solidFill>
-                  <a:schemeClr val="tx1"/>
-                </a:solidFill>
-              </a:rPr>
-              <a:t>0</a:t>
-            </a:r>
-          </a:p>
-          <a:p>
-            <a:pPr algn="ctr"/>
-            <a:r>
-              <a:rPr kumimoji="1" lang="zh-CN" altLang="en-US" dirty="0">
-                <a:solidFill>
-                  <a:schemeClr val="tx1"/>
-                </a:solidFill>
-              </a:rPr>
-              <a:t>负</a:t>
-            </a:r>
-            <a:r>
-              <a:rPr kumimoji="1" lang="zh-CN" altLang="en-US" dirty="0" smtClean="0">
-                <a:solidFill>
-                  <a:schemeClr val="tx1"/>
-                </a:solidFill>
-              </a:rPr>
-              <a:t>例：</a:t>
-            </a:r>
-            <a:r>
-              <a:rPr kumimoji="1" lang="en-US" altLang="zh-CN" dirty="0" smtClean="0">
-                <a:solidFill>
-                  <a:schemeClr val="tx1"/>
-                </a:solidFill>
-              </a:rPr>
-              <a:t>10</a:t>
-            </a:r>
-          </a:p>
-          <a:p>
-            <a:pPr algn="ctr"/>
-            <a:r>
-              <a:rPr kumimoji="1" lang="en-US" altLang="zh-CN" dirty="0">
-                <a:solidFill>
-                  <a:schemeClr val="tx1"/>
-                </a:solidFill>
-              </a:rPr>
-              <a:t>N</a:t>
-            </a:r>
-            <a:endParaRPr kumimoji="1" lang="zh-CN" altLang="en-US" dirty="0">
-              <a:solidFill>
-                <a:schemeClr val="tx1"/>
-              </a:solidFill>
-            </a:endParaRPr>
-          </a:p>
-        </p:txBody>
-      </p:sp>
-      <p:sp>
-        <p:nvSpPr>
-          <p:cNvPr id="16" name="文本框 15"/>
+      </p:cxnSp>
+      <p:cxnSp>
+        <p:nvCxnSpPr>
+          <p:cNvPr id="23" name="直接连接符 22"/>
+          <p:cNvCxnSpPr>
+            <a:stCxn id="8" idx="2"/>
+            <a:endCxn id="9" idx="0"/>
+          </p:cNvCxnSpPr>
+          <p:nvPr/>
+        </p:nvCxnSpPr>
+        <p:spPr>
+          <a:xfrm>
+            <a:off x="8503330" y="1874286"/>
+            <a:ext cx="1348662" cy="685890"/>
+          </a:xfrm>
+          <a:prstGeom prst="line">
+            <a:avLst/>
+          </a:prstGeom>
+        </p:spPr>
+        <p:style>
+          <a:lnRef idx="1">
+            <a:schemeClr val="accent1"/>
+          </a:lnRef>
+          <a:fillRef idx="0">
+            <a:schemeClr val="accent1"/>
+          </a:fillRef>
+          <a:effectRef idx="0">
+            <a:schemeClr val="accent1"/>
+          </a:effectRef>
+          <a:fontRef idx="minor">
+            <a:schemeClr val="tx1"/>
+          </a:fontRef>
+        </p:style>
+      </p:cxnSp>
+      <p:cxnSp>
+        <p:nvCxnSpPr>
+          <p:cNvPr id="24" name="直接连接符 23"/>
+          <p:cNvCxnSpPr>
+            <a:stCxn id="12" idx="2"/>
+            <a:endCxn id="14" idx="0"/>
+          </p:cNvCxnSpPr>
+          <p:nvPr/>
+        </p:nvCxnSpPr>
+        <p:spPr>
+          <a:xfrm flipH="1">
+            <a:off x="7201270" y="4107849"/>
+            <a:ext cx="1374564" cy="685890"/>
+          </a:xfrm>
+          <a:prstGeom prst="line">
+            <a:avLst/>
+          </a:prstGeom>
+        </p:spPr>
+        <p:style>
+          <a:lnRef idx="1">
+            <a:schemeClr val="accent1"/>
+          </a:lnRef>
+          <a:fillRef idx="0">
+            <a:schemeClr val="accent1"/>
+          </a:fillRef>
+          <a:effectRef idx="0">
+            <a:schemeClr val="accent1"/>
+          </a:effectRef>
+          <a:fontRef idx="minor">
+            <a:schemeClr val="tx1"/>
+          </a:fontRef>
+        </p:style>
+      </p:cxnSp>
+      <p:sp>
+        <p:nvSpPr>
+          <p:cNvPr id="55" name="文本框 54"/>
           <p:cNvSpPr txBox="1"/>
           <p:nvPr/>
         </p:nvSpPr>
         <p:spPr>
           <a:xfrm>
-            <a:off x="1083076" y="3462291"/>
-            <a:ext cx="2352582" cy="369332"/>
+            <a:off x="7349228" y="2104456"/>
+            <a:ext cx="898126" cy="369332"/>
           </a:xfrm>
           <a:prstGeom prst="rect">
             <a:avLst/>
@@ -15753,16 +15286,151 @@
           <a:lstStyle/>
           <a:p>
             <a:r>
+              <a:rPr lang="zh-CN" altLang="en-US" dirty="0"/>
+              <a:t>平均值</a:t>
+            </a:r>
+          </a:p>
+        </p:txBody>
+      </p:sp>
+      <p:sp>
+        <p:nvSpPr>
+          <p:cNvPr id="56" name="文本框 55"/>
+          <p:cNvSpPr txBox="1"/>
+          <p:nvPr/>
+        </p:nvSpPr>
+        <p:spPr>
+          <a:xfrm>
+            <a:off x="9018969" y="2104456"/>
+            <a:ext cx="898126" cy="369332"/>
+          </a:xfrm>
+          <a:prstGeom prst="rect">
+            <a:avLst/>
+          </a:prstGeom>
+          <a:noFill/>
+        </p:spPr>
+        <p:txBody>
+          <a:bodyPr wrap="square" rtlCol="0">
+            <a:spAutoFit/>
+          </a:bodyPr>
+          <a:lstStyle/>
+          <a:p>
+            <a:r>
+              <a:rPr lang="zh-CN" altLang="en-US" dirty="0"/>
+              <a:t>平均值</a:t>
+            </a:r>
+          </a:p>
+        </p:txBody>
+      </p:sp>
+      <p:sp>
+        <p:nvSpPr>
+          <p:cNvPr id="59" name="文本框 58"/>
+          <p:cNvSpPr txBox="1"/>
+          <p:nvPr/>
+        </p:nvSpPr>
+        <p:spPr>
+          <a:xfrm>
+            <a:off x="1022422" y="2116083"/>
+            <a:ext cx="5057309" cy="2862322"/>
+          </a:xfrm>
+          <a:prstGeom prst="rect">
+            <a:avLst/>
+          </a:prstGeom>
+          <a:noFill/>
+        </p:spPr>
+        <p:txBody>
+          <a:bodyPr wrap="square" rtlCol="0">
+            <a:spAutoFit/>
+          </a:bodyPr>
+          <a:lstStyle/>
+          <a:p>
+            <a:pPr marL="285750" indent="-285750">
+              <a:buFont typeface="Arial" panose="020B0604020202020204" pitchFamily="34" charset="0"/>
+              <a:buChar char="•"/>
+            </a:pPr>
+            <a:r>
+              <a:rPr lang="zh-CN" altLang="en-US" dirty="0"/>
+              <a:t>对于所有的</a:t>
+            </a:r>
+            <a:r>
+              <a:rPr lang="zh-CN" altLang="en-US" b="1" dirty="0"/>
+              <a:t>数值型</a:t>
+            </a:r>
+            <a:r>
+              <a:rPr lang="zh-CN" altLang="en-US" dirty="0"/>
+              <a:t>属性，以平均值为轴，将所有的用例分为两类</a:t>
+            </a:r>
+            <a:r>
               <a:rPr lang="zh-CN" altLang="en-US" dirty="0" smtClean="0"/>
-              <a:t>正例占比</a:t>
-            </a:r>
-            <a:r>
-              <a:rPr lang="en-US" altLang="zh-CN" dirty="0" smtClean="0"/>
-              <a:t>50%</a:t>
-            </a:r>
+              <a:t>；</a:t>
+            </a:r>
+            <a:endParaRPr lang="en-US" altLang="zh-CN" dirty="0" smtClean="0"/>
+          </a:p>
+          <a:p>
+            <a:pPr marL="285750" indent="-285750">
+              <a:buFont typeface="Arial" panose="020B0604020202020204" pitchFamily="34" charset="0"/>
+              <a:buChar char="•"/>
+            </a:pPr>
+            <a:endParaRPr lang="en-US" altLang="zh-CN" dirty="0"/>
+          </a:p>
+          <a:p>
+            <a:pPr marL="285750" indent="-285750">
+              <a:buFont typeface="Arial" panose="020B0604020202020204" pitchFamily="34" charset="0"/>
+              <a:buChar char="•"/>
+            </a:pPr>
+            <a:endParaRPr lang="en-US" altLang="zh-CN" dirty="0" smtClean="0"/>
+          </a:p>
+          <a:p>
+            <a:pPr marL="285750" indent="-285750">
+              <a:buFont typeface="Arial" panose="020B0604020202020204" pitchFamily="34" charset="0"/>
+              <a:buChar char="•"/>
+            </a:pPr>
+            <a:endParaRPr lang="en-US" altLang="zh-CN" dirty="0"/>
+          </a:p>
+          <a:p>
+            <a:pPr marL="285750" indent="-285750">
+              <a:buFont typeface="Arial" panose="020B0604020202020204" pitchFamily="34" charset="0"/>
+              <a:buChar char="•"/>
+            </a:pPr>
+            <a:endParaRPr lang="en-US" altLang="zh-CN" dirty="0" smtClean="0"/>
+          </a:p>
+          <a:p>
+            <a:pPr marL="285750" indent="-285750">
+              <a:buFont typeface="Arial" panose="020B0604020202020204" pitchFamily="34" charset="0"/>
+              <a:buChar char="•"/>
+            </a:pPr>
+            <a:endParaRPr lang="en-US" altLang="zh-CN" dirty="0"/>
+          </a:p>
+          <a:p>
+            <a:pPr marL="285750" indent="-285750">
+              <a:buFont typeface="Arial" panose="020B0604020202020204" pitchFamily="34" charset="0"/>
+              <a:buChar char="•"/>
+            </a:pPr>
+            <a:endParaRPr lang="en-US" altLang="zh-CN" dirty="0" smtClean="0"/>
+          </a:p>
+          <a:p>
+            <a:pPr marL="285750" indent="-285750">
+              <a:buFont typeface="Arial" panose="020B0604020202020204" pitchFamily="34" charset="0"/>
+              <a:buChar char="•"/>
+            </a:pPr>
             <a:r>
               <a:rPr lang="zh-CN" altLang="en-US" dirty="0" smtClean="0"/>
-              <a:t>：</a:t>
+              <a:t>对于</a:t>
+            </a:r>
+            <a:r>
+              <a:rPr lang="zh-CN" altLang="en-US" dirty="0"/>
+              <a:t>所有的</a:t>
+            </a:r>
+            <a:r>
+              <a:rPr lang="zh-CN" altLang="en-US" b="1" dirty="0"/>
+              <a:t>非数值型</a:t>
+            </a:r>
+            <a:r>
+              <a:rPr lang="zh-CN" altLang="en-US" dirty="0"/>
+              <a:t>属性，每一个属性值分为一类</a:t>
+            </a:r>
+            <a:r>
+              <a:rPr lang="zh-CN" altLang="en-US" dirty="0" smtClean="0"/>
+              <a:t>。</a:t>
             </a:r>
             <a:endParaRPr lang="zh-CN" altLang="en-US" dirty="0"/>
           </a:p>
@@ -15771,7 +15439,7 @@
     </p:spTree>
     <p:extLst>
       <p:ext uri="{BB962C8B-B14F-4D97-AF65-F5344CB8AC3E}">
-        <p14:creationId xmlns:p14="http://schemas.microsoft.com/office/powerpoint/2010/main" val="1697814001"/>
+        <p14:creationId xmlns:p14="http://schemas.microsoft.com/office/powerpoint/2010/main" val="841824053"/>
       </p:ext>
     </p:extLst>
   </p:cSld>
@@ -15815,7 +15483,7 @@
           <a:p>
             <a:r>
               <a:rPr lang="zh-CN" altLang="en-US" dirty="0" smtClean="0"/>
-              <a:t>分类结果</a:t>
+              <a:t>正负样例平衡方法</a:t>
             </a:r>
             <a:endParaRPr lang="zh-CN" altLang="en-US" dirty="0"/>
           </a:p>
@@ -15838,7 +15506,646 @@
           <a:p>
             <a:r>
               <a:rPr lang="en-US" altLang="zh-CN" sz="2400" dirty="0" smtClean="0"/>
-              <a:t>2-4</a:t>
+              <a:t>2-2</a:t>
+            </a:r>
+            <a:endParaRPr lang="zh-CN" altLang="en-US" sz="2400" dirty="0"/>
+          </a:p>
+        </p:txBody>
+      </p:sp>
+      <p:sp>
+        <p:nvSpPr>
+          <p:cNvPr id="6" name="矩形 5"/>
+          <p:cNvSpPr/>
+          <p:nvPr/>
+        </p:nvSpPr>
+        <p:spPr>
+          <a:xfrm>
+            <a:off x="886691" y="1305342"/>
+            <a:ext cx="5744928" cy="369332"/>
+          </a:xfrm>
+          <a:prstGeom prst="rect">
+            <a:avLst/>
+          </a:prstGeom>
+        </p:spPr>
+        <p:txBody>
+          <a:bodyPr wrap="square">
+            <a:spAutoFit/>
+          </a:bodyPr>
+          <a:lstStyle/>
+          <a:p>
+            <a:r>
+              <a:rPr lang="zh-CN" altLang="en-US" dirty="0" smtClean="0"/>
+              <a:t>        </a:t>
+            </a:r>
+            <a:endParaRPr lang="zh-CN" altLang="en-US" dirty="0"/>
+          </a:p>
+        </p:txBody>
+      </p:sp>
+      <p:pic>
+        <p:nvPicPr>
+          <p:cNvPr id="5" name="图片 4"/>
+          <p:cNvPicPr>
+            <a:picLocks noChangeAspect="1"/>
+          </p:cNvPicPr>
+          <p:nvPr/>
+        </p:nvPicPr>
+        <p:blipFill>
+          <a:blip r:embed="rId2"/>
+          <a:stretch>
+            <a:fillRect/>
+          </a:stretch>
+        </p:blipFill>
+        <p:spPr>
+          <a:xfrm>
+            <a:off x="1166720" y="1061530"/>
+            <a:ext cx="9361826" cy="1929599"/>
+          </a:xfrm>
+          <a:prstGeom prst="rect">
+            <a:avLst/>
+          </a:prstGeom>
+        </p:spPr>
+      </p:pic>
+      <p:sp>
+        <p:nvSpPr>
+          <p:cNvPr id="7" name="矩形 6"/>
+          <p:cNvSpPr/>
+          <p:nvPr/>
+        </p:nvSpPr>
+        <p:spPr>
+          <a:xfrm>
+            <a:off x="4537971" y="3540129"/>
+            <a:ext cx="1489972" cy="284410"/>
+          </a:xfrm>
+          <a:prstGeom prst="rect">
+            <a:avLst/>
+          </a:prstGeom>
+          <a:noFill/>
+          <a:ln w="28575">
+            <a:solidFill>
+              <a:srgbClr val="00B0F0"/>
+            </a:solidFill>
+          </a:ln>
+        </p:spPr>
+        <p:style>
+          <a:lnRef idx="2">
+            <a:schemeClr val="accent1">
+              <a:shade val="50000"/>
+            </a:schemeClr>
+          </a:lnRef>
+          <a:fillRef idx="1">
+            <a:schemeClr val="accent1"/>
+          </a:fillRef>
+          <a:effectRef idx="0">
+            <a:schemeClr val="accent1"/>
+          </a:effectRef>
+          <a:fontRef idx="minor">
+            <a:schemeClr val="lt1"/>
+          </a:fontRef>
+        </p:style>
+        <p:txBody>
+          <a:bodyPr rtlCol="0" anchor="ctr"/>
+          <a:lstStyle/>
+          <a:p>
+            <a:pPr algn="ctr"/>
+            <a:r>
+              <a:rPr kumimoji="1" lang="zh-CN" altLang="en-US" dirty="0" smtClean="0">
+                <a:solidFill>
+                  <a:schemeClr val="tx1"/>
+                </a:solidFill>
+              </a:rPr>
+              <a:t>样例集</a:t>
+            </a:r>
+            <a:endParaRPr kumimoji="1" lang="zh-CN" altLang="en-US" dirty="0">
+              <a:solidFill>
+                <a:schemeClr val="tx1"/>
+              </a:solidFill>
+            </a:endParaRPr>
+          </a:p>
+        </p:txBody>
+      </p:sp>
+      <p:sp>
+        <p:nvSpPr>
+          <p:cNvPr id="8" name="矩形 7"/>
+          <p:cNvSpPr/>
+          <p:nvPr/>
+        </p:nvSpPr>
+        <p:spPr>
+          <a:xfrm>
+            <a:off x="6247659" y="4510429"/>
+            <a:ext cx="767920" cy="284410"/>
+          </a:xfrm>
+          <a:prstGeom prst="rect">
+            <a:avLst/>
+          </a:prstGeom>
+          <a:noFill/>
+          <a:ln w="28575">
+            <a:solidFill>
+              <a:srgbClr val="00B0F0"/>
+            </a:solidFill>
+          </a:ln>
+        </p:spPr>
+        <p:style>
+          <a:lnRef idx="2">
+            <a:schemeClr val="accent1">
+              <a:shade val="50000"/>
+            </a:schemeClr>
+          </a:lnRef>
+          <a:fillRef idx="1">
+            <a:schemeClr val="accent1"/>
+          </a:fillRef>
+          <a:effectRef idx="0">
+            <a:schemeClr val="accent1"/>
+          </a:effectRef>
+          <a:fontRef idx="minor">
+            <a:schemeClr val="lt1"/>
+          </a:fontRef>
+        </p:style>
+        <p:txBody>
+          <a:bodyPr rtlCol="0" anchor="ctr"/>
+          <a:lstStyle/>
+          <a:p>
+            <a:pPr algn="ctr"/>
+            <a:r>
+              <a:rPr kumimoji="1" lang="zh-CN" altLang="en-US" dirty="0" smtClean="0">
+                <a:solidFill>
+                  <a:schemeClr val="tx1"/>
+                </a:solidFill>
+              </a:rPr>
+              <a:t>子集</a:t>
+            </a:r>
+            <a:r>
+              <a:rPr kumimoji="1" lang="en-US" altLang="zh-CN" dirty="0" smtClean="0">
+                <a:solidFill>
+                  <a:schemeClr val="tx1"/>
+                </a:solidFill>
+              </a:rPr>
+              <a:t>2</a:t>
+            </a:r>
+            <a:endParaRPr kumimoji="1" lang="zh-CN" altLang="en-US" dirty="0">
+              <a:solidFill>
+                <a:schemeClr val="tx1"/>
+              </a:solidFill>
+            </a:endParaRPr>
+          </a:p>
+        </p:txBody>
+      </p:sp>
+      <p:sp>
+        <p:nvSpPr>
+          <p:cNvPr id="9" name="矩形 8"/>
+          <p:cNvSpPr/>
+          <p:nvPr/>
+        </p:nvSpPr>
+        <p:spPr>
+          <a:xfrm>
+            <a:off x="3514075" y="4510429"/>
+            <a:ext cx="767920" cy="284410"/>
+          </a:xfrm>
+          <a:prstGeom prst="rect">
+            <a:avLst/>
+          </a:prstGeom>
+          <a:noFill/>
+          <a:ln w="28575">
+            <a:solidFill>
+              <a:srgbClr val="00B0F0"/>
+            </a:solidFill>
+          </a:ln>
+        </p:spPr>
+        <p:style>
+          <a:lnRef idx="2">
+            <a:schemeClr val="accent1">
+              <a:shade val="50000"/>
+            </a:schemeClr>
+          </a:lnRef>
+          <a:fillRef idx="1">
+            <a:schemeClr val="accent1"/>
+          </a:fillRef>
+          <a:effectRef idx="0">
+            <a:schemeClr val="accent1"/>
+          </a:effectRef>
+          <a:fontRef idx="minor">
+            <a:schemeClr val="lt1"/>
+          </a:fontRef>
+        </p:style>
+        <p:txBody>
+          <a:bodyPr rtlCol="0" anchor="ctr"/>
+          <a:lstStyle/>
+          <a:p>
+            <a:pPr algn="ctr"/>
+            <a:r>
+              <a:rPr kumimoji="1" lang="zh-CN" altLang="en-US" sz="1600" dirty="0" smtClean="0">
+                <a:solidFill>
+                  <a:schemeClr val="tx1"/>
+                </a:solidFill>
+              </a:rPr>
+              <a:t>子集</a:t>
+            </a:r>
+            <a:r>
+              <a:rPr kumimoji="1" lang="en-US" altLang="zh-CN" sz="1600" dirty="0" smtClean="0">
+                <a:solidFill>
+                  <a:schemeClr val="tx1"/>
+                </a:solidFill>
+              </a:rPr>
+              <a:t>1</a:t>
+            </a:r>
+            <a:endParaRPr kumimoji="1" lang="zh-CN" altLang="en-US" sz="1600" dirty="0">
+              <a:solidFill>
+                <a:schemeClr val="tx1"/>
+              </a:solidFill>
+            </a:endParaRPr>
+          </a:p>
+        </p:txBody>
+      </p:sp>
+      <p:cxnSp>
+        <p:nvCxnSpPr>
+          <p:cNvPr id="10" name="直接连接符 9"/>
+          <p:cNvCxnSpPr>
+            <a:stCxn id="7" idx="2"/>
+            <a:endCxn id="9" idx="0"/>
+          </p:cNvCxnSpPr>
+          <p:nvPr/>
+        </p:nvCxnSpPr>
+        <p:spPr>
+          <a:xfrm flipH="1">
+            <a:off x="3898035" y="3824539"/>
+            <a:ext cx="1384922" cy="685890"/>
+          </a:xfrm>
+          <a:prstGeom prst="line">
+            <a:avLst/>
+          </a:prstGeom>
+        </p:spPr>
+        <p:style>
+          <a:lnRef idx="1">
+            <a:schemeClr val="accent1"/>
+          </a:lnRef>
+          <a:fillRef idx="0">
+            <a:schemeClr val="accent1"/>
+          </a:fillRef>
+          <a:effectRef idx="0">
+            <a:schemeClr val="accent1"/>
+          </a:effectRef>
+          <a:fontRef idx="minor">
+            <a:schemeClr val="tx1"/>
+          </a:fontRef>
+        </p:style>
+      </p:cxnSp>
+      <p:cxnSp>
+        <p:nvCxnSpPr>
+          <p:cNvPr id="11" name="直接连接符 10"/>
+          <p:cNvCxnSpPr>
+            <a:stCxn id="7" idx="2"/>
+            <a:endCxn id="8" idx="0"/>
+          </p:cNvCxnSpPr>
+          <p:nvPr/>
+        </p:nvCxnSpPr>
+        <p:spPr>
+          <a:xfrm>
+            <a:off x="5282957" y="3824539"/>
+            <a:ext cx="1348662" cy="685890"/>
+          </a:xfrm>
+          <a:prstGeom prst="line">
+            <a:avLst/>
+          </a:prstGeom>
+        </p:spPr>
+        <p:style>
+          <a:lnRef idx="1">
+            <a:schemeClr val="accent1"/>
+          </a:lnRef>
+          <a:fillRef idx="0">
+            <a:schemeClr val="accent1"/>
+          </a:fillRef>
+          <a:effectRef idx="0">
+            <a:schemeClr val="accent1"/>
+          </a:effectRef>
+          <a:fontRef idx="minor">
+            <a:schemeClr val="tx1"/>
+          </a:fontRef>
+        </p:style>
+      </p:cxnSp>
+      <p:sp>
+        <p:nvSpPr>
+          <p:cNvPr id="14" name="剪去单角的矩形 13"/>
+          <p:cNvSpPr/>
+          <p:nvPr/>
+        </p:nvSpPr>
+        <p:spPr>
+          <a:xfrm>
+            <a:off x="3063534" y="5079818"/>
+            <a:ext cx="1669002" cy="949911"/>
+          </a:xfrm>
+          <a:prstGeom prst="snip1Rect">
+            <a:avLst/>
+          </a:prstGeom>
+          <a:noFill/>
+          <a:ln w="19050">
+            <a:solidFill>
+              <a:srgbClr val="FF0000"/>
+            </a:solidFill>
+          </a:ln>
+        </p:spPr>
+        <p:style>
+          <a:lnRef idx="2">
+            <a:schemeClr val="accent1">
+              <a:shade val="50000"/>
+            </a:schemeClr>
+          </a:lnRef>
+          <a:fillRef idx="1">
+            <a:schemeClr val="accent1"/>
+          </a:fillRef>
+          <a:effectRef idx="0">
+            <a:schemeClr val="accent1"/>
+          </a:effectRef>
+          <a:fontRef idx="minor">
+            <a:schemeClr val="lt1"/>
+          </a:fontRef>
+        </p:style>
+        <p:txBody>
+          <a:bodyPr rtlCol="0" anchor="ctr"/>
+          <a:lstStyle/>
+          <a:p>
+            <a:pPr algn="ctr"/>
+            <a:r>
+              <a:rPr kumimoji="1" lang="zh-CN" altLang="en-US" dirty="0" smtClean="0">
+                <a:solidFill>
+                  <a:schemeClr val="tx1"/>
+                </a:solidFill>
+              </a:rPr>
+              <a:t>正例：</a:t>
+            </a:r>
+            <a:r>
+              <a:rPr kumimoji="1" lang="en-US" altLang="zh-CN" dirty="0" smtClean="0">
+                <a:solidFill>
+                  <a:schemeClr val="tx1"/>
+                </a:solidFill>
+              </a:rPr>
+              <a:t>10</a:t>
+            </a:r>
+          </a:p>
+          <a:p>
+            <a:pPr algn="ctr"/>
+            <a:r>
+              <a:rPr kumimoji="1" lang="zh-CN" altLang="en-US" dirty="0">
+                <a:solidFill>
+                  <a:schemeClr val="tx1"/>
+                </a:solidFill>
+              </a:rPr>
+              <a:t>负</a:t>
+            </a:r>
+            <a:r>
+              <a:rPr kumimoji="1" lang="zh-CN" altLang="en-US" dirty="0" smtClean="0">
+                <a:solidFill>
+                  <a:schemeClr val="tx1"/>
+                </a:solidFill>
+              </a:rPr>
+              <a:t>例：</a:t>
+            </a:r>
+            <a:r>
+              <a:rPr kumimoji="1" lang="en-US" altLang="zh-CN" dirty="0">
+                <a:solidFill>
+                  <a:schemeClr val="tx1"/>
+                </a:solidFill>
+              </a:rPr>
+              <a:t>1</a:t>
+            </a:r>
+            <a:r>
+              <a:rPr kumimoji="1" lang="en-US" altLang="zh-CN" dirty="0" smtClean="0">
+                <a:solidFill>
+                  <a:schemeClr val="tx1"/>
+                </a:solidFill>
+              </a:rPr>
+              <a:t>0</a:t>
+            </a:r>
+          </a:p>
+          <a:p>
+            <a:pPr algn="ctr"/>
+            <a:r>
+              <a:rPr kumimoji="1" lang="en-US" altLang="zh-CN" dirty="0">
+                <a:solidFill>
+                  <a:schemeClr val="tx1"/>
+                </a:solidFill>
+              </a:rPr>
+              <a:t>Y</a:t>
+            </a:r>
+            <a:endParaRPr kumimoji="1" lang="zh-CN" altLang="en-US" dirty="0">
+              <a:solidFill>
+                <a:schemeClr val="tx1"/>
+              </a:solidFill>
+            </a:endParaRPr>
+          </a:p>
+        </p:txBody>
+      </p:sp>
+      <p:sp>
+        <p:nvSpPr>
+          <p:cNvPr id="15" name="剪去单角的矩形 14"/>
+          <p:cNvSpPr/>
+          <p:nvPr/>
+        </p:nvSpPr>
+        <p:spPr>
+          <a:xfrm>
+            <a:off x="5821372" y="5079817"/>
+            <a:ext cx="1669002" cy="949911"/>
+          </a:xfrm>
+          <a:prstGeom prst="snip1Rect">
+            <a:avLst/>
+          </a:prstGeom>
+          <a:noFill/>
+          <a:ln w="19050">
+            <a:solidFill>
+              <a:srgbClr val="FF0000"/>
+            </a:solidFill>
+          </a:ln>
+        </p:spPr>
+        <p:style>
+          <a:lnRef idx="2">
+            <a:schemeClr val="accent1">
+              <a:shade val="50000"/>
+            </a:schemeClr>
+          </a:lnRef>
+          <a:fillRef idx="1">
+            <a:schemeClr val="accent1"/>
+          </a:fillRef>
+          <a:effectRef idx="0">
+            <a:schemeClr val="accent1"/>
+          </a:effectRef>
+          <a:fontRef idx="minor">
+            <a:schemeClr val="lt1"/>
+          </a:fontRef>
+        </p:style>
+        <p:txBody>
+          <a:bodyPr rtlCol="0" anchor="ctr"/>
+          <a:lstStyle/>
+          <a:p>
+            <a:pPr algn="ctr"/>
+            <a:r>
+              <a:rPr kumimoji="1" lang="zh-CN" altLang="en-US" dirty="0" smtClean="0">
+                <a:solidFill>
+                  <a:schemeClr val="tx1"/>
+                </a:solidFill>
+              </a:rPr>
+              <a:t>正例：</a:t>
+            </a:r>
+            <a:r>
+              <a:rPr kumimoji="1" lang="en-US" altLang="zh-CN" dirty="0" smtClean="0">
+                <a:solidFill>
+                  <a:schemeClr val="tx1"/>
+                </a:solidFill>
+              </a:rPr>
+              <a:t>0</a:t>
+            </a:r>
+          </a:p>
+          <a:p>
+            <a:pPr algn="ctr"/>
+            <a:r>
+              <a:rPr kumimoji="1" lang="zh-CN" altLang="en-US" dirty="0">
+                <a:solidFill>
+                  <a:schemeClr val="tx1"/>
+                </a:solidFill>
+              </a:rPr>
+              <a:t>负</a:t>
+            </a:r>
+            <a:r>
+              <a:rPr kumimoji="1" lang="zh-CN" altLang="en-US" dirty="0" smtClean="0">
+                <a:solidFill>
+                  <a:schemeClr val="tx1"/>
+                </a:solidFill>
+              </a:rPr>
+              <a:t>例：</a:t>
+            </a:r>
+            <a:r>
+              <a:rPr kumimoji="1" lang="en-US" altLang="zh-CN" dirty="0" smtClean="0">
+                <a:solidFill>
+                  <a:schemeClr val="tx1"/>
+                </a:solidFill>
+              </a:rPr>
+              <a:t>10</a:t>
+            </a:r>
+          </a:p>
+          <a:p>
+            <a:pPr algn="ctr"/>
+            <a:r>
+              <a:rPr kumimoji="1" lang="en-US" altLang="zh-CN" dirty="0">
+                <a:solidFill>
+                  <a:schemeClr val="tx1"/>
+                </a:solidFill>
+              </a:rPr>
+              <a:t>N</a:t>
+            </a:r>
+            <a:endParaRPr kumimoji="1" lang="zh-CN" altLang="en-US" dirty="0">
+              <a:solidFill>
+                <a:schemeClr val="tx1"/>
+              </a:solidFill>
+            </a:endParaRPr>
+          </a:p>
+        </p:txBody>
+      </p:sp>
+      <p:sp>
+        <p:nvSpPr>
+          <p:cNvPr id="16" name="文本框 15"/>
+          <p:cNvSpPr txBox="1"/>
+          <p:nvPr/>
+        </p:nvSpPr>
+        <p:spPr>
+          <a:xfrm>
+            <a:off x="1083076" y="3462291"/>
+            <a:ext cx="2352582" cy="369332"/>
+          </a:xfrm>
+          <a:prstGeom prst="rect">
+            <a:avLst/>
+          </a:prstGeom>
+          <a:noFill/>
+        </p:spPr>
+        <p:txBody>
+          <a:bodyPr wrap="square" rtlCol="0">
+            <a:spAutoFit/>
+          </a:bodyPr>
+          <a:lstStyle/>
+          <a:p>
+            <a:r>
+              <a:rPr lang="zh-CN" altLang="en-US" dirty="0" smtClean="0"/>
+              <a:t>正例占比</a:t>
+            </a:r>
+            <a:r>
+              <a:rPr lang="en-US" altLang="zh-CN" dirty="0" smtClean="0"/>
+              <a:t>50%</a:t>
+            </a:r>
+            <a:r>
+              <a:rPr lang="zh-CN" altLang="en-US" dirty="0" smtClean="0"/>
+              <a:t>：</a:t>
+            </a:r>
+            <a:endParaRPr lang="zh-CN" altLang="en-US" dirty="0"/>
+          </a:p>
+        </p:txBody>
+      </p:sp>
+    </p:spTree>
+    <p:extLst>
+      <p:ext uri="{BB962C8B-B14F-4D97-AF65-F5344CB8AC3E}">
+        <p14:creationId xmlns:p14="http://schemas.microsoft.com/office/powerpoint/2010/main" val="1697814001"/>
+      </p:ext>
+    </p:extLst>
+  </p:cSld>
+  <p:clrMapOvr>
+    <a:masterClrMapping/>
+  </p:clrMapOvr>
+</p:sld>
+</file>
+
+<file path=ppt/slides/slide6.xml><?xml version="1.0" encoding="utf-8"?>
+<p:sld xmlns:a="http://schemas.openxmlformats.org/drawingml/2006/main" xmlns:r="http://schemas.openxmlformats.org/officeDocument/2006/relationships" xmlns:p="http://schemas.openxmlformats.org/presentationml/2006/main">
+  <p:cSld>
+    <p:spTree>
+      <p:nvGrpSpPr>
+        <p:cNvPr id="1" name=""/>
+        <p:cNvGrpSpPr/>
+        <p:nvPr/>
+      </p:nvGrpSpPr>
+      <p:grpSpPr>
+        <a:xfrm>
+          <a:off x="0" y="0"/>
+          <a:ext cx="0" cy="0"/>
+          <a:chOff x="0" y="0"/>
+          <a:chExt cx="0" cy="0"/>
+        </a:xfrm>
+      </p:grpSpPr>
+      <p:sp>
+        <p:nvSpPr>
+          <p:cNvPr id="2" name="文本占位符 1"/>
+          <p:cNvSpPr>
+            <a:spLocks noGrp="1"/>
+          </p:cNvSpPr>
+          <p:nvPr>
+            <p:ph type="body" sz="quarter" idx="10"/>
+          </p:nvPr>
+        </p:nvSpPr>
+        <p:spPr/>
+        <p:txBody>
+          <a:bodyPr/>
+          <a:lstStyle/>
+          <a:p>
+            <a:r>
+              <a:rPr lang="zh-CN" altLang="en-US" dirty="0" smtClean="0"/>
+              <a:t>分类结果</a:t>
+            </a:r>
+            <a:endParaRPr lang="zh-CN" altLang="en-US" dirty="0"/>
+          </a:p>
+        </p:txBody>
+      </p:sp>
+      <p:sp>
+        <p:nvSpPr>
+          <p:cNvPr id="3" name="文本占位符 2"/>
+          <p:cNvSpPr>
+            <a:spLocks noGrp="1"/>
+          </p:cNvSpPr>
+          <p:nvPr>
+            <p:ph type="body" sz="quarter" idx="11"/>
+          </p:nvPr>
+        </p:nvSpPr>
+        <p:spPr/>
+        <p:txBody>
+          <a:bodyPr/>
+          <a:lstStyle/>
+          <a:p>
+            <a:r>
+              <a:rPr lang="en-US" altLang="zh-CN" sz="2400" dirty="0" smtClean="0"/>
+              <a:t>2-3</a:t>
             </a:r>
             <a:endParaRPr lang="zh-CN" altLang="en-US" sz="2400" dirty="0"/>
           </a:p>
@@ -15895,8 +16202,8 @@
         </p:blipFill>
         <p:spPr>
           <a:xfrm>
-            <a:off x="1553589" y="652966"/>
-            <a:ext cx="9209559" cy="6231666"/>
+            <a:off x="1553590" y="857152"/>
+            <a:ext cx="8637976" cy="5844903"/>
           </a:xfrm>
           <a:prstGeom prst="rect">
             <a:avLst/>
@@ -15923,252 +16230,6 @@
 </p:sld>
 </file>
 
-<file path=ppt/slides/slide6.xml><?xml version="1.0" encoding="utf-8"?>
-<p:sld xmlns:a="http://schemas.openxmlformats.org/drawingml/2006/main" xmlns:r="http://schemas.openxmlformats.org/officeDocument/2006/relationships" xmlns:p="http://schemas.openxmlformats.org/presentationml/2006/main">
-  <p:cSld>
-    <p:spTree>
-      <p:nvGrpSpPr>
-        <p:cNvPr id="1" name=""/>
-        <p:cNvGrpSpPr/>
-        <p:nvPr/>
-      </p:nvGrpSpPr>
-      <p:grpSpPr>
-        <a:xfrm>
-          <a:off x="0" y="0"/>
-          <a:ext cx="0" cy="0"/>
-          <a:chOff x="0" y="0"/>
-          <a:chExt cx="0" cy="0"/>
-        </a:xfrm>
-      </p:grpSpPr>
-      <p:sp>
-        <p:nvSpPr>
-          <p:cNvPr id="2" name="文本占位符 1"/>
-          <p:cNvSpPr>
-            <a:spLocks noGrp="1"/>
-          </p:cNvSpPr>
-          <p:nvPr>
-            <p:ph type="body" sz="quarter" idx="10"/>
-          </p:nvPr>
-        </p:nvSpPr>
-        <p:spPr/>
-        <p:txBody>
-          <a:bodyPr/>
-          <a:lstStyle/>
-          <a:p>
-            <a:r>
-              <a:rPr lang="zh-CN" altLang="en-US" dirty="0" smtClean="0"/>
-              <a:t>朴素贝叶斯算法</a:t>
-            </a:r>
-            <a:endParaRPr lang="zh-CN" altLang="en-US" dirty="0"/>
-          </a:p>
-        </p:txBody>
-      </p:sp>
-      <p:sp>
-        <p:nvSpPr>
-          <p:cNvPr id="3" name="文本占位符 2"/>
-          <p:cNvSpPr>
-            <a:spLocks noGrp="1"/>
-          </p:cNvSpPr>
-          <p:nvPr>
-            <p:ph type="body" sz="quarter" idx="11"/>
-          </p:nvPr>
-        </p:nvSpPr>
-        <p:spPr/>
-        <p:txBody>
-          <a:bodyPr/>
-          <a:lstStyle/>
-          <a:p>
-            <a:r>
-              <a:rPr lang="en-US" altLang="zh-CN" sz="2400" dirty="0"/>
-              <a:t>3</a:t>
-            </a:r>
-            <a:r>
-              <a:rPr lang="en-US" altLang="zh-CN" sz="2400" dirty="0" smtClean="0"/>
-              <a:t>-1</a:t>
-            </a:r>
-            <a:endParaRPr lang="zh-CN" altLang="en-US" sz="2400" dirty="0"/>
-          </a:p>
-        </p:txBody>
-      </p:sp>
-      <p:sp>
-        <p:nvSpPr>
-          <p:cNvPr id="6" name="矩形 5"/>
-          <p:cNvSpPr/>
-          <p:nvPr/>
-        </p:nvSpPr>
-        <p:spPr>
-          <a:xfrm>
-            <a:off x="886691" y="1305342"/>
-            <a:ext cx="5744928" cy="369332"/>
-          </a:xfrm>
-          <a:prstGeom prst="rect">
-            <a:avLst/>
-          </a:prstGeom>
-        </p:spPr>
-        <p:txBody>
-          <a:bodyPr wrap="square">
-            <a:spAutoFit/>
-          </a:bodyPr>
-          <a:lstStyle/>
-          <a:p>
-            <a:r>
-              <a:rPr lang="zh-CN" altLang="en-US" dirty="0" smtClean="0"/>
-              <a:t>        </a:t>
-            </a:r>
-            <a:endParaRPr lang="zh-CN" altLang="en-US" dirty="0"/>
-          </a:p>
-        </p:txBody>
-      </p:sp>
-      <p:pic>
-        <p:nvPicPr>
-          <p:cNvPr id="4" name="图片 3"/>
-          <p:cNvPicPr>
-            <a:picLocks noChangeAspect="1"/>
-          </p:cNvPicPr>
-          <p:nvPr/>
-        </p:nvPicPr>
-        <p:blipFill>
-          <a:blip r:embed="rId2"/>
-          <a:stretch>
-            <a:fillRect/>
-          </a:stretch>
-        </p:blipFill>
-        <p:spPr>
-          <a:xfrm>
-            <a:off x="1193075" y="990118"/>
-            <a:ext cx="8562975" cy="4038600"/>
-          </a:xfrm>
-          <a:prstGeom prst="rect">
-            <a:avLst/>
-          </a:prstGeom>
-        </p:spPr>
-      </p:pic>
-      <p:sp>
-        <p:nvSpPr>
-          <p:cNvPr id="7" name="文本框 6"/>
-          <p:cNvSpPr txBox="1"/>
-          <p:nvPr/>
-        </p:nvSpPr>
-        <p:spPr>
-          <a:xfrm>
-            <a:off x="1491449" y="5501658"/>
-            <a:ext cx="9365941" cy="646331"/>
-          </a:xfrm>
-          <a:prstGeom prst="rect">
-            <a:avLst/>
-          </a:prstGeom>
-          <a:noFill/>
-        </p:spPr>
-        <p:txBody>
-          <a:bodyPr wrap="square" rtlCol="0">
-            <a:spAutoFit/>
-          </a:bodyPr>
-          <a:lstStyle/>
-          <a:p>
-            <a:r>
-              <a:rPr lang="zh-CN" altLang="en-US" dirty="0" smtClean="0"/>
-              <a:t>非数值型属性：</a:t>
-            </a:r>
-            <a:r>
-              <a:rPr lang="zh-CN" altLang="en-US" dirty="0"/>
-              <a:t>自成</a:t>
-            </a:r>
-            <a:r>
-              <a:rPr lang="zh-CN" altLang="en-US" dirty="0" smtClean="0"/>
-              <a:t>一类</a:t>
-            </a:r>
-            <a:endParaRPr lang="en-US" altLang="zh-CN" dirty="0"/>
-          </a:p>
-          <a:p>
-            <a:r>
-              <a:rPr lang="zh-CN" altLang="en-US" dirty="0" smtClean="0"/>
-              <a:t>数值型属性：    先</a:t>
-            </a:r>
-            <a:r>
-              <a:rPr lang="zh-CN" altLang="en-US" dirty="0"/>
-              <a:t>投影到</a:t>
-            </a:r>
-            <a:r>
-              <a:rPr lang="en-US" altLang="zh-CN" dirty="0"/>
-              <a:t>[0,1]</a:t>
-            </a:r>
-            <a:r>
-              <a:rPr lang="zh-CN" altLang="en-US" dirty="0"/>
-              <a:t>，然后分为</a:t>
-            </a:r>
-            <a:r>
-              <a:rPr lang="en-US" altLang="zh-CN" dirty="0"/>
-              <a:t>k</a:t>
-            </a:r>
-            <a:r>
-              <a:rPr lang="zh-CN" altLang="en-US" dirty="0"/>
-              <a:t>组，</a:t>
-            </a:r>
-            <a:r>
-              <a:rPr lang="en-US" altLang="zh-CN" dirty="0"/>
-              <a:t>[</a:t>
-            </a:r>
-            <a:r>
-              <a:rPr lang="en-US" altLang="zh-CN" dirty="0" smtClean="0"/>
-              <a:t>0</a:t>
-            </a:r>
-            <a:r>
-              <a:rPr lang="zh-CN" altLang="en-US" dirty="0" smtClean="0"/>
-              <a:t>，</a:t>
-            </a:r>
-            <a:r>
-              <a:rPr lang="en-US" altLang="zh-CN" dirty="0" smtClean="0"/>
-              <a:t>1/k</a:t>
-            </a:r>
-            <a:r>
-              <a:rPr lang="en-US" altLang="zh-CN" dirty="0"/>
-              <a:t>),[</a:t>
-            </a:r>
-            <a:r>
-              <a:rPr lang="en-US" altLang="zh-CN" dirty="0" smtClean="0"/>
-              <a:t>1/k</a:t>
-            </a:r>
-            <a:r>
-              <a:rPr lang="zh-CN" altLang="en-US" dirty="0" smtClean="0"/>
-              <a:t>，</a:t>
-            </a:r>
-            <a:r>
-              <a:rPr lang="en-US" altLang="zh-CN" dirty="0" smtClean="0"/>
-              <a:t>2/k</a:t>
-            </a:r>
-            <a:r>
-              <a:rPr lang="en-US" altLang="zh-CN" dirty="0"/>
-              <a:t>)…[(k-1)/</a:t>
-            </a:r>
-            <a:r>
-              <a:rPr lang="en-US" altLang="zh-CN" dirty="0" smtClean="0"/>
-              <a:t>k</a:t>
-            </a:r>
-            <a:r>
-              <a:rPr lang="zh-CN" altLang="en-US" dirty="0" smtClean="0"/>
-              <a:t>，</a:t>
-            </a:r>
-            <a:r>
-              <a:rPr lang="en-US" altLang="zh-CN" dirty="0" smtClean="0"/>
-              <a:t>1]</a:t>
-            </a:r>
-            <a:endParaRPr lang="en-US" altLang="zh-CN" dirty="0"/>
-          </a:p>
-        </p:txBody>
-      </p:sp>
-    </p:spTree>
-    <p:extLst>
-      <p:ext uri="{BB962C8B-B14F-4D97-AF65-F5344CB8AC3E}">
-        <p14:creationId xmlns:p14="http://schemas.microsoft.com/office/powerpoint/2010/main" val="95079579"/>
-      </p:ext>
-    </p:extLst>
-  </p:cSld>
-  <p:clrMapOvr>
-    <a:masterClrMapping/>
-  </p:clrMapOvr>
-</p:sld>
-</file>
-
 <file path=ppt/slides/slide7.xml><?xml version="1.0" encoding="utf-8"?>
 <p:sld xmlns:a="http://schemas.openxmlformats.org/drawingml/2006/main" xmlns:r="http://schemas.openxmlformats.org/officeDocument/2006/relationships" xmlns:p="http://schemas.openxmlformats.org/presentationml/2006/main">
   <p:cSld>
@@ -16203,7 +16264,7 @@
           <a:p>
             <a:r>
               <a:rPr lang="zh-CN" altLang="en-US" dirty="0" smtClean="0"/>
-              <a:t>正负样例平衡方法</a:t>
+              <a:t>朴素贝叶斯算法</a:t>
             </a:r>
             <a:endParaRPr lang="zh-CN" altLang="en-US" dirty="0"/>
           </a:p>
@@ -16225,8 +16286,12 @@
           <a:lstStyle/>
           <a:p>
             <a:r>
+              <a:rPr lang="en-US" altLang="zh-CN" sz="2400" dirty="0"/>
+              <a:t>3</a:t>
+            </a:r>
+            <a:r>
               <a:rPr lang="en-US" altLang="zh-CN" sz="2400" dirty="0" smtClean="0"/>
-              <a:t>3-2</a:t>
+              <a:t>-1</a:t>
             </a:r>
             <a:endParaRPr lang="zh-CN" altLang="en-US" sz="2400" dirty="0"/>
           </a:p>
@@ -16269,143 +16334,139 @@
           </p:cNvPicPr>
           <p:nvPr/>
         </p:nvPicPr>
-        <p:blipFill rotWithShape="1">
+        <p:blipFill>
           <a:blip r:embed="rId2"/>
-          <a:srcRect l="1" r="-136" b="75085"/>
-          <a:stretch/>
-        </p:blipFill>
-        <p:spPr>
-          <a:xfrm>
-            <a:off x="1504227" y="1561730"/>
-            <a:ext cx="8889322" cy="1518822"/>
-          </a:xfrm>
-          <a:prstGeom prst="rect">
-            <a:avLst/>
-          </a:prstGeom>
-        </p:spPr>
-      </p:pic>
-      <p:sp>
-        <p:nvSpPr>
-          <p:cNvPr id="14" name="右箭头 13"/>
-          <p:cNvSpPr/>
-          <p:nvPr/>
-        </p:nvSpPr>
-        <p:spPr>
-          <a:xfrm>
-            <a:off x="4900473" y="5314175"/>
-            <a:ext cx="727969" cy="156735"/>
-          </a:xfrm>
-          <a:prstGeom prst="rightArrow">
-            <a:avLst/>
-          </a:prstGeom>
-          <a:ln>
-            <a:noFill/>
-          </a:ln>
-        </p:spPr>
-        <p:style>
-          <a:lnRef idx="2">
-            <a:schemeClr val="accent1">
-              <a:shade val="50000"/>
-            </a:schemeClr>
-          </a:lnRef>
-          <a:fillRef idx="1">
-            <a:schemeClr val="accent1"/>
-          </a:fillRef>
-          <a:effectRef idx="0">
-            <a:schemeClr val="accent1"/>
-          </a:effectRef>
-          <a:fontRef idx="minor">
-            <a:schemeClr val="lt1"/>
-          </a:fontRef>
-        </p:style>
-        <p:txBody>
-          <a:bodyPr rtlCol="0" anchor="ctr"/>
-          <a:lstStyle/>
-          <a:p>
-            <a:pPr algn="ctr"/>
-            <a:endParaRPr kumimoji="1" lang="zh-CN" altLang="en-US">
-              <a:solidFill>
-                <a:schemeClr val="tx1"/>
-              </a:solidFill>
-            </a:endParaRPr>
-          </a:p>
-        </p:txBody>
-      </p:sp>
-      <p:pic>
-        <p:nvPicPr>
-          <p:cNvPr id="15" name="图片 14"/>
-          <p:cNvPicPr>
-            <a:picLocks noChangeAspect="1"/>
-          </p:cNvPicPr>
-          <p:nvPr/>
-        </p:nvPicPr>
-        <p:blipFill>
-          <a:blip r:embed="rId3"/>
           <a:stretch>
             <a:fillRect/>
           </a:stretch>
         </p:blipFill>
         <p:spPr>
           <a:xfrm>
-            <a:off x="6113848" y="5135367"/>
-            <a:ext cx="4438650" cy="514350"/>
+            <a:off x="1193075" y="990118"/>
+            <a:ext cx="8562975" cy="4038600"/>
           </a:xfrm>
           <a:prstGeom prst="rect">
             <a:avLst/>
           </a:prstGeom>
         </p:spPr>
       </p:pic>
-      <p:pic>
-        <p:nvPicPr>
-          <p:cNvPr id="16" name="图片 15"/>
-          <p:cNvPicPr>
-            <a:picLocks noChangeAspect="1"/>
-          </p:cNvPicPr>
+      <p:sp>
+        <p:nvSpPr>
+          <p:cNvPr id="7" name="文本框 6"/>
+          <p:cNvSpPr txBox="1"/>
           <p:nvPr/>
-        </p:nvPicPr>
-        <p:blipFill>
-          <a:blip r:embed="rId4"/>
-          <a:stretch>
-            <a:fillRect/>
-          </a:stretch>
-        </p:blipFill>
-        <p:spPr>
-          <a:xfrm>
-            <a:off x="1638825" y="2974484"/>
-            <a:ext cx="8620125" cy="1133475"/>
+        </p:nvSpPr>
+        <p:spPr>
+          <a:xfrm>
+            <a:off x="1491449" y="5501658"/>
+            <a:ext cx="9365941" cy="646331"/>
           </a:xfrm>
           <a:prstGeom prst="rect">
             <a:avLst/>
           </a:prstGeom>
-        </p:spPr>
-      </p:pic>
-      <p:pic>
-        <p:nvPicPr>
-          <p:cNvPr id="17" name="图片 16"/>
-          <p:cNvPicPr>
-            <a:picLocks noChangeAspect="1"/>
-          </p:cNvPicPr>
-          <p:nvPr/>
-        </p:nvPicPr>
-        <p:blipFill rotWithShape="1">
-          <a:blip r:embed="rId3"/>
-          <a:srcRect t="-300" r="35510" b="2411"/>
-          <a:stretch/>
-        </p:blipFill>
-        <p:spPr>
-          <a:xfrm>
-            <a:off x="1141322" y="5133823"/>
-            <a:ext cx="2862507" cy="503498"/>
-          </a:xfrm>
-          <a:prstGeom prst="rect">
-            <a:avLst/>
-          </a:prstGeom>
-        </p:spPr>
-      </p:pic>
+          <a:noFill/>
+        </p:spPr>
+        <p:txBody>
+          <a:bodyPr wrap="square" rtlCol="0">
+            <a:spAutoFit/>
+          </a:bodyPr>
+          <a:lstStyle/>
+          <a:p>
+            <a:r>
+              <a:rPr lang="zh-CN" altLang="en-US" dirty="0" smtClean="0"/>
+              <a:t>非数值型属性：</a:t>
+            </a:r>
+            <a:r>
+              <a:rPr lang="zh-CN" altLang="en-US" dirty="0"/>
+              <a:t>自成</a:t>
+            </a:r>
+            <a:r>
+              <a:rPr lang="zh-CN" altLang="en-US" dirty="0" smtClean="0"/>
+              <a:t>一类</a:t>
+            </a:r>
+            <a:endParaRPr lang="en-US" altLang="zh-CN" dirty="0"/>
+          </a:p>
+          <a:p>
+            <a:r>
+              <a:rPr lang="zh-CN" altLang="en-US" dirty="0" smtClean="0"/>
+              <a:t>数值型属性：    先</a:t>
+            </a:r>
+            <a:r>
+              <a:rPr lang="zh-CN" altLang="en-US" dirty="0"/>
+              <a:t>投影到</a:t>
+            </a:r>
+            <a:r>
+              <a:rPr lang="en-US" altLang="zh-CN" dirty="0"/>
+              <a:t>[0,1]</a:t>
+            </a:r>
+            <a:r>
+              <a:rPr lang="zh-CN" altLang="en-US" dirty="0"/>
+              <a:t>，然后分为</a:t>
+            </a:r>
+            <a:r>
+              <a:rPr lang="en-US" altLang="zh-CN" dirty="0"/>
+              <a:t>k</a:t>
+            </a:r>
+            <a:r>
+              <a:rPr lang="zh-CN" altLang="en-US" dirty="0"/>
+              <a:t>组，</a:t>
+            </a:r>
+            <a:r>
+              <a:rPr lang="en-US" altLang="zh-CN" dirty="0"/>
+              <a:t>[</a:t>
+            </a:r>
+            <a:r>
+              <a:rPr lang="en-US" altLang="zh-CN" dirty="0" smtClean="0"/>
+              <a:t>0</a:t>
+            </a:r>
+            <a:r>
+              <a:rPr lang="zh-CN" altLang="en-US" dirty="0" smtClean="0"/>
+              <a:t>，</a:t>
+            </a:r>
+            <a:r>
+              <a:rPr lang="en-US" altLang="zh-CN" dirty="0" smtClean="0"/>
+              <a:t>1/k</a:t>
+            </a:r>
+            <a:r>
+              <a:rPr lang="en-US" altLang="zh-CN" dirty="0"/>
+              <a:t>),[</a:t>
+            </a:r>
+            <a:r>
+              <a:rPr lang="en-US" altLang="zh-CN" dirty="0" smtClean="0"/>
+              <a:t>1/k</a:t>
+            </a:r>
+            <a:r>
+              <a:rPr lang="zh-CN" altLang="en-US" dirty="0" smtClean="0"/>
+              <a:t>，</a:t>
+            </a:r>
+            <a:r>
+              <a:rPr lang="en-US" altLang="zh-CN" dirty="0" smtClean="0"/>
+              <a:t>2/k</a:t>
+            </a:r>
+            <a:r>
+              <a:rPr lang="en-US" altLang="zh-CN" dirty="0"/>
+              <a:t>)…[(k-1)/</a:t>
+            </a:r>
+            <a:r>
+              <a:rPr lang="en-US" altLang="zh-CN" dirty="0" smtClean="0"/>
+              <a:t>k</a:t>
+            </a:r>
+            <a:r>
+              <a:rPr lang="zh-CN" altLang="en-US" dirty="0" smtClean="0"/>
+              <a:t>，</a:t>
+            </a:r>
+            <a:r>
+              <a:rPr lang="en-US" altLang="zh-CN" dirty="0" smtClean="0"/>
+              <a:t>1]</a:t>
+            </a:r>
+            <a:endParaRPr lang="en-US" altLang="zh-CN" dirty="0"/>
+          </a:p>
+        </p:txBody>
+      </p:sp>
     </p:spTree>
     <p:extLst>
       <p:ext uri="{BB962C8B-B14F-4D97-AF65-F5344CB8AC3E}">
-        <p14:creationId xmlns:p14="http://schemas.microsoft.com/office/powerpoint/2010/main" val="1351509199"/>
+        <p14:creationId xmlns:p14="http://schemas.microsoft.com/office/powerpoint/2010/main" val="95079579"/>
       </p:ext>
     </p:extLst>
   </p:cSld>
@@ -16449,7 +16510,7 @@
           <a:p>
             <a:r>
               <a:rPr lang="zh-CN" altLang="en-US" dirty="0" smtClean="0"/>
-              <a:t>分类结果</a:t>
+              <a:t>正负样例平衡方法</a:t>
             </a:r>
             <a:endParaRPr lang="zh-CN" altLang="en-US" dirty="0"/>
           </a:p>
@@ -16472,7 +16533,7 @@
           <a:p>
             <a:r>
               <a:rPr lang="en-US" altLang="zh-CN" sz="2400" dirty="0" smtClean="0"/>
-              <a:t>3-3</a:t>
+              <a:t>3-2</a:t>
             </a:r>
             <a:endParaRPr lang="zh-CN" altLang="en-US" sz="2400" dirty="0"/>
           </a:p>
@@ -16509,113 +16570,149 @@
       </p:sp>
       <p:pic>
         <p:nvPicPr>
-          <p:cNvPr id="8" name="图片 7"/>
+          <p:cNvPr id="4" name="图片 3"/>
+          <p:cNvPicPr>
+            <a:picLocks noChangeAspect="1"/>
+          </p:cNvPicPr>
+          <p:nvPr/>
+        </p:nvPicPr>
+        <p:blipFill rotWithShape="1">
+          <a:blip r:embed="rId2"/>
+          <a:srcRect l="1" r="-136" b="75085"/>
+          <a:stretch/>
+        </p:blipFill>
+        <p:spPr>
+          <a:xfrm>
+            <a:off x="1504227" y="1561730"/>
+            <a:ext cx="8889322" cy="1518822"/>
+          </a:xfrm>
+          <a:prstGeom prst="rect">
+            <a:avLst/>
+          </a:prstGeom>
+        </p:spPr>
+      </p:pic>
+      <p:sp>
+        <p:nvSpPr>
+          <p:cNvPr id="14" name="右箭头 13"/>
+          <p:cNvSpPr/>
+          <p:nvPr/>
+        </p:nvSpPr>
+        <p:spPr>
+          <a:xfrm>
+            <a:off x="4900473" y="5314175"/>
+            <a:ext cx="727969" cy="156735"/>
+          </a:xfrm>
+          <a:prstGeom prst="rightArrow">
+            <a:avLst/>
+          </a:prstGeom>
+          <a:ln>
+            <a:noFill/>
+          </a:ln>
+        </p:spPr>
+        <p:style>
+          <a:lnRef idx="2">
+            <a:schemeClr val="accent1">
+              <a:shade val="50000"/>
+            </a:schemeClr>
+          </a:lnRef>
+          <a:fillRef idx="1">
+            <a:schemeClr val="accent1"/>
+          </a:fillRef>
+          <a:effectRef idx="0">
+            <a:schemeClr val="accent1"/>
+          </a:effectRef>
+          <a:fontRef idx="minor">
+            <a:schemeClr val="lt1"/>
+          </a:fontRef>
+        </p:style>
+        <p:txBody>
+          <a:bodyPr rtlCol="0" anchor="ctr"/>
+          <a:lstStyle/>
+          <a:p>
+            <a:pPr algn="ctr"/>
+            <a:endParaRPr kumimoji="1" lang="zh-CN" altLang="en-US">
+              <a:solidFill>
+                <a:schemeClr val="tx1"/>
+              </a:solidFill>
+            </a:endParaRPr>
+          </a:p>
+        </p:txBody>
+      </p:sp>
+      <p:pic>
+        <p:nvPicPr>
+          <p:cNvPr id="15" name="图片 14"/>
           <p:cNvPicPr>
             <a:picLocks noChangeAspect="1"/>
           </p:cNvPicPr>
           <p:nvPr/>
         </p:nvPicPr>
         <p:blipFill>
-          <a:blip r:embed="rId2">
-            <a:extLst>
-              <a:ext uri="{28A0092B-C50C-407E-A947-70E740481C1C}">
-                <a14:useLocalDpi xmlns:a14="http://schemas.microsoft.com/office/drawing/2010/main" val="0"/>
-              </a:ext>
-            </a:extLst>
-          </a:blip>
+          <a:blip r:embed="rId3"/>
           <a:stretch>
             <a:fillRect/>
           </a:stretch>
         </p:blipFill>
         <p:spPr>
           <a:xfrm>
-            <a:off x="4526909" y="1305342"/>
-            <a:ext cx="6997012" cy="4734542"/>
+            <a:off x="6113848" y="5135367"/>
+            <a:ext cx="4438650" cy="514350"/>
           </a:xfrm>
           <a:prstGeom prst="rect">
             <a:avLst/>
           </a:prstGeom>
         </p:spPr>
       </p:pic>
-      <p:sp>
-        <p:nvSpPr>
-          <p:cNvPr id="10" name="矩形 9"/>
-          <p:cNvSpPr/>
+      <p:pic>
+        <p:nvPicPr>
+          <p:cNvPr id="16" name="图片 15"/>
+          <p:cNvPicPr>
+            <a:picLocks noChangeAspect="1"/>
+          </p:cNvPicPr>
           <p:nvPr/>
-        </p:nvSpPr>
-        <p:spPr>
-          <a:xfrm>
-            <a:off x="739806" y="1825953"/>
-            <a:ext cx="3645763" cy="3139321"/>
+        </p:nvPicPr>
+        <p:blipFill>
+          <a:blip r:embed="rId4"/>
+          <a:stretch>
+            <a:fillRect/>
+          </a:stretch>
+        </p:blipFill>
+        <p:spPr>
+          <a:xfrm>
+            <a:off x="1638825" y="2974484"/>
+            <a:ext cx="8620125" cy="1133475"/>
           </a:xfrm>
           <a:prstGeom prst="rect">
             <a:avLst/>
           </a:prstGeom>
         </p:spPr>
-        <p:txBody>
-          <a:bodyPr wrap="square">
-            <a:spAutoFit/>
-          </a:bodyPr>
-          <a:lstStyle/>
-          <a:p>
-            <a:r>
-              <a:rPr lang="zh-CN" altLang="en-US" dirty="0" smtClean="0"/>
-              <a:t>准确度：</a:t>
-            </a:r>
-            <a:endParaRPr lang="en-US" altLang="zh-CN" dirty="0" smtClean="0"/>
-          </a:p>
-          <a:p>
-            <a:endParaRPr lang="en-US" altLang="zh-CN" dirty="0"/>
-          </a:p>
-          <a:p>
-            <a:endParaRPr lang="en-US" altLang="zh-CN" dirty="0" smtClean="0"/>
-          </a:p>
-          <a:p>
-            <a:endParaRPr lang="en-US" altLang="zh-CN" dirty="0"/>
-          </a:p>
-          <a:p>
-            <a:endParaRPr lang="en-US" altLang="zh-CN" dirty="0" smtClean="0"/>
-          </a:p>
-          <a:p>
-            <a:r>
-              <a:rPr lang="zh-CN" altLang="en-US" dirty="0" smtClean="0"/>
-              <a:t>小样本集：</a:t>
-            </a:r>
-            <a:r>
-              <a:rPr lang="en-US" altLang="zh-CN" dirty="0" smtClean="0"/>
-              <a:t>0.8923948220064726</a:t>
-            </a:r>
-            <a:endParaRPr lang="en-US" altLang="zh-CN" dirty="0"/>
-          </a:p>
-          <a:p>
-            <a:endParaRPr lang="en-US" altLang="zh-CN" dirty="0" smtClean="0"/>
-          </a:p>
-          <a:p>
-            <a:endParaRPr lang="en-US" altLang="zh-CN" dirty="0"/>
-          </a:p>
-          <a:p>
-            <a:endParaRPr lang="en-US" altLang="zh-CN" dirty="0" smtClean="0"/>
-          </a:p>
-          <a:p>
-            <a:endParaRPr lang="en-US" altLang="zh-CN" dirty="0"/>
-          </a:p>
-          <a:p>
-            <a:r>
-              <a:rPr lang="zh-CN" altLang="en-US" dirty="0" smtClean="0"/>
-              <a:t>大样本集：</a:t>
-            </a:r>
-            <a:r>
-              <a:rPr lang="en-US" altLang="zh-CN" dirty="0" smtClean="0"/>
-              <a:t>0.8633972647082626</a:t>
-            </a:r>
-            <a:endParaRPr lang="en-US" altLang="zh-CN" dirty="0"/>
-          </a:p>
-        </p:txBody>
-      </p:sp>
+      </p:pic>
+      <p:pic>
+        <p:nvPicPr>
+          <p:cNvPr id="17" name="图片 16"/>
+          <p:cNvPicPr>
+            <a:picLocks noChangeAspect="1"/>
+          </p:cNvPicPr>
+          <p:nvPr/>
+        </p:nvPicPr>
+        <p:blipFill rotWithShape="1">
+          <a:blip r:embed="rId3"/>
+          <a:srcRect t="-300" r="35510" b="2411"/>
+          <a:stretch/>
+        </p:blipFill>
+        <p:spPr>
+          <a:xfrm>
+            <a:off x="1141322" y="5133823"/>
+            <a:ext cx="2862507" cy="503498"/>
+          </a:xfrm>
+          <a:prstGeom prst="rect">
+            <a:avLst/>
+          </a:prstGeom>
+        </p:spPr>
+      </p:pic>
     </p:spTree>
     <p:extLst>
       <p:ext uri="{BB962C8B-B14F-4D97-AF65-F5344CB8AC3E}">
-        <p14:creationId xmlns:p14="http://schemas.microsoft.com/office/powerpoint/2010/main" val="2206997220"/>
+        <p14:creationId xmlns:p14="http://schemas.microsoft.com/office/powerpoint/2010/main" val="1351509199"/>
       </p:ext>
     </p:extLst>
   </p:cSld>
@@ -16658,12 +16755,8 @@
           <a:lstStyle/>
           <a:p>
             <a:r>
-              <a:rPr lang="en-US" altLang="zh-CN" dirty="0" smtClean="0"/>
-              <a:t>K-NN</a:t>
-            </a:r>
-            <a:r>
               <a:rPr lang="zh-CN" altLang="en-US" dirty="0" smtClean="0"/>
-              <a:t>算法</a:t>
+              <a:t>分类结果</a:t>
             </a:r>
             <a:endParaRPr lang="zh-CN" altLang="en-US" dirty="0"/>
           </a:p>
@@ -16685,12 +16778,8 @@
           <a:lstStyle/>
           <a:p>
             <a:r>
-              <a:rPr lang="en-US" altLang="zh-CN" sz="2400" dirty="0"/>
-              <a:t>4</a:t>
-            </a:r>
-            <a:r>
               <a:rPr lang="en-US" altLang="zh-CN" sz="2400" dirty="0" smtClean="0"/>
-              <a:t>-1</a:t>
+              <a:t>3-3</a:t>
             </a:r>
             <a:endParaRPr lang="zh-CN" altLang="en-US" sz="2400" dirty="0"/>
           </a:p>
@@ -16727,32 +16816,113 @@
       </p:sp>
       <p:pic>
         <p:nvPicPr>
-          <p:cNvPr id="5" name="图片 4"/>
+          <p:cNvPr id="8" name="图片 7"/>
           <p:cNvPicPr>
             <a:picLocks noChangeAspect="1"/>
           </p:cNvPicPr>
           <p:nvPr/>
         </p:nvPicPr>
         <p:blipFill>
-          <a:blip r:embed="rId2"/>
+          <a:blip r:embed="rId2">
+            <a:extLst>
+              <a:ext uri="{28A0092B-C50C-407E-A947-70E740481C1C}">
+                <a14:useLocalDpi xmlns:a14="http://schemas.microsoft.com/office/drawing/2010/main" val="0"/>
+              </a:ext>
+            </a:extLst>
+          </a:blip>
           <a:stretch>
             <a:fillRect/>
           </a:stretch>
         </p:blipFill>
         <p:spPr>
           <a:xfrm>
-            <a:off x="1466850" y="1585912"/>
-            <a:ext cx="9258300" cy="3686175"/>
+            <a:off x="4526909" y="1305342"/>
+            <a:ext cx="6997012" cy="4734542"/>
           </a:xfrm>
           <a:prstGeom prst="rect">
             <a:avLst/>
           </a:prstGeom>
         </p:spPr>
       </p:pic>
+      <p:sp>
+        <p:nvSpPr>
+          <p:cNvPr id="10" name="矩形 9"/>
+          <p:cNvSpPr/>
+          <p:nvPr/>
+        </p:nvSpPr>
+        <p:spPr>
+          <a:xfrm>
+            <a:off x="739806" y="1825953"/>
+            <a:ext cx="3645763" cy="3139321"/>
+          </a:xfrm>
+          <a:prstGeom prst="rect">
+            <a:avLst/>
+          </a:prstGeom>
+        </p:spPr>
+        <p:txBody>
+          <a:bodyPr wrap="square">
+            <a:spAutoFit/>
+          </a:bodyPr>
+          <a:lstStyle/>
+          <a:p>
+            <a:r>
+              <a:rPr lang="zh-CN" altLang="en-US" dirty="0" smtClean="0"/>
+              <a:t>准确度：</a:t>
+            </a:r>
+            <a:endParaRPr lang="en-US" altLang="zh-CN" dirty="0" smtClean="0"/>
+          </a:p>
+          <a:p>
+            <a:endParaRPr lang="en-US" altLang="zh-CN" dirty="0"/>
+          </a:p>
+          <a:p>
+            <a:endParaRPr lang="en-US" altLang="zh-CN" dirty="0" smtClean="0"/>
+          </a:p>
+          <a:p>
+            <a:endParaRPr lang="en-US" altLang="zh-CN" dirty="0"/>
+          </a:p>
+          <a:p>
+            <a:endParaRPr lang="en-US" altLang="zh-CN" dirty="0" smtClean="0"/>
+          </a:p>
+          <a:p>
+            <a:r>
+              <a:rPr lang="zh-CN" altLang="en-US" dirty="0" smtClean="0"/>
+              <a:t>小样本集：</a:t>
+            </a:r>
+            <a:r>
+              <a:rPr lang="en-US" altLang="zh-CN" dirty="0" smtClean="0"/>
+              <a:t>0.8923948220064726</a:t>
+            </a:r>
+            <a:endParaRPr lang="en-US" altLang="zh-CN" dirty="0"/>
+          </a:p>
+          <a:p>
+            <a:endParaRPr lang="en-US" altLang="zh-CN" dirty="0" smtClean="0"/>
+          </a:p>
+          <a:p>
+            <a:endParaRPr lang="en-US" altLang="zh-CN" dirty="0"/>
+          </a:p>
+          <a:p>
+            <a:endParaRPr lang="en-US" altLang="zh-CN" dirty="0" smtClean="0"/>
+          </a:p>
+          <a:p>
+            <a:endParaRPr lang="en-US" altLang="zh-CN" dirty="0"/>
+          </a:p>
+          <a:p>
+            <a:r>
+              <a:rPr lang="zh-CN" altLang="en-US" dirty="0" smtClean="0"/>
+              <a:t>大样本集：</a:t>
+            </a:r>
+            <a:r>
+              <a:rPr lang="en-US" altLang="zh-CN" dirty="0" smtClean="0"/>
+              <a:t>0.8633972647082626</a:t>
+            </a:r>
+            <a:endParaRPr lang="en-US" altLang="zh-CN" dirty="0"/>
+          </a:p>
+        </p:txBody>
+      </p:sp>
     </p:spTree>
     <p:extLst>
       <p:ext uri="{BB962C8B-B14F-4D97-AF65-F5344CB8AC3E}">
-        <p14:creationId xmlns:p14="http://schemas.microsoft.com/office/powerpoint/2010/main" val="1058793319"/>
+        <p14:creationId xmlns:p14="http://schemas.microsoft.com/office/powerpoint/2010/main" val="2206997220"/>
       </p:ext>
     </p:extLst>
   </p:cSld>

--- a/Homework2/数据仓库报告.pptx
+++ b/Homework2/数据仓库报告.pptx
@@ -5849,6 +5849,13 @@
   <p:clrMapOvr>
     <a:masterClrMapping/>
   </p:clrMapOvr>
+  <p:timing>
+    <p:tnLst>
+      <p:par>
+        <p:cTn id="1" dur="indefinite" restart="never" nodeType="tmRoot"/>
+      </p:par>
+    </p:tnLst>
+  </p:timing>
 </p:sld>
 </file>
 
@@ -7487,11 +7494,7 @@
           <a:p>
             <a:r>
               <a:rPr lang="zh-CN" altLang="en-US" dirty="0" smtClean="0"/>
-              <a:t>如</a:t>
-            </a:r>
-            <a:r>
-              <a:rPr lang="zh-CN" altLang="en-US" dirty="0" smtClean="0"/>
-              <a:t>右图所示</a:t>
+              <a:t>如右图所示</a:t>
             </a:r>
             <a:endParaRPr lang="zh-CN" altLang="en-US" dirty="0"/>
           </a:p>
@@ -8111,6 +8114,13 @@
   <p:clrMapOvr>
     <a:masterClrMapping/>
   </p:clrMapOvr>
+  <p:timing>
+    <p:tnLst>
+      <p:par>
+        <p:cTn id="1" dur="indefinite" restart="never" nodeType="tmRoot"/>
+      </p:par>
+    </p:tnLst>
+  </p:timing>
 </p:sld>
 </file>
 
@@ -8187,6 +8197,13 @@
   <p:clrMapOvr>
     <a:masterClrMapping/>
   </p:clrMapOvr>
+  <p:timing>
+    <p:tnLst>
+      <p:par>
+        <p:cTn id="1" dur="indefinite" restart="never" nodeType="tmRoot"/>
+      </p:par>
+    </p:tnLst>
+  </p:timing>
 </p:sld>
 </file>
 
@@ -9291,6 +9308,13 @@
   <p:clrMapOvr>
     <a:masterClrMapping/>
   </p:clrMapOvr>
+  <p:timing>
+    <p:tnLst>
+      <p:par>
+        <p:cTn id="1" dur="indefinite" restart="never" nodeType="tmRoot"/>
+      </p:par>
+    </p:tnLst>
+  </p:timing>
 </p:sld>
 </file>
 
@@ -9510,6 +9534,13 @@
   <p:clrMapOvr>
     <a:masterClrMapping/>
   </p:clrMapOvr>
+  <p:timing>
+    <p:tnLst>
+      <p:par>
+        <p:cTn id="1" dur="indefinite" restart="never" nodeType="tmRoot"/>
+      </p:par>
+    </p:tnLst>
+  </p:timing>
 </p:sld>
 </file>
 
@@ -9976,6 +10007,13 @@
   <p:clrMapOvr>
     <a:masterClrMapping/>
   </p:clrMapOvr>
+  <p:timing>
+    <p:tnLst>
+      <p:par>
+        <p:cTn id="1" dur="indefinite" restart="never" nodeType="tmRoot"/>
+      </p:par>
+    </p:tnLst>
+  </p:timing>
 </p:sld>
 </file>
 
@@ -10052,6 +10090,13 @@
   <p:clrMapOvr>
     <a:masterClrMapping/>
   </p:clrMapOvr>
+  <p:timing>
+    <p:tnLst>
+      <p:par>
+        <p:cTn id="1" dur="indefinite" restart="never" nodeType="tmRoot"/>
+      </p:par>
+    </p:tnLst>
+  </p:timing>
 </p:sld>
 </file>
 
@@ -10395,6 +10440,13 @@
   <p:clrMapOvr>
     <a:masterClrMapping/>
   </p:clrMapOvr>
+  <p:timing>
+    <p:tnLst>
+      <p:par>
+        <p:cTn id="1" dur="indefinite" restart="never" nodeType="tmRoot"/>
+      </p:par>
+    </p:tnLst>
+  </p:timing>
 </p:sld>
 </file>
 
@@ -10567,7 +10619,7 @@
         <p:spPr>
           <a:xfrm>
             <a:off x="622736" y="1566063"/>
-            <a:ext cx="5456943" cy="2308324"/>
+            <a:ext cx="5617243" cy="2308324"/>
           </a:xfrm>
           <a:prstGeom prst="rect">
             <a:avLst/>
@@ -10663,20 +10715,16 @@
               <a:buChar char="•"/>
             </a:pPr>
             <a:r>
-              <a:rPr lang="en-US" altLang="zh-CN" dirty="0" smtClean="0"/>
-              <a:t>K</a:t>
-            </a:r>
-            <a:r>
               <a:rPr lang="zh-CN" altLang="en-US" dirty="0" smtClean="0"/>
-              <a:t>近邻查询：距离查询点最近的</a:t>
-            </a:r>
-            <a:r>
-              <a:rPr lang="en-US" altLang="zh-CN" dirty="0" smtClean="0"/>
-              <a:t>K</a:t>
+              <a:t>范围查询：</a:t>
             </a:r>
             <a:r>
               <a:rPr lang="zh-CN" altLang="en-US" dirty="0" smtClean="0"/>
-              <a:t>个数据</a:t>
+              <a:t>距离查询</a:t>
+            </a:r>
+            <a:r>
+              <a:rPr lang="zh-CN" altLang="en-US" dirty="0" smtClean="0"/>
+              <a:t>点固定范围内有多少点</a:t>
             </a:r>
             <a:endParaRPr lang="zh-CN" altLang="en-US" dirty="0"/>
           </a:p>
@@ -10773,6 +10821,13 @@
   <p:clrMapOvr>
     <a:masterClrMapping/>
   </p:clrMapOvr>
+  <p:timing>
+    <p:tnLst>
+      <p:par>
+        <p:cTn id="1" dur="indefinite" restart="never" nodeType="tmRoot"/>
+      </p:par>
+    </p:tnLst>
+  </p:timing>
 </p:sld>
 </file>
 
@@ -12105,6 +12160,13 @@
   <p:clrMapOvr>
     <a:masterClrMapping/>
   </p:clrMapOvr>
+  <p:timing>
+    <p:tnLst>
+      <p:par>
+        <p:cTn id="1" dur="indefinite" restart="never" nodeType="tmRoot"/>
+      </p:par>
+    </p:tnLst>
+  </p:timing>
 </p:sld>
 </file>
 
@@ -13069,6 +13131,13 @@
   <p:clrMapOvr>
     <a:masterClrMapping/>
   </p:clrMapOvr>
+  <p:timing>
+    <p:tnLst>
+      <p:par>
+        <p:cTn id="1" dur="indefinite" restart="never" nodeType="tmRoot"/>
+      </p:par>
+    </p:tnLst>
+  </p:timing>
 </p:sld>
 </file>
 
@@ -13919,6 +13988,13 @@
   <p:clrMapOvr>
     <a:masterClrMapping/>
   </p:clrMapOvr>
+  <p:timing>
+    <p:tnLst>
+      <p:par>
+        <p:cTn id="1" dur="indefinite" restart="never" nodeType="tmRoot"/>
+      </p:par>
+    </p:tnLst>
+  </p:timing>
 </p:sld>
 </file>
 
@@ -13977,6 +14053,13 @@
   <p:clrMapOvr>
     <a:masterClrMapping/>
   </p:clrMapOvr>
+  <p:timing>
+    <p:tnLst>
+      <p:par>
+        <p:cTn id="1" dur="indefinite" restart="never" nodeType="tmRoot"/>
+      </p:par>
+    </p:tnLst>
+  </p:timing>
 </p:sld>
 </file>
 
@@ -14382,17 +14465,12 @@
             </a:r>
             <a:r>
               <a:rPr lang="zh-CN" altLang="en-US" b="1" dirty="0" smtClean="0"/>
-              <a:t>集</a:t>
-            </a:r>
-            <a:r>
-              <a:rPr lang="zh-CN" altLang="en-US" b="1" dirty="0" smtClean="0"/>
-              <a:t>选取</a:t>
+              <a:t>集选取</a:t>
             </a:r>
             <a:r>
               <a:rPr lang="en-US" altLang="zh-CN" b="1" dirty="0" smtClean="0"/>
               <a:t>:</a:t>
             </a:r>
-            <a:endParaRPr lang="en-US" altLang="zh-CN" b="1" dirty="0" smtClean="0"/>
           </a:p>
           <a:p>
             <a:endParaRPr lang="en-US" altLang="zh-CN" dirty="0"/>
@@ -14424,6 +14502,13 @@
   <p:clrMapOvr>
     <a:masterClrMapping/>
   </p:clrMapOvr>
+  <p:timing>
+    <p:tnLst>
+      <p:par>
+        <p:cTn id="1" dur="indefinite" restart="never" nodeType="tmRoot"/>
+      </p:par>
+    </p:tnLst>
+  </p:timing>
 </p:sld>
 </file>
 
@@ -15446,6 +15531,13 @@
   <p:clrMapOvr>
     <a:masterClrMapping/>
   </p:clrMapOvr>
+  <p:timing>
+    <p:tnLst>
+      <p:par>
+        <p:cTn id="1" dur="indefinite" restart="never" nodeType="tmRoot"/>
+      </p:par>
+    </p:tnLst>
+  </p:timing>
 </p:sld>
 </file>
 
@@ -16085,6 +16177,13 @@
   <p:clrMapOvr>
     <a:masterClrMapping/>
   </p:clrMapOvr>
+  <p:timing>
+    <p:tnLst>
+      <p:par>
+        <p:cTn id="1" dur="indefinite" restart="never" nodeType="tmRoot"/>
+      </p:par>
+    </p:tnLst>
+  </p:timing>
 </p:sld>
 </file>
 
@@ -16473,6 +16572,13 @@
   <p:clrMapOvr>
     <a:masterClrMapping/>
   </p:clrMapOvr>
+  <p:timing>
+    <p:tnLst>
+      <p:par>
+        <p:cTn id="1" dur="indefinite" restart="never" nodeType="tmRoot"/>
+      </p:par>
+    </p:tnLst>
+  </p:timing>
 </p:sld>
 </file>
 
@@ -16719,6 +16825,13 @@
   <p:clrMapOvr>
     <a:masterClrMapping/>
   </p:clrMapOvr>
+  <p:timing>
+    <p:tnLst>
+      <p:par>
+        <p:cTn id="1" dur="indefinite" restart="never" nodeType="tmRoot"/>
+      </p:par>
+    </p:tnLst>
+  </p:timing>
 </p:sld>
 </file>
 
@@ -16929,6 +17042,13 @@
   <p:clrMapOvr>
     <a:masterClrMapping/>
   </p:clrMapOvr>
+  <p:timing>
+    <p:tnLst>
+      <p:par>
+        <p:cTn id="1" dur="indefinite" restart="never" nodeType="tmRoot"/>
+      </p:par>
+    </p:tnLst>
+  </p:timing>
 </p:sld>
 </file>
 
